--- a/doc/apcl_presentation.pptx
+++ b/doc/apcl_presentation.pptx
@@ -112,6 +112,22 @@
       </a:defRPr>
     </a:lvl9pPr>
   </p:defaultTextStyle>
+  <p:extLst>
+    <p:ext uri="{EFAFB233-063F-42B5-8137-9DF3F51BA10A}">
+      <p15:sldGuideLst xmlns:p15="http://schemas.microsoft.com/office/powerpoint/2012/main">
+        <p15:guide id="1" orient="horz" pos="2160">
+          <p15:clr>
+            <a:srgbClr val="A4A3A4"/>
+          </p15:clr>
+        </p15:guide>
+        <p15:guide id="2" pos="2880">
+          <p15:clr>
+            <a:srgbClr val="A4A3A4"/>
+          </p15:clr>
+        </p15:guide>
+      </p15:sldGuideLst>
+    </p:ext>
+  </p:extLst>
 </p:presentation>
 </file>
 
@@ -252,7 +268,7 @@
           <a:p>
             <a:fld id="{1149BB35-C4B1-4624-8F8C-F6F9A7C4A52E}" type="datetimeFigureOut">
               <a:rPr lang="en-US" smtClean="0"/>
-              <a:t>11/22/2013</a:t>
+              <a:t>11/25/2013</a:t>
             </a:fld>
             <a:endParaRPr lang="en-US"/>
           </a:p>
@@ -1121,7 +1137,7 @@
           <a:p>
             <a:fld id="{1149BB35-C4B1-4624-8F8C-F6F9A7C4A52E}" type="datetimeFigureOut">
               <a:rPr lang="en-US" smtClean="0"/>
-              <a:t>11/22/2013</a:t>
+              <a:t>11/25/2013</a:t>
             </a:fld>
             <a:endParaRPr lang="en-US"/>
           </a:p>
@@ -1296,7 +1312,7 @@
           <a:p>
             <a:fld id="{1149BB35-C4B1-4624-8F8C-F6F9A7C4A52E}" type="datetimeFigureOut">
               <a:rPr lang="en-US" smtClean="0"/>
-              <a:t>11/22/2013</a:t>
+              <a:t>11/25/2013</a:t>
             </a:fld>
             <a:endParaRPr lang="en-US"/>
           </a:p>
@@ -1466,7 +1482,7 @@
           <a:p>
             <a:fld id="{1149BB35-C4B1-4624-8F8C-F6F9A7C4A52E}" type="datetimeFigureOut">
               <a:rPr lang="en-US" smtClean="0"/>
-              <a:t>11/22/2013</a:t>
+              <a:t>11/25/2013</a:t>
             </a:fld>
             <a:endParaRPr lang="en-US"/>
           </a:p>
@@ -1676,7 +1692,7 @@
           <a:p>
             <a:fld id="{1149BB35-C4B1-4624-8F8C-F6F9A7C4A52E}" type="datetimeFigureOut">
               <a:rPr lang="en-US" smtClean="0"/>
-              <a:t>11/22/2013</a:t>
+              <a:t>11/25/2013</a:t>
             </a:fld>
             <a:endParaRPr lang="en-US"/>
           </a:p>
@@ -2490,7 +2506,7 @@
           <a:p>
             <a:fld id="{1149BB35-C4B1-4624-8F8C-F6F9A7C4A52E}" type="datetimeFigureOut">
               <a:rPr lang="en-US" smtClean="0"/>
-              <a:t>11/22/2013</a:t>
+              <a:t>11/25/2013</a:t>
             </a:fld>
             <a:endParaRPr lang="en-US"/>
           </a:p>
@@ -2726,7 +2742,7 @@
           <a:p>
             <a:fld id="{1149BB35-C4B1-4624-8F8C-F6F9A7C4A52E}" type="datetimeFigureOut">
               <a:rPr lang="en-US" smtClean="0"/>
-              <a:t>11/22/2013</a:t>
+              <a:t>11/25/2013</a:t>
             </a:fld>
             <a:endParaRPr lang="en-US"/>
           </a:p>
@@ -3049,7 +3065,7 @@
           <a:p>
             <a:fld id="{1149BB35-C4B1-4624-8F8C-F6F9A7C4A52E}" type="datetimeFigureOut">
               <a:rPr lang="en-US" smtClean="0"/>
-              <a:t>11/22/2013</a:t>
+              <a:t>11/25/2013</a:t>
             </a:fld>
             <a:endParaRPr lang="en-US"/>
           </a:p>
@@ -3139,7 +3155,7 @@
           <a:p>
             <a:fld id="{1149BB35-C4B1-4624-8F8C-F6F9A7C4A52E}" type="datetimeFigureOut">
               <a:rPr lang="en-US" smtClean="0"/>
-              <a:t>11/22/2013</a:t>
+              <a:t>11/25/2013</a:t>
             </a:fld>
             <a:endParaRPr lang="en-US"/>
           </a:p>
@@ -3656,7 +3672,7 @@
           <a:p>
             <a:fld id="{1149BB35-C4B1-4624-8F8C-F6F9A7C4A52E}" type="datetimeFigureOut">
               <a:rPr lang="en-US" smtClean="0"/>
-              <a:t>11/22/2013</a:t>
+              <a:t>11/25/2013</a:t>
             </a:fld>
             <a:endParaRPr lang="en-US"/>
           </a:p>
@@ -4167,7 +4183,7 @@
           <a:p>
             <a:fld id="{1149BB35-C4B1-4624-8F8C-F6F9A7C4A52E}" type="datetimeFigureOut">
               <a:rPr lang="en-US" smtClean="0"/>
-              <a:t>11/22/2013</a:t>
+              <a:t>11/25/2013</a:t>
             </a:fld>
             <a:endParaRPr lang="en-US"/>
           </a:p>
@@ -4412,7 +4428,7 @@
           <a:p>
             <a:fld id="{1149BB35-C4B1-4624-8F8C-F6F9A7C4A52E}" type="datetimeFigureOut">
               <a:rPr lang="en-US" smtClean="0"/>
-              <a:t>11/22/2013</a:t>
+              <a:t>11/25/2013</a:t>
             </a:fld>
             <a:endParaRPr lang="en-US"/>
           </a:p>
@@ -5289,7 +5305,6 @@
               <a:rPr lang="en-US" dirty="0" smtClean="0"/>
               <a:t>Kinect Camera </a:t>
             </a:r>
-            <a:endParaRPr lang="en-US" dirty="0" smtClean="0"/>
           </a:p>
           <a:p>
             <a:pPr lvl="1"/>
@@ -5349,11 +5364,7 @@
             </a:r>
             <a:r>
               <a:rPr lang="en-US" dirty="0" err="1" smtClean="0"/>
-              <a:t>o</a:t>
-            </a:r>
-            <a:r>
-              <a:rPr lang="en-US" dirty="0" err="1" smtClean="0"/>
-              <a:t>utliar</a:t>
+              <a:t>outliar</a:t>
             </a:r>
             <a:r>
               <a:rPr lang="en-US" dirty="0" smtClean="0"/>
@@ -5368,11 +5379,7 @@
             </a:r>
             <a:r>
               <a:rPr lang="en-US" dirty="0" err="1" smtClean="0"/>
-              <a:t>o</a:t>
-            </a:r>
-            <a:r>
-              <a:rPr lang="en-US" dirty="0" err="1" smtClean="0"/>
-              <a:t>utliar</a:t>
+              <a:t>outliar</a:t>
             </a:r>
             <a:r>
               <a:rPr lang="en-US" dirty="0" smtClean="0"/>
@@ -5455,12 +5462,6 @@
           <a:bodyPr/>
           <a:lstStyle/>
           <a:p>
-            <a:r>
-              <a:rPr lang="en-US" dirty="0" smtClean="0"/>
-              <a:t>Class Diagram</a:t>
-            </a:r>
-          </a:p>
-          <a:p>
             <a:pPr>
               <a:buNone/>
             </a:pPr>
@@ -5470,22 +5471,28 @@
       </p:sp>
       <p:pic>
         <p:nvPicPr>
-          <p:cNvPr id="4" name="Picture 3" descr="class_diagram.jpg"/>
+          <p:cNvPr id="4" name="Picture 3"/>
           <p:cNvPicPr>
             <a:picLocks noChangeAspect="1"/>
           </p:cNvPicPr>
           <p:nvPr/>
         </p:nvPicPr>
         <p:blipFill>
-          <a:blip r:embed="rId2"/>
+          <a:blip r:embed="rId2">
+            <a:extLst>
+              <a:ext uri="{28A0092B-C50C-407E-A947-70E740481C1C}">
+                <a14:useLocalDpi xmlns:a14="http://schemas.microsoft.com/office/drawing/2010/main" val="0"/>
+              </a:ext>
+            </a:extLst>
+          </a:blip>
           <a:stretch>
             <a:fillRect/>
           </a:stretch>
         </p:blipFill>
         <p:spPr>
           <a:xfrm>
-            <a:off x="533400" y="1600201"/>
-            <a:ext cx="7924800" cy="4038600"/>
+            <a:off x="381000" y="1295399"/>
+            <a:ext cx="7772400" cy="5787543"/>
           </a:xfrm>
           <a:prstGeom prst="rect">
             <a:avLst/>
@@ -5578,11 +5585,7 @@
             <a:pPr lvl="1"/>
             <a:r>
               <a:rPr lang="en-US" dirty="0" smtClean="0"/>
-              <a:t>C</a:t>
-            </a:r>
-            <a:r>
-              <a:rPr lang="en-US" dirty="0" smtClean="0"/>
-              <a:t>onfiguration </a:t>
+              <a:t>Configuration </a:t>
             </a:r>
           </a:p>
           <a:p>

--- a/doc/apcl_presentation.pptx
+++ b/doc/apcl_presentation.pptx
@@ -1,28 +1,130 @@
 
 <file path=ppt/presentation.xml><?xml version="1.0" encoding="utf-8"?>
-<p:presentation xmlns:a="http://schemas.openxmlformats.org/drawingml/2006/main" xmlns:p="http://schemas.openxmlformats.org/presentationml/2006/main" xmlns:r="http://schemas.openxmlformats.org/officeDocument/2006/relationships">
+<p:presentation xmlns:a="http://schemas.openxmlformats.org/drawingml/2006/main" xmlns:r="http://schemas.openxmlformats.org/officeDocument/2006/relationships" xmlns:p="http://schemas.openxmlformats.org/presentationml/2006/main">
   <p:sldMasterIdLst>
-    <p:sldMasterId id="2147483648" r:id="rId2"/>
-    <p:sldMasterId id="2147483661" r:id="rId3"/>
+    <p:sldMasterId id="2147483648" r:id="rId1"/>
+    <p:sldMasterId id="2147483661" r:id="rId2"/>
   </p:sldMasterIdLst>
   <p:sldIdLst>
-    <p:sldId id="256" r:id="rId4"/>
-    <p:sldId id="257" r:id="rId5"/>
-    <p:sldId id="258" r:id="rId6"/>
-    <p:sldId id="259" r:id="rId7"/>
-    <p:sldId id="260" r:id="rId8"/>
-    <p:sldId id="261" r:id="rId9"/>
-    <p:sldId id="262" r:id="rId10"/>
-    <p:sldId id="263" r:id="rId11"/>
-    <p:sldId id="264" r:id="rId12"/>
+    <p:sldId id="256" r:id="rId3"/>
+    <p:sldId id="257" r:id="rId4"/>
+    <p:sldId id="258" r:id="rId5"/>
+    <p:sldId id="268" r:id="rId6"/>
+    <p:sldId id="266" r:id="rId7"/>
+    <p:sldId id="261" r:id="rId8"/>
+    <p:sldId id="262" r:id="rId9"/>
+    <p:sldId id="263" r:id="rId10"/>
+    <p:sldId id="269" r:id="rId11"/>
+    <p:sldId id="270" r:id="rId12"/>
+    <p:sldId id="264" r:id="rId13"/>
   </p:sldIdLst>
-  <p:sldSz cx="9144000" cy="6858000"/>
+  <p:sldSz cx="9144000" cy="6858000" type="screen4x3"/>
   <p:notesSz cx="7772400" cy="10058400"/>
+  <p:defaultTextStyle>
+    <a:defPPr>
+      <a:defRPr lang="pt-BR"/>
+    </a:defPPr>
+    <a:lvl1pPr marL="0" algn="l" defTabSz="914400" rtl="0" eaLnBrk="1" latinLnBrk="0" hangingPunct="1">
+      <a:defRPr sz="1800" kern="1200">
+        <a:solidFill>
+          <a:schemeClr val="tx1"/>
+        </a:solidFill>
+        <a:latin typeface="+mn-lt"/>
+        <a:ea typeface="+mn-ea"/>
+        <a:cs typeface="+mn-cs"/>
+      </a:defRPr>
+    </a:lvl1pPr>
+    <a:lvl2pPr marL="457200" algn="l" defTabSz="914400" rtl="0" eaLnBrk="1" latinLnBrk="0" hangingPunct="1">
+      <a:defRPr sz="1800" kern="1200">
+        <a:solidFill>
+          <a:schemeClr val="tx1"/>
+        </a:solidFill>
+        <a:latin typeface="+mn-lt"/>
+        <a:ea typeface="+mn-ea"/>
+        <a:cs typeface="+mn-cs"/>
+      </a:defRPr>
+    </a:lvl2pPr>
+    <a:lvl3pPr marL="914400" algn="l" defTabSz="914400" rtl="0" eaLnBrk="1" latinLnBrk="0" hangingPunct="1">
+      <a:defRPr sz="1800" kern="1200">
+        <a:solidFill>
+          <a:schemeClr val="tx1"/>
+        </a:solidFill>
+        <a:latin typeface="+mn-lt"/>
+        <a:ea typeface="+mn-ea"/>
+        <a:cs typeface="+mn-cs"/>
+      </a:defRPr>
+    </a:lvl3pPr>
+    <a:lvl4pPr marL="1371600" algn="l" defTabSz="914400" rtl="0" eaLnBrk="1" latinLnBrk="0" hangingPunct="1">
+      <a:defRPr sz="1800" kern="1200">
+        <a:solidFill>
+          <a:schemeClr val="tx1"/>
+        </a:solidFill>
+        <a:latin typeface="+mn-lt"/>
+        <a:ea typeface="+mn-ea"/>
+        <a:cs typeface="+mn-cs"/>
+      </a:defRPr>
+    </a:lvl4pPr>
+    <a:lvl5pPr marL="1828800" algn="l" defTabSz="914400" rtl="0" eaLnBrk="1" latinLnBrk="0" hangingPunct="1">
+      <a:defRPr sz="1800" kern="1200">
+        <a:solidFill>
+          <a:schemeClr val="tx1"/>
+        </a:solidFill>
+        <a:latin typeface="+mn-lt"/>
+        <a:ea typeface="+mn-ea"/>
+        <a:cs typeface="+mn-cs"/>
+      </a:defRPr>
+    </a:lvl5pPr>
+    <a:lvl6pPr marL="2286000" algn="l" defTabSz="914400" rtl="0" eaLnBrk="1" latinLnBrk="0" hangingPunct="1">
+      <a:defRPr sz="1800" kern="1200">
+        <a:solidFill>
+          <a:schemeClr val="tx1"/>
+        </a:solidFill>
+        <a:latin typeface="+mn-lt"/>
+        <a:ea typeface="+mn-ea"/>
+        <a:cs typeface="+mn-cs"/>
+      </a:defRPr>
+    </a:lvl6pPr>
+    <a:lvl7pPr marL="2743200" algn="l" defTabSz="914400" rtl="0" eaLnBrk="1" latinLnBrk="0" hangingPunct="1">
+      <a:defRPr sz="1800" kern="1200">
+        <a:solidFill>
+          <a:schemeClr val="tx1"/>
+        </a:solidFill>
+        <a:latin typeface="+mn-lt"/>
+        <a:ea typeface="+mn-ea"/>
+        <a:cs typeface="+mn-cs"/>
+      </a:defRPr>
+    </a:lvl7pPr>
+    <a:lvl8pPr marL="3200400" algn="l" defTabSz="914400" rtl="0" eaLnBrk="1" latinLnBrk="0" hangingPunct="1">
+      <a:defRPr sz="1800" kern="1200">
+        <a:solidFill>
+          <a:schemeClr val="tx1"/>
+        </a:solidFill>
+        <a:latin typeface="+mn-lt"/>
+        <a:ea typeface="+mn-ea"/>
+        <a:cs typeface="+mn-cs"/>
+      </a:defRPr>
+    </a:lvl8pPr>
+    <a:lvl9pPr marL="3657600" algn="l" defTabSz="914400" rtl="0" eaLnBrk="1" latinLnBrk="0" hangingPunct="1">
+      <a:defRPr sz="1800" kern="1200">
+        <a:solidFill>
+          <a:schemeClr val="tx1"/>
+        </a:solidFill>
+        <a:latin typeface="+mn-lt"/>
+        <a:ea typeface="+mn-ea"/>
+        <a:cs typeface="+mn-cs"/>
+      </a:defRPr>
+    </a:lvl9pPr>
+  </p:defaultTextStyle>
+  <p:extLst>
+    <p:ext uri="{EFAFB233-063F-42B5-8137-9DF3F51BA10A}">
+      <p15:sldGuideLst xmlns:p15="http://schemas.microsoft.com/office/powerpoint/2012/main"/>
+    </p:ext>
+  </p:extLst>
 </p:presentation>
 </file>
 
 <file path=ppt/slideLayouts/slideLayout1.xml><?xml version="1.0" encoding="utf-8"?>
-<p:sldLayout xmlns:a="http://schemas.openxmlformats.org/drawingml/2006/main" xmlns:p="http://schemas.openxmlformats.org/presentationml/2006/main" xmlns:r="http://schemas.openxmlformats.org/officeDocument/2006/relationships" preserve="1" type="blank">
+<p:sldLayout xmlns:a="http://schemas.openxmlformats.org/drawingml/2006/main" xmlns:r="http://schemas.openxmlformats.org/officeDocument/2006/relationships" xmlns:p="http://schemas.openxmlformats.org/presentationml/2006/main" type="blank" preserve="1">
   <p:cSld name="Blank Slide">
     <p:spTree>
       <p:nvGrpSpPr>
@@ -40,11 +142,14 @@
       </p:grpSpPr>
     </p:spTree>
   </p:cSld>
+  <p:clrMapOvr>
+    <a:masterClrMapping/>
+  </p:clrMapOvr>
 </p:sldLayout>
 </file>
 
 <file path=ppt/slideLayouts/slideLayout10.xml><?xml version="1.0" encoding="utf-8"?>
-<p:sldLayout xmlns:a="http://schemas.openxmlformats.org/drawingml/2006/main" xmlns:p="http://schemas.openxmlformats.org/presentationml/2006/main" xmlns:r="http://schemas.openxmlformats.org/officeDocument/2006/relationships" preserve="1" type="objOverTx">
+<p:sldLayout xmlns:a="http://schemas.openxmlformats.org/drawingml/2006/main" xmlns:r="http://schemas.openxmlformats.org/officeDocument/2006/relationships" xmlns:p="http://schemas.openxmlformats.org/presentationml/2006/main" type="objOverTx" preserve="1">
   <p:cSld name="Title, Content over Content">
     <p:spTree>
       <p:nvGrpSpPr>
@@ -80,7 +185,8 @@
           </a:prstGeom>
         </p:spPr>
         <p:txBody>
-          <a:bodyPr anchor="ctr" bIns="0" lIns="0" rIns="0" tIns="0" wrap="none"/>
+          <a:bodyPr wrap="none" lIns="0" tIns="0" rIns="0" bIns="0" anchor="ctr"/>
+          <a:lstStyle/>
           <a:p>
             <a:endParaRPr/>
           </a:p>
@@ -106,7 +212,8 @@
           </a:prstGeom>
         </p:spPr>
         <p:txBody>
-          <a:bodyPr bIns="0" lIns="0" rIns="0" tIns="0" wrap="none"/>
+          <a:bodyPr wrap="none" lIns="0" tIns="0" rIns="0" bIns="0"/>
+          <a:lstStyle/>
           <a:p>
             <a:endParaRPr/>
           </a:p>
@@ -132,7 +239,8 @@
           </a:prstGeom>
         </p:spPr>
         <p:txBody>
-          <a:bodyPr bIns="0" lIns="0" rIns="0" tIns="0" wrap="none"/>
+          <a:bodyPr wrap="none" lIns="0" tIns="0" rIns="0" bIns="0"/>
+          <a:lstStyle/>
           <a:p>
             <a:endParaRPr/>
           </a:p>
@@ -140,11 +248,14 @@
       </p:sp>
     </p:spTree>
   </p:cSld>
+  <p:clrMapOvr>
+    <a:masterClrMapping/>
+  </p:clrMapOvr>
 </p:sldLayout>
 </file>
 
 <file path=ppt/slideLayouts/slideLayout11.xml><?xml version="1.0" encoding="utf-8"?>
-<p:sldLayout xmlns:a="http://schemas.openxmlformats.org/drawingml/2006/main" xmlns:p="http://schemas.openxmlformats.org/presentationml/2006/main" xmlns:r="http://schemas.openxmlformats.org/officeDocument/2006/relationships" preserve="1" type="fourObj">
+<p:sldLayout xmlns:a="http://schemas.openxmlformats.org/drawingml/2006/main" xmlns:r="http://schemas.openxmlformats.org/officeDocument/2006/relationships" xmlns:p="http://schemas.openxmlformats.org/presentationml/2006/main" type="fourObj" preserve="1">
   <p:cSld name="Title, 4 Content">
     <p:spTree>
       <p:nvGrpSpPr>
@@ -180,7 +291,8 @@
           </a:prstGeom>
         </p:spPr>
         <p:txBody>
-          <a:bodyPr anchor="ctr" bIns="0" lIns="0" rIns="0" tIns="0" wrap="none"/>
+          <a:bodyPr wrap="none" lIns="0" tIns="0" rIns="0" bIns="0" anchor="ctr"/>
+          <a:lstStyle/>
           <a:p>
             <a:endParaRPr/>
           </a:p>
@@ -206,7 +318,8 @@
           </a:prstGeom>
         </p:spPr>
         <p:txBody>
-          <a:bodyPr bIns="0" lIns="0" rIns="0" tIns="0" wrap="none"/>
+          <a:bodyPr wrap="none" lIns="0" tIns="0" rIns="0" bIns="0"/>
+          <a:lstStyle/>
           <a:p>
             <a:endParaRPr/>
           </a:p>
@@ -232,7 +345,8 @@
           </a:prstGeom>
         </p:spPr>
         <p:txBody>
-          <a:bodyPr bIns="0" lIns="0" rIns="0" tIns="0" wrap="none"/>
+          <a:bodyPr wrap="none" lIns="0" tIns="0" rIns="0" bIns="0"/>
+          <a:lstStyle/>
           <a:p>
             <a:endParaRPr/>
           </a:p>
@@ -258,7 +372,8 @@
           </a:prstGeom>
         </p:spPr>
         <p:txBody>
-          <a:bodyPr bIns="0" lIns="0" rIns="0" tIns="0" wrap="none"/>
+          <a:bodyPr wrap="none" lIns="0" tIns="0" rIns="0" bIns="0"/>
+          <a:lstStyle/>
           <a:p>
             <a:endParaRPr/>
           </a:p>
@@ -284,7 +399,8 @@
           </a:prstGeom>
         </p:spPr>
         <p:txBody>
-          <a:bodyPr bIns="0" lIns="0" rIns="0" tIns="0" wrap="none"/>
+          <a:bodyPr wrap="none" lIns="0" tIns="0" rIns="0" bIns="0"/>
+          <a:lstStyle/>
           <a:p>
             <a:endParaRPr/>
           </a:p>
@@ -292,11 +408,14 @@
       </p:sp>
     </p:spTree>
   </p:cSld>
+  <p:clrMapOvr>
+    <a:masterClrMapping/>
+  </p:clrMapOvr>
 </p:sldLayout>
 </file>
 
 <file path=ppt/slideLayouts/slideLayout12.xml><?xml version="1.0" encoding="utf-8"?>
-<p:sldLayout xmlns:a="http://schemas.openxmlformats.org/drawingml/2006/main" xmlns:p="http://schemas.openxmlformats.org/presentationml/2006/main" xmlns:r="http://schemas.openxmlformats.org/officeDocument/2006/relationships" preserve="1" type="blank">
+<p:sldLayout xmlns:a="http://schemas.openxmlformats.org/drawingml/2006/main" xmlns:r="http://schemas.openxmlformats.org/officeDocument/2006/relationships" xmlns:p="http://schemas.openxmlformats.org/presentationml/2006/main" type="blank" preserve="1">
   <p:cSld name="Title, 6 Content">
     <p:spTree>
       <p:nvGrpSpPr>
@@ -332,7 +451,8 @@
           </a:prstGeom>
         </p:spPr>
         <p:txBody>
-          <a:bodyPr anchor="ctr" bIns="0" lIns="0" rIns="0" tIns="0" wrap="none"/>
+          <a:bodyPr wrap="none" lIns="0" tIns="0" rIns="0" bIns="0" anchor="ctr"/>
+          <a:lstStyle/>
           <a:p>
             <a:endParaRPr/>
           </a:p>
@@ -358,7 +478,8 @@
           </a:prstGeom>
         </p:spPr>
         <p:txBody>
-          <a:bodyPr bIns="0" lIns="0" rIns="0" tIns="0" wrap="none"/>
+          <a:bodyPr wrap="none" lIns="0" tIns="0" rIns="0" bIns="0"/>
+          <a:lstStyle/>
           <a:p>
             <a:endParaRPr/>
           </a:p>
@@ -384,7 +505,8 @@
           </a:prstGeom>
         </p:spPr>
         <p:txBody>
-          <a:bodyPr bIns="0" lIns="0" rIns="0" tIns="0" wrap="none"/>
+          <a:bodyPr wrap="none" lIns="0" tIns="0" rIns="0" bIns="0"/>
+          <a:lstStyle/>
           <a:p>
             <a:endParaRPr/>
           </a:p>
@@ -392,11 +514,14 @@
       </p:sp>
     </p:spTree>
   </p:cSld>
+  <p:clrMapOvr>
+    <a:masterClrMapping/>
+  </p:clrMapOvr>
 </p:sldLayout>
 </file>
 
 <file path=ppt/slideLayouts/slideLayout13.xml><?xml version="1.0" encoding="utf-8"?>
-<p:sldLayout xmlns:a="http://schemas.openxmlformats.org/drawingml/2006/main" xmlns:p="http://schemas.openxmlformats.org/presentationml/2006/main" xmlns:r="http://schemas.openxmlformats.org/officeDocument/2006/relationships" preserve="1" type="blank">
+<p:sldLayout xmlns:a="http://schemas.openxmlformats.org/drawingml/2006/main" xmlns:r="http://schemas.openxmlformats.org/officeDocument/2006/relationships" xmlns:p="http://schemas.openxmlformats.org/presentationml/2006/main" type="blank" preserve="1">
   <p:cSld name="Blank Slide">
     <p:spTree>
       <p:nvGrpSpPr>
@@ -414,11 +539,14 @@
       </p:grpSpPr>
     </p:spTree>
   </p:cSld>
+  <p:clrMapOvr>
+    <a:masterClrMapping/>
+  </p:clrMapOvr>
 </p:sldLayout>
 </file>
 
 <file path=ppt/slideLayouts/slideLayout14.xml><?xml version="1.0" encoding="utf-8"?>
-<p:sldLayout xmlns:a="http://schemas.openxmlformats.org/drawingml/2006/main" xmlns:p="http://schemas.openxmlformats.org/presentationml/2006/main" xmlns:r="http://schemas.openxmlformats.org/officeDocument/2006/relationships" preserve="1" type="tx">
+<p:sldLayout xmlns:a="http://schemas.openxmlformats.org/drawingml/2006/main" xmlns:r="http://schemas.openxmlformats.org/officeDocument/2006/relationships" xmlns:p="http://schemas.openxmlformats.org/presentationml/2006/main" type="tx" preserve="1">
   <p:cSld name="Title Slide">
     <p:spTree>
       <p:nvGrpSpPr>
@@ -454,7 +582,8 @@
           </a:prstGeom>
         </p:spPr>
         <p:txBody>
-          <a:bodyPr anchor="ctr" bIns="0" lIns="0" rIns="0" tIns="0" wrap="none"/>
+          <a:bodyPr wrap="none" lIns="0" tIns="0" rIns="0" bIns="0" anchor="ctr"/>
+          <a:lstStyle/>
           <a:p>
             <a:endParaRPr/>
           </a:p>
@@ -480,7 +609,8 @@
           </a:prstGeom>
         </p:spPr>
         <p:txBody>
-          <a:bodyPr anchor="ctr" bIns="0" lIns="0" rIns="0" tIns="0" wrap="none"/>
+          <a:bodyPr wrap="none" lIns="0" tIns="0" rIns="0" bIns="0" anchor="ctr"/>
+          <a:lstStyle/>
           <a:p>
             <a:pPr algn="ctr"/>
             <a:endParaRPr/>
@@ -489,11 +619,14 @@
       </p:sp>
     </p:spTree>
   </p:cSld>
+  <p:clrMapOvr>
+    <a:masterClrMapping/>
+  </p:clrMapOvr>
 </p:sldLayout>
 </file>
 
 <file path=ppt/slideLayouts/slideLayout15.xml><?xml version="1.0" encoding="utf-8"?>
-<p:sldLayout xmlns:a="http://schemas.openxmlformats.org/drawingml/2006/main" xmlns:p="http://schemas.openxmlformats.org/presentationml/2006/main" xmlns:r="http://schemas.openxmlformats.org/officeDocument/2006/relationships" preserve="1" type="obj">
+<p:sldLayout xmlns:a="http://schemas.openxmlformats.org/drawingml/2006/main" xmlns:r="http://schemas.openxmlformats.org/officeDocument/2006/relationships" xmlns:p="http://schemas.openxmlformats.org/presentationml/2006/main" type="obj" preserve="1">
   <p:cSld name="Title, Content">
     <p:spTree>
       <p:nvGrpSpPr>
@@ -529,7 +662,8 @@
           </a:prstGeom>
         </p:spPr>
         <p:txBody>
-          <a:bodyPr anchor="ctr" bIns="0" lIns="0" rIns="0" tIns="0" wrap="none"/>
+          <a:bodyPr wrap="none" lIns="0" tIns="0" rIns="0" bIns="0" anchor="ctr"/>
+          <a:lstStyle/>
           <a:p>
             <a:endParaRPr/>
           </a:p>
@@ -555,7 +689,8 @@
           </a:prstGeom>
         </p:spPr>
         <p:txBody>
-          <a:bodyPr bIns="0" lIns="0" rIns="0" tIns="0" wrap="none"/>
+          <a:bodyPr wrap="none" lIns="0" tIns="0" rIns="0" bIns="0"/>
+          <a:lstStyle/>
           <a:p>
             <a:endParaRPr/>
           </a:p>
@@ -563,11 +698,14 @@
       </p:sp>
     </p:spTree>
   </p:cSld>
+  <p:clrMapOvr>
+    <a:masterClrMapping/>
+  </p:clrMapOvr>
 </p:sldLayout>
 </file>
 
 <file path=ppt/slideLayouts/slideLayout16.xml><?xml version="1.0" encoding="utf-8"?>
-<p:sldLayout xmlns:a="http://schemas.openxmlformats.org/drawingml/2006/main" xmlns:p="http://schemas.openxmlformats.org/presentationml/2006/main" xmlns:r="http://schemas.openxmlformats.org/officeDocument/2006/relationships" preserve="1" type="twoObj">
+<p:sldLayout xmlns:a="http://schemas.openxmlformats.org/drawingml/2006/main" xmlns:r="http://schemas.openxmlformats.org/officeDocument/2006/relationships" xmlns:p="http://schemas.openxmlformats.org/presentationml/2006/main" type="twoObj" preserve="1">
   <p:cSld name="Title, 2 Content">
     <p:spTree>
       <p:nvGrpSpPr>
@@ -603,7 +741,8 @@
           </a:prstGeom>
         </p:spPr>
         <p:txBody>
-          <a:bodyPr anchor="ctr" bIns="0" lIns="0" rIns="0" tIns="0" wrap="none"/>
+          <a:bodyPr wrap="none" lIns="0" tIns="0" rIns="0" bIns="0" anchor="ctr"/>
+          <a:lstStyle/>
           <a:p>
             <a:endParaRPr/>
           </a:p>
@@ -629,7 +768,8 @@
           </a:prstGeom>
         </p:spPr>
         <p:txBody>
-          <a:bodyPr bIns="0" lIns="0" rIns="0" tIns="0" wrap="none"/>
+          <a:bodyPr wrap="none" lIns="0" tIns="0" rIns="0" bIns="0"/>
+          <a:lstStyle/>
           <a:p>
             <a:endParaRPr/>
           </a:p>
@@ -655,7 +795,8 @@
           </a:prstGeom>
         </p:spPr>
         <p:txBody>
-          <a:bodyPr bIns="0" lIns="0" rIns="0" tIns="0" wrap="none"/>
+          <a:bodyPr wrap="none" lIns="0" tIns="0" rIns="0" bIns="0"/>
+          <a:lstStyle/>
           <a:p>
             <a:endParaRPr/>
           </a:p>
@@ -663,11 +804,14 @@
       </p:sp>
     </p:spTree>
   </p:cSld>
+  <p:clrMapOvr>
+    <a:masterClrMapping/>
+  </p:clrMapOvr>
 </p:sldLayout>
 </file>
 
 <file path=ppt/slideLayouts/slideLayout17.xml><?xml version="1.0" encoding="utf-8"?>
-<p:sldLayout xmlns:a="http://schemas.openxmlformats.org/drawingml/2006/main" xmlns:p="http://schemas.openxmlformats.org/presentationml/2006/main" xmlns:r="http://schemas.openxmlformats.org/officeDocument/2006/relationships" preserve="1" type="titleOnly">
+<p:sldLayout xmlns:a="http://schemas.openxmlformats.org/drawingml/2006/main" xmlns:r="http://schemas.openxmlformats.org/officeDocument/2006/relationships" xmlns:p="http://schemas.openxmlformats.org/presentationml/2006/main" type="titleOnly" preserve="1">
   <p:cSld name="Title Only">
     <p:spTree>
       <p:nvGrpSpPr>
@@ -703,7 +847,8 @@
           </a:prstGeom>
         </p:spPr>
         <p:txBody>
-          <a:bodyPr anchor="ctr" bIns="0" lIns="0" rIns="0" tIns="0" wrap="none"/>
+          <a:bodyPr wrap="none" lIns="0" tIns="0" rIns="0" bIns="0" anchor="ctr"/>
+          <a:lstStyle/>
           <a:p>
             <a:endParaRPr/>
           </a:p>
@@ -711,11 +856,14 @@
       </p:sp>
     </p:spTree>
   </p:cSld>
+  <p:clrMapOvr>
+    <a:masterClrMapping/>
+  </p:clrMapOvr>
 </p:sldLayout>
 </file>
 
 <file path=ppt/slideLayouts/slideLayout18.xml><?xml version="1.0" encoding="utf-8"?>
-<p:sldLayout xmlns:a="http://schemas.openxmlformats.org/drawingml/2006/main" xmlns:p="http://schemas.openxmlformats.org/presentationml/2006/main" xmlns:r="http://schemas.openxmlformats.org/officeDocument/2006/relationships" preserve="1" type="objOnly">
+<p:sldLayout xmlns:a="http://schemas.openxmlformats.org/drawingml/2006/main" xmlns:r="http://schemas.openxmlformats.org/officeDocument/2006/relationships" xmlns:p="http://schemas.openxmlformats.org/presentationml/2006/main" type="objOnly" preserve="1">
   <p:cSld name="Centered Text">
     <p:spTree>
       <p:nvGrpSpPr>
@@ -751,7 +899,8 @@
           </a:prstGeom>
         </p:spPr>
         <p:txBody>
-          <a:bodyPr anchor="ctr" bIns="0" lIns="0" rIns="0" tIns="0" wrap="none"/>
+          <a:bodyPr wrap="none" lIns="0" tIns="0" rIns="0" bIns="0" anchor="ctr"/>
+          <a:lstStyle/>
           <a:p>
             <a:pPr algn="ctr"/>
             <a:endParaRPr/>
@@ -760,11 +909,14 @@
       </p:sp>
     </p:spTree>
   </p:cSld>
+  <p:clrMapOvr>
+    <a:masterClrMapping/>
+  </p:clrMapOvr>
 </p:sldLayout>
 </file>
 
 <file path=ppt/slideLayouts/slideLayout19.xml><?xml version="1.0" encoding="utf-8"?>
-<p:sldLayout xmlns:a="http://schemas.openxmlformats.org/drawingml/2006/main" xmlns:p="http://schemas.openxmlformats.org/presentationml/2006/main" xmlns:r="http://schemas.openxmlformats.org/officeDocument/2006/relationships" preserve="1" type="twoObjAndObj">
+<p:sldLayout xmlns:a="http://schemas.openxmlformats.org/drawingml/2006/main" xmlns:r="http://schemas.openxmlformats.org/officeDocument/2006/relationships" xmlns:p="http://schemas.openxmlformats.org/presentationml/2006/main" type="twoObjAndObj" preserve="1">
   <p:cSld name="Title, 2 Content and Content">
     <p:spTree>
       <p:nvGrpSpPr>
@@ -800,7 +952,8 @@
           </a:prstGeom>
         </p:spPr>
         <p:txBody>
-          <a:bodyPr anchor="ctr" bIns="0" lIns="0" rIns="0" tIns="0" wrap="none"/>
+          <a:bodyPr wrap="none" lIns="0" tIns="0" rIns="0" bIns="0" anchor="ctr"/>
+          <a:lstStyle/>
           <a:p>
             <a:endParaRPr/>
           </a:p>
@@ -826,7 +979,8 @@
           </a:prstGeom>
         </p:spPr>
         <p:txBody>
-          <a:bodyPr bIns="0" lIns="0" rIns="0" tIns="0" wrap="none"/>
+          <a:bodyPr wrap="none" lIns="0" tIns="0" rIns="0" bIns="0"/>
+          <a:lstStyle/>
           <a:p>
             <a:endParaRPr/>
           </a:p>
@@ -852,7 +1006,8 @@
           </a:prstGeom>
         </p:spPr>
         <p:txBody>
-          <a:bodyPr bIns="0" lIns="0" rIns="0" tIns="0" wrap="none"/>
+          <a:bodyPr wrap="none" lIns="0" tIns="0" rIns="0" bIns="0"/>
+          <a:lstStyle/>
           <a:p>
             <a:endParaRPr/>
           </a:p>
@@ -878,7 +1033,8 @@
           </a:prstGeom>
         </p:spPr>
         <p:txBody>
-          <a:bodyPr bIns="0" lIns="0" rIns="0" tIns="0" wrap="none"/>
+          <a:bodyPr wrap="none" lIns="0" tIns="0" rIns="0" bIns="0"/>
+          <a:lstStyle/>
           <a:p>
             <a:endParaRPr/>
           </a:p>
@@ -886,11 +1042,14 @@
       </p:sp>
     </p:spTree>
   </p:cSld>
+  <p:clrMapOvr>
+    <a:masterClrMapping/>
+  </p:clrMapOvr>
 </p:sldLayout>
 </file>
 
 <file path=ppt/slideLayouts/slideLayout2.xml><?xml version="1.0" encoding="utf-8"?>
-<p:sldLayout xmlns:a="http://schemas.openxmlformats.org/drawingml/2006/main" xmlns:p="http://schemas.openxmlformats.org/presentationml/2006/main" xmlns:r="http://schemas.openxmlformats.org/officeDocument/2006/relationships" preserve="1" type="tx">
+<p:sldLayout xmlns:a="http://schemas.openxmlformats.org/drawingml/2006/main" xmlns:r="http://schemas.openxmlformats.org/officeDocument/2006/relationships" xmlns:p="http://schemas.openxmlformats.org/presentationml/2006/main" type="tx" preserve="1">
   <p:cSld name="Title Slide">
     <p:spTree>
       <p:nvGrpSpPr>
@@ -926,7 +1085,8 @@
           </a:prstGeom>
         </p:spPr>
         <p:txBody>
-          <a:bodyPr anchor="ctr" bIns="0" lIns="0" rIns="0" tIns="0" wrap="none"/>
+          <a:bodyPr wrap="none" lIns="0" tIns="0" rIns="0" bIns="0" anchor="ctr"/>
+          <a:lstStyle/>
           <a:p>
             <a:endParaRPr/>
           </a:p>
@@ -952,7 +1112,8 @@
           </a:prstGeom>
         </p:spPr>
         <p:txBody>
-          <a:bodyPr anchor="ctr" bIns="0" lIns="0" rIns="0" tIns="0" wrap="none"/>
+          <a:bodyPr wrap="none" lIns="0" tIns="0" rIns="0" bIns="0" anchor="ctr"/>
+          <a:lstStyle/>
           <a:p>
             <a:pPr algn="ctr"/>
             <a:endParaRPr/>
@@ -961,11 +1122,14 @@
       </p:sp>
     </p:spTree>
   </p:cSld>
+  <p:clrMapOvr>
+    <a:masterClrMapping/>
+  </p:clrMapOvr>
 </p:sldLayout>
 </file>
 
 <file path=ppt/slideLayouts/slideLayout20.xml><?xml version="1.0" encoding="utf-8"?>
-<p:sldLayout xmlns:a="http://schemas.openxmlformats.org/drawingml/2006/main" xmlns:p="http://schemas.openxmlformats.org/presentationml/2006/main" xmlns:r="http://schemas.openxmlformats.org/officeDocument/2006/relationships" preserve="1" type="objAndTwoObj">
+<p:sldLayout xmlns:a="http://schemas.openxmlformats.org/drawingml/2006/main" xmlns:r="http://schemas.openxmlformats.org/officeDocument/2006/relationships" xmlns:p="http://schemas.openxmlformats.org/presentationml/2006/main" type="objAndTwoObj" preserve="1">
   <p:cSld name="Title Content and 2 Content">
     <p:spTree>
       <p:nvGrpSpPr>
@@ -1001,7 +1165,8 @@
           </a:prstGeom>
         </p:spPr>
         <p:txBody>
-          <a:bodyPr anchor="ctr" bIns="0" lIns="0" rIns="0" tIns="0" wrap="none"/>
+          <a:bodyPr wrap="none" lIns="0" tIns="0" rIns="0" bIns="0" anchor="ctr"/>
+          <a:lstStyle/>
           <a:p>
             <a:endParaRPr/>
           </a:p>
@@ -1027,7 +1192,8 @@
           </a:prstGeom>
         </p:spPr>
         <p:txBody>
-          <a:bodyPr bIns="0" lIns="0" rIns="0" tIns="0" wrap="none"/>
+          <a:bodyPr wrap="none" lIns="0" tIns="0" rIns="0" bIns="0"/>
+          <a:lstStyle/>
           <a:p>
             <a:endParaRPr/>
           </a:p>
@@ -1053,7 +1219,8 @@
           </a:prstGeom>
         </p:spPr>
         <p:txBody>
-          <a:bodyPr bIns="0" lIns="0" rIns="0" tIns="0" wrap="none"/>
+          <a:bodyPr wrap="none" lIns="0" tIns="0" rIns="0" bIns="0"/>
+          <a:lstStyle/>
           <a:p>
             <a:endParaRPr/>
           </a:p>
@@ -1079,7 +1246,8 @@
           </a:prstGeom>
         </p:spPr>
         <p:txBody>
-          <a:bodyPr bIns="0" lIns="0" rIns="0" tIns="0" wrap="none"/>
+          <a:bodyPr wrap="none" lIns="0" tIns="0" rIns="0" bIns="0"/>
+          <a:lstStyle/>
           <a:p>
             <a:endParaRPr/>
           </a:p>
@@ -1087,11 +1255,14 @@
       </p:sp>
     </p:spTree>
   </p:cSld>
+  <p:clrMapOvr>
+    <a:masterClrMapping/>
+  </p:clrMapOvr>
 </p:sldLayout>
 </file>
 
 <file path=ppt/slideLayouts/slideLayout21.xml><?xml version="1.0" encoding="utf-8"?>
-<p:sldLayout xmlns:a="http://schemas.openxmlformats.org/drawingml/2006/main" xmlns:p="http://schemas.openxmlformats.org/presentationml/2006/main" xmlns:r="http://schemas.openxmlformats.org/officeDocument/2006/relationships" preserve="1" type="twoObjOverTx">
+<p:sldLayout xmlns:a="http://schemas.openxmlformats.org/drawingml/2006/main" xmlns:r="http://schemas.openxmlformats.org/officeDocument/2006/relationships" xmlns:p="http://schemas.openxmlformats.org/presentationml/2006/main" type="twoObjOverTx" preserve="1">
   <p:cSld name="Title, 2 Content over Content">
     <p:spTree>
       <p:nvGrpSpPr>
@@ -1127,7 +1298,8 @@
           </a:prstGeom>
         </p:spPr>
         <p:txBody>
-          <a:bodyPr anchor="ctr" bIns="0" lIns="0" rIns="0" tIns="0" wrap="none"/>
+          <a:bodyPr wrap="none" lIns="0" tIns="0" rIns="0" bIns="0" anchor="ctr"/>
+          <a:lstStyle/>
           <a:p>
             <a:endParaRPr/>
           </a:p>
@@ -1153,7 +1325,8 @@
           </a:prstGeom>
         </p:spPr>
         <p:txBody>
-          <a:bodyPr bIns="0" lIns="0" rIns="0" tIns="0" wrap="none"/>
+          <a:bodyPr wrap="none" lIns="0" tIns="0" rIns="0" bIns="0"/>
+          <a:lstStyle/>
           <a:p>
             <a:endParaRPr/>
           </a:p>
@@ -1179,7 +1352,8 @@
           </a:prstGeom>
         </p:spPr>
         <p:txBody>
-          <a:bodyPr bIns="0" lIns="0" rIns="0" tIns="0" wrap="none"/>
+          <a:bodyPr wrap="none" lIns="0" tIns="0" rIns="0" bIns="0"/>
+          <a:lstStyle/>
           <a:p>
             <a:endParaRPr/>
           </a:p>
@@ -1205,7 +1379,8 @@
           </a:prstGeom>
         </p:spPr>
         <p:txBody>
-          <a:bodyPr bIns="0" lIns="0" rIns="0" tIns="0" wrap="none"/>
+          <a:bodyPr wrap="none" lIns="0" tIns="0" rIns="0" bIns="0"/>
+          <a:lstStyle/>
           <a:p>
             <a:endParaRPr/>
           </a:p>
@@ -1213,11 +1388,14 @@
       </p:sp>
     </p:spTree>
   </p:cSld>
+  <p:clrMapOvr>
+    <a:masterClrMapping/>
+  </p:clrMapOvr>
 </p:sldLayout>
 </file>
 
 <file path=ppt/slideLayouts/slideLayout22.xml><?xml version="1.0" encoding="utf-8"?>
-<p:sldLayout xmlns:a="http://schemas.openxmlformats.org/drawingml/2006/main" xmlns:p="http://schemas.openxmlformats.org/presentationml/2006/main" xmlns:r="http://schemas.openxmlformats.org/officeDocument/2006/relationships" preserve="1" type="objOverTx">
+<p:sldLayout xmlns:a="http://schemas.openxmlformats.org/drawingml/2006/main" xmlns:r="http://schemas.openxmlformats.org/officeDocument/2006/relationships" xmlns:p="http://schemas.openxmlformats.org/presentationml/2006/main" type="objOverTx" preserve="1">
   <p:cSld name="Title, Content over Content">
     <p:spTree>
       <p:nvGrpSpPr>
@@ -1253,7 +1431,8 @@
           </a:prstGeom>
         </p:spPr>
         <p:txBody>
-          <a:bodyPr anchor="ctr" bIns="0" lIns="0" rIns="0" tIns="0" wrap="none"/>
+          <a:bodyPr wrap="none" lIns="0" tIns="0" rIns="0" bIns="0" anchor="ctr"/>
+          <a:lstStyle/>
           <a:p>
             <a:endParaRPr/>
           </a:p>
@@ -1279,7 +1458,8 @@
           </a:prstGeom>
         </p:spPr>
         <p:txBody>
-          <a:bodyPr bIns="0" lIns="0" rIns="0" tIns="0" wrap="none"/>
+          <a:bodyPr wrap="none" lIns="0" tIns="0" rIns="0" bIns="0"/>
+          <a:lstStyle/>
           <a:p>
             <a:endParaRPr/>
           </a:p>
@@ -1305,7 +1485,8 @@
           </a:prstGeom>
         </p:spPr>
         <p:txBody>
-          <a:bodyPr bIns="0" lIns="0" rIns="0" tIns="0" wrap="none"/>
+          <a:bodyPr wrap="none" lIns="0" tIns="0" rIns="0" bIns="0"/>
+          <a:lstStyle/>
           <a:p>
             <a:endParaRPr/>
           </a:p>
@@ -1313,11 +1494,14 @@
       </p:sp>
     </p:spTree>
   </p:cSld>
+  <p:clrMapOvr>
+    <a:masterClrMapping/>
+  </p:clrMapOvr>
 </p:sldLayout>
 </file>
 
 <file path=ppt/slideLayouts/slideLayout23.xml><?xml version="1.0" encoding="utf-8"?>
-<p:sldLayout xmlns:a="http://schemas.openxmlformats.org/drawingml/2006/main" xmlns:p="http://schemas.openxmlformats.org/presentationml/2006/main" xmlns:r="http://schemas.openxmlformats.org/officeDocument/2006/relationships" preserve="1" type="fourObj">
+<p:sldLayout xmlns:a="http://schemas.openxmlformats.org/drawingml/2006/main" xmlns:r="http://schemas.openxmlformats.org/officeDocument/2006/relationships" xmlns:p="http://schemas.openxmlformats.org/presentationml/2006/main" type="fourObj" preserve="1">
   <p:cSld name="Title, 4 Content">
     <p:spTree>
       <p:nvGrpSpPr>
@@ -1353,7 +1537,8 @@
           </a:prstGeom>
         </p:spPr>
         <p:txBody>
-          <a:bodyPr anchor="ctr" bIns="0" lIns="0" rIns="0" tIns="0" wrap="none"/>
+          <a:bodyPr wrap="none" lIns="0" tIns="0" rIns="0" bIns="0" anchor="ctr"/>
+          <a:lstStyle/>
           <a:p>
             <a:endParaRPr/>
           </a:p>
@@ -1379,7 +1564,8 @@
           </a:prstGeom>
         </p:spPr>
         <p:txBody>
-          <a:bodyPr bIns="0" lIns="0" rIns="0" tIns="0" wrap="none"/>
+          <a:bodyPr wrap="none" lIns="0" tIns="0" rIns="0" bIns="0"/>
+          <a:lstStyle/>
           <a:p>
             <a:endParaRPr/>
           </a:p>
@@ -1405,7 +1591,8 @@
           </a:prstGeom>
         </p:spPr>
         <p:txBody>
-          <a:bodyPr bIns="0" lIns="0" rIns="0" tIns="0" wrap="none"/>
+          <a:bodyPr wrap="none" lIns="0" tIns="0" rIns="0" bIns="0"/>
+          <a:lstStyle/>
           <a:p>
             <a:endParaRPr/>
           </a:p>
@@ -1431,7 +1618,8 @@
           </a:prstGeom>
         </p:spPr>
         <p:txBody>
-          <a:bodyPr bIns="0" lIns="0" rIns="0" tIns="0" wrap="none"/>
+          <a:bodyPr wrap="none" lIns="0" tIns="0" rIns="0" bIns="0"/>
+          <a:lstStyle/>
           <a:p>
             <a:endParaRPr/>
           </a:p>
@@ -1457,7 +1645,8 @@
           </a:prstGeom>
         </p:spPr>
         <p:txBody>
-          <a:bodyPr bIns="0" lIns="0" rIns="0" tIns="0" wrap="none"/>
+          <a:bodyPr wrap="none" lIns="0" tIns="0" rIns="0" bIns="0"/>
+          <a:lstStyle/>
           <a:p>
             <a:endParaRPr/>
           </a:p>
@@ -1465,11 +1654,14 @@
       </p:sp>
     </p:spTree>
   </p:cSld>
+  <p:clrMapOvr>
+    <a:masterClrMapping/>
+  </p:clrMapOvr>
 </p:sldLayout>
 </file>
 
 <file path=ppt/slideLayouts/slideLayout24.xml><?xml version="1.0" encoding="utf-8"?>
-<p:sldLayout xmlns:a="http://schemas.openxmlformats.org/drawingml/2006/main" xmlns:p="http://schemas.openxmlformats.org/presentationml/2006/main" xmlns:r="http://schemas.openxmlformats.org/officeDocument/2006/relationships" preserve="1" type="blank">
+<p:sldLayout xmlns:a="http://schemas.openxmlformats.org/drawingml/2006/main" xmlns:r="http://schemas.openxmlformats.org/officeDocument/2006/relationships" xmlns:p="http://schemas.openxmlformats.org/presentationml/2006/main" type="blank" preserve="1">
   <p:cSld name="Title, 6 Content">
     <p:spTree>
       <p:nvGrpSpPr>
@@ -1505,7 +1697,8 @@
           </a:prstGeom>
         </p:spPr>
         <p:txBody>
-          <a:bodyPr anchor="ctr" bIns="0" lIns="0" rIns="0" tIns="0" wrap="none"/>
+          <a:bodyPr wrap="none" lIns="0" tIns="0" rIns="0" bIns="0" anchor="ctr"/>
+          <a:lstStyle/>
           <a:p>
             <a:endParaRPr/>
           </a:p>
@@ -1531,7 +1724,8 @@
           </a:prstGeom>
         </p:spPr>
         <p:txBody>
-          <a:bodyPr bIns="0" lIns="0" rIns="0" tIns="0" wrap="none"/>
+          <a:bodyPr wrap="none" lIns="0" tIns="0" rIns="0" bIns="0"/>
+          <a:lstStyle/>
           <a:p>
             <a:endParaRPr/>
           </a:p>
@@ -1557,7 +1751,8 @@
           </a:prstGeom>
         </p:spPr>
         <p:txBody>
-          <a:bodyPr bIns="0" lIns="0" rIns="0" tIns="0" wrap="none"/>
+          <a:bodyPr wrap="none" lIns="0" tIns="0" rIns="0" bIns="0"/>
+          <a:lstStyle/>
           <a:p>
             <a:endParaRPr/>
           </a:p>
@@ -1565,11 +1760,14 @@
       </p:sp>
     </p:spTree>
   </p:cSld>
+  <p:clrMapOvr>
+    <a:masterClrMapping/>
+  </p:clrMapOvr>
 </p:sldLayout>
 </file>
 
 <file path=ppt/slideLayouts/slideLayout3.xml><?xml version="1.0" encoding="utf-8"?>
-<p:sldLayout xmlns:a="http://schemas.openxmlformats.org/drawingml/2006/main" xmlns:p="http://schemas.openxmlformats.org/presentationml/2006/main" xmlns:r="http://schemas.openxmlformats.org/officeDocument/2006/relationships" preserve="1" type="obj">
+<p:sldLayout xmlns:a="http://schemas.openxmlformats.org/drawingml/2006/main" xmlns:r="http://schemas.openxmlformats.org/officeDocument/2006/relationships" xmlns:p="http://schemas.openxmlformats.org/presentationml/2006/main" type="obj" preserve="1">
   <p:cSld name="Title, Content">
     <p:spTree>
       <p:nvGrpSpPr>
@@ -1605,7 +1803,8 @@
           </a:prstGeom>
         </p:spPr>
         <p:txBody>
-          <a:bodyPr anchor="ctr" bIns="0" lIns="0" rIns="0" tIns="0" wrap="none"/>
+          <a:bodyPr wrap="none" lIns="0" tIns="0" rIns="0" bIns="0" anchor="ctr"/>
+          <a:lstStyle/>
           <a:p>
             <a:endParaRPr/>
           </a:p>
@@ -1631,7 +1830,8 @@
           </a:prstGeom>
         </p:spPr>
         <p:txBody>
-          <a:bodyPr bIns="0" lIns="0" rIns="0" tIns="0" wrap="none"/>
+          <a:bodyPr wrap="none" lIns="0" tIns="0" rIns="0" bIns="0"/>
+          <a:lstStyle/>
           <a:p>
             <a:endParaRPr/>
           </a:p>
@@ -1639,11 +1839,14 @@
       </p:sp>
     </p:spTree>
   </p:cSld>
+  <p:clrMapOvr>
+    <a:masterClrMapping/>
+  </p:clrMapOvr>
 </p:sldLayout>
 </file>
 
 <file path=ppt/slideLayouts/slideLayout4.xml><?xml version="1.0" encoding="utf-8"?>
-<p:sldLayout xmlns:a="http://schemas.openxmlformats.org/drawingml/2006/main" xmlns:p="http://schemas.openxmlformats.org/presentationml/2006/main" xmlns:r="http://schemas.openxmlformats.org/officeDocument/2006/relationships" preserve="1" type="twoObj">
+<p:sldLayout xmlns:a="http://schemas.openxmlformats.org/drawingml/2006/main" xmlns:r="http://schemas.openxmlformats.org/officeDocument/2006/relationships" xmlns:p="http://schemas.openxmlformats.org/presentationml/2006/main" type="twoObj" preserve="1">
   <p:cSld name="Title, 2 Content">
     <p:spTree>
       <p:nvGrpSpPr>
@@ -1679,7 +1882,8 @@
           </a:prstGeom>
         </p:spPr>
         <p:txBody>
-          <a:bodyPr anchor="ctr" bIns="0" lIns="0" rIns="0" tIns="0" wrap="none"/>
+          <a:bodyPr wrap="none" lIns="0" tIns="0" rIns="0" bIns="0" anchor="ctr"/>
+          <a:lstStyle/>
           <a:p>
             <a:endParaRPr/>
           </a:p>
@@ -1705,7 +1909,8 @@
           </a:prstGeom>
         </p:spPr>
         <p:txBody>
-          <a:bodyPr bIns="0" lIns="0" rIns="0" tIns="0" wrap="none"/>
+          <a:bodyPr wrap="none" lIns="0" tIns="0" rIns="0" bIns="0"/>
+          <a:lstStyle/>
           <a:p>
             <a:endParaRPr/>
           </a:p>
@@ -1731,7 +1936,8 @@
           </a:prstGeom>
         </p:spPr>
         <p:txBody>
-          <a:bodyPr bIns="0" lIns="0" rIns="0" tIns="0" wrap="none"/>
+          <a:bodyPr wrap="none" lIns="0" tIns="0" rIns="0" bIns="0"/>
+          <a:lstStyle/>
           <a:p>
             <a:endParaRPr/>
           </a:p>
@@ -1739,11 +1945,14 @@
       </p:sp>
     </p:spTree>
   </p:cSld>
+  <p:clrMapOvr>
+    <a:masterClrMapping/>
+  </p:clrMapOvr>
 </p:sldLayout>
 </file>
 
 <file path=ppt/slideLayouts/slideLayout5.xml><?xml version="1.0" encoding="utf-8"?>
-<p:sldLayout xmlns:a="http://schemas.openxmlformats.org/drawingml/2006/main" xmlns:p="http://schemas.openxmlformats.org/presentationml/2006/main" xmlns:r="http://schemas.openxmlformats.org/officeDocument/2006/relationships" preserve="1" type="titleOnly">
+<p:sldLayout xmlns:a="http://schemas.openxmlformats.org/drawingml/2006/main" xmlns:r="http://schemas.openxmlformats.org/officeDocument/2006/relationships" xmlns:p="http://schemas.openxmlformats.org/presentationml/2006/main" type="titleOnly" preserve="1">
   <p:cSld name="Title Only">
     <p:spTree>
       <p:nvGrpSpPr>
@@ -1779,7 +1988,8 @@
           </a:prstGeom>
         </p:spPr>
         <p:txBody>
-          <a:bodyPr anchor="ctr" bIns="0" lIns="0" rIns="0" tIns="0" wrap="none"/>
+          <a:bodyPr wrap="none" lIns="0" tIns="0" rIns="0" bIns="0" anchor="ctr"/>
+          <a:lstStyle/>
           <a:p>
             <a:endParaRPr/>
           </a:p>
@@ -1787,11 +1997,14 @@
       </p:sp>
     </p:spTree>
   </p:cSld>
+  <p:clrMapOvr>
+    <a:masterClrMapping/>
+  </p:clrMapOvr>
 </p:sldLayout>
 </file>
 
 <file path=ppt/slideLayouts/slideLayout6.xml><?xml version="1.0" encoding="utf-8"?>
-<p:sldLayout xmlns:a="http://schemas.openxmlformats.org/drawingml/2006/main" xmlns:p="http://schemas.openxmlformats.org/presentationml/2006/main" xmlns:r="http://schemas.openxmlformats.org/officeDocument/2006/relationships" preserve="1" type="objOnly">
+<p:sldLayout xmlns:a="http://schemas.openxmlformats.org/drawingml/2006/main" xmlns:r="http://schemas.openxmlformats.org/officeDocument/2006/relationships" xmlns:p="http://schemas.openxmlformats.org/presentationml/2006/main" type="objOnly" preserve="1">
   <p:cSld name="Centered Text">
     <p:spTree>
       <p:nvGrpSpPr>
@@ -1827,7 +2040,8 @@
           </a:prstGeom>
         </p:spPr>
         <p:txBody>
-          <a:bodyPr anchor="ctr" bIns="0" lIns="0" rIns="0" tIns="0" wrap="none"/>
+          <a:bodyPr wrap="none" lIns="0" tIns="0" rIns="0" bIns="0" anchor="ctr"/>
+          <a:lstStyle/>
           <a:p>
             <a:pPr algn="ctr"/>
             <a:endParaRPr/>
@@ -1836,11 +2050,14 @@
       </p:sp>
     </p:spTree>
   </p:cSld>
+  <p:clrMapOvr>
+    <a:masterClrMapping/>
+  </p:clrMapOvr>
 </p:sldLayout>
 </file>
 
 <file path=ppt/slideLayouts/slideLayout7.xml><?xml version="1.0" encoding="utf-8"?>
-<p:sldLayout xmlns:a="http://schemas.openxmlformats.org/drawingml/2006/main" xmlns:p="http://schemas.openxmlformats.org/presentationml/2006/main" xmlns:r="http://schemas.openxmlformats.org/officeDocument/2006/relationships" preserve="1" type="twoObjAndObj">
+<p:sldLayout xmlns:a="http://schemas.openxmlformats.org/drawingml/2006/main" xmlns:r="http://schemas.openxmlformats.org/officeDocument/2006/relationships" xmlns:p="http://schemas.openxmlformats.org/presentationml/2006/main" type="twoObjAndObj" preserve="1">
   <p:cSld name="Title, 2 Content and Content">
     <p:spTree>
       <p:nvGrpSpPr>
@@ -1876,7 +2093,8 @@
           </a:prstGeom>
         </p:spPr>
         <p:txBody>
-          <a:bodyPr anchor="ctr" bIns="0" lIns="0" rIns="0" tIns="0" wrap="none"/>
+          <a:bodyPr wrap="none" lIns="0" tIns="0" rIns="0" bIns="0" anchor="ctr"/>
+          <a:lstStyle/>
           <a:p>
             <a:endParaRPr/>
           </a:p>
@@ -1902,7 +2120,8 @@
           </a:prstGeom>
         </p:spPr>
         <p:txBody>
-          <a:bodyPr bIns="0" lIns="0" rIns="0" tIns="0" wrap="none"/>
+          <a:bodyPr wrap="none" lIns="0" tIns="0" rIns="0" bIns="0"/>
+          <a:lstStyle/>
           <a:p>
             <a:endParaRPr/>
           </a:p>
@@ -1928,7 +2147,8 @@
           </a:prstGeom>
         </p:spPr>
         <p:txBody>
-          <a:bodyPr bIns="0" lIns="0" rIns="0" tIns="0" wrap="none"/>
+          <a:bodyPr wrap="none" lIns="0" tIns="0" rIns="0" bIns="0"/>
+          <a:lstStyle/>
           <a:p>
             <a:endParaRPr/>
           </a:p>
@@ -1954,7 +2174,8 @@
           </a:prstGeom>
         </p:spPr>
         <p:txBody>
-          <a:bodyPr bIns="0" lIns="0" rIns="0" tIns="0" wrap="none"/>
+          <a:bodyPr wrap="none" lIns="0" tIns="0" rIns="0" bIns="0"/>
+          <a:lstStyle/>
           <a:p>
             <a:endParaRPr/>
           </a:p>
@@ -1962,11 +2183,14 @@
       </p:sp>
     </p:spTree>
   </p:cSld>
+  <p:clrMapOvr>
+    <a:masterClrMapping/>
+  </p:clrMapOvr>
 </p:sldLayout>
 </file>
 
 <file path=ppt/slideLayouts/slideLayout8.xml><?xml version="1.0" encoding="utf-8"?>
-<p:sldLayout xmlns:a="http://schemas.openxmlformats.org/drawingml/2006/main" xmlns:p="http://schemas.openxmlformats.org/presentationml/2006/main" xmlns:r="http://schemas.openxmlformats.org/officeDocument/2006/relationships" preserve="1" type="objAndTwoObj">
+<p:sldLayout xmlns:a="http://schemas.openxmlformats.org/drawingml/2006/main" xmlns:r="http://schemas.openxmlformats.org/officeDocument/2006/relationships" xmlns:p="http://schemas.openxmlformats.org/presentationml/2006/main" type="objAndTwoObj" preserve="1">
   <p:cSld name="Title Content and 2 Content">
     <p:spTree>
       <p:nvGrpSpPr>
@@ -2002,7 +2226,8 @@
           </a:prstGeom>
         </p:spPr>
         <p:txBody>
-          <a:bodyPr anchor="ctr" bIns="0" lIns="0" rIns="0" tIns="0" wrap="none"/>
+          <a:bodyPr wrap="none" lIns="0" tIns="0" rIns="0" bIns="0" anchor="ctr"/>
+          <a:lstStyle/>
           <a:p>
             <a:endParaRPr/>
           </a:p>
@@ -2028,7 +2253,8 @@
           </a:prstGeom>
         </p:spPr>
         <p:txBody>
-          <a:bodyPr bIns="0" lIns="0" rIns="0" tIns="0" wrap="none"/>
+          <a:bodyPr wrap="none" lIns="0" tIns="0" rIns="0" bIns="0"/>
+          <a:lstStyle/>
           <a:p>
             <a:endParaRPr/>
           </a:p>
@@ -2054,7 +2280,8 @@
           </a:prstGeom>
         </p:spPr>
         <p:txBody>
-          <a:bodyPr bIns="0" lIns="0" rIns="0" tIns="0" wrap="none"/>
+          <a:bodyPr wrap="none" lIns="0" tIns="0" rIns="0" bIns="0"/>
+          <a:lstStyle/>
           <a:p>
             <a:endParaRPr/>
           </a:p>
@@ -2080,7 +2307,8 @@
           </a:prstGeom>
         </p:spPr>
         <p:txBody>
-          <a:bodyPr bIns="0" lIns="0" rIns="0" tIns="0" wrap="none"/>
+          <a:bodyPr wrap="none" lIns="0" tIns="0" rIns="0" bIns="0"/>
+          <a:lstStyle/>
           <a:p>
             <a:endParaRPr/>
           </a:p>
@@ -2088,11 +2316,14 @@
       </p:sp>
     </p:spTree>
   </p:cSld>
+  <p:clrMapOvr>
+    <a:masterClrMapping/>
+  </p:clrMapOvr>
 </p:sldLayout>
 </file>
 
 <file path=ppt/slideLayouts/slideLayout9.xml><?xml version="1.0" encoding="utf-8"?>
-<p:sldLayout xmlns:a="http://schemas.openxmlformats.org/drawingml/2006/main" xmlns:p="http://schemas.openxmlformats.org/presentationml/2006/main" xmlns:r="http://schemas.openxmlformats.org/officeDocument/2006/relationships" preserve="1" type="twoObjOverTx">
+<p:sldLayout xmlns:a="http://schemas.openxmlformats.org/drawingml/2006/main" xmlns:r="http://schemas.openxmlformats.org/officeDocument/2006/relationships" xmlns:p="http://schemas.openxmlformats.org/presentationml/2006/main" type="twoObjOverTx" preserve="1">
   <p:cSld name="Title, 2 Content over Content">
     <p:spTree>
       <p:nvGrpSpPr>
@@ -2128,7 +2359,8 @@
           </a:prstGeom>
         </p:spPr>
         <p:txBody>
-          <a:bodyPr anchor="ctr" bIns="0" lIns="0" rIns="0" tIns="0" wrap="none"/>
+          <a:bodyPr wrap="none" lIns="0" tIns="0" rIns="0" bIns="0" anchor="ctr"/>
+          <a:lstStyle/>
           <a:p>
             <a:endParaRPr/>
           </a:p>
@@ -2154,7 +2386,8 @@
           </a:prstGeom>
         </p:spPr>
         <p:txBody>
-          <a:bodyPr bIns="0" lIns="0" rIns="0" tIns="0" wrap="none"/>
+          <a:bodyPr wrap="none" lIns="0" tIns="0" rIns="0" bIns="0"/>
+          <a:lstStyle/>
           <a:p>
             <a:endParaRPr/>
           </a:p>
@@ -2180,7 +2413,8 @@
           </a:prstGeom>
         </p:spPr>
         <p:txBody>
-          <a:bodyPr bIns="0" lIns="0" rIns="0" tIns="0" wrap="none"/>
+          <a:bodyPr wrap="none" lIns="0" tIns="0" rIns="0" bIns="0"/>
+          <a:lstStyle/>
           <a:p>
             <a:endParaRPr/>
           </a:p>
@@ -2206,7 +2440,8 @@
           </a:prstGeom>
         </p:spPr>
         <p:txBody>
-          <a:bodyPr bIns="0" lIns="0" rIns="0" tIns="0" wrap="none"/>
+          <a:bodyPr wrap="none" lIns="0" tIns="0" rIns="0" bIns="0"/>
+          <a:lstStyle/>
           <a:p>
             <a:endParaRPr/>
           </a:p>
@@ -2214,17 +2449,21 @@
       </p:sp>
     </p:spTree>
   </p:cSld>
+  <p:clrMapOvr>
+    <a:masterClrMapping/>
+  </p:clrMapOvr>
 </p:sldLayout>
 </file>
 
 <file path=ppt/slideMasters/slideMaster1.xml><?xml version="1.0" encoding="utf-8"?>
-<p:sldMaster xmlns:a="http://schemas.openxmlformats.org/drawingml/2006/main" xmlns:p="http://schemas.openxmlformats.org/presentationml/2006/main" xmlns:r="http://schemas.openxmlformats.org/officeDocument/2006/relationships">
+<p:sldMaster xmlns:a="http://schemas.openxmlformats.org/drawingml/2006/main" xmlns:r="http://schemas.openxmlformats.org/officeDocument/2006/relationships" xmlns:p="http://schemas.openxmlformats.org/presentationml/2006/main">
   <p:cSld>
     <p:bg>
       <p:bgPr>
         <a:solidFill>
-          <a:srgbClr val="ffffff"/>
+          <a:srgbClr val="FFFFFF"/>
         </a:solidFill>
+        <a:effectLst/>
       </p:bgPr>
     </p:bg>
     <p:spTree>
@@ -2243,7 +2482,7 @@
       </p:grpSpPr>
       <p:sp>
         <p:nvSpPr>
-          <p:cNvPr id="0" name="Line 1"/>
+          <p:cNvPr id="27" name="Line 1"/>
           <p:cNvSpPr/>
           <p:nvPr/>
         </p:nvSpPr>
@@ -2257,7 +2496,7 @@
           </a:prstGeom>
           <a:ln w="38160">
             <a:solidFill>
-              <a:srgbClr val="fec2ae"/>
+              <a:srgbClr val="FEC2AE"/>
             </a:solidFill>
             <a:round/>
           </a:ln>
@@ -2265,7 +2504,7 @@
       </p:sp>
       <p:sp>
         <p:nvSpPr>
-          <p:cNvPr id="1" name="Line 2"/>
+          <p:cNvPr id="28" name="Line 2"/>
           <p:cNvSpPr/>
           <p:nvPr/>
         </p:nvSpPr>
@@ -2279,7 +2518,7 @@
           </a:prstGeom>
           <a:ln w="57240">
             <a:solidFill>
-              <a:srgbClr val="fec2ae"/>
+              <a:srgbClr val="FEC2AE"/>
             </a:solidFill>
             <a:round/>
           </a:ln>
@@ -2301,7 +2540,7 @@
           </a:prstGeom>
           <a:ln w="19080">
             <a:solidFill>
-              <a:srgbClr val="fe8637"/>
+              <a:srgbClr val="FE8637"/>
             </a:solidFill>
             <a:round/>
           </a:ln>
@@ -2322,7 +2561,7 @@
             <a:avLst/>
           </a:prstGeom>
           <a:solidFill>
-            <a:srgbClr val="fec2ae"/>
+            <a:srgbClr val="FEC2AE"/>
           </a:solidFill>
         </p:spPr>
       </p:sp>
@@ -2342,7 +2581,7 @@
           </a:prstGeom>
           <a:ln w="9360">
             <a:solidFill>
-              <a:srgbClr val="fe8637"/>
+              <a:srgbClr val="FE8637"/>
             </a:solidFill>
             <a:round/>
           </a:ln>
@@ -2363,7 +2602,7 @@
             <a:avLst/>
           </a:prstGeom>
           <a:solidFill>
-            <a:srgbClr val="fe8637"/>
+            <a:srgbClr val="FE8637"/>
           </a:solidFill>
         </p:spPr>
       </p:sp>
@@ -2387,7 +2626,8 @@
           </a:prstGeom>
         </p:spPr>
         <p:txBody>
-          <a:bodyPr anchor="b" bIns="45000" lIns="90000" rIns="90000" tIns="45000"/>
+          <a:bodyPr lIns="90000" tIns="45000" rIns="90000" bIns="45000" anchor="b"/>
+          <a:lstStyle/>
           <a:p>
             <a:pPr>
               <a:lnSpc>
@@ -2395,9 +2635,9 @@
               </a:lnSpc>
             </a:pPr>
             <a:r>
-              <a:rPr b="1" lang="en-US" sz="3000">
-                <a:solidFill>
-                  <a:srgbClr val="575f6d"/>
+              <a:rPr lang="en-US" sz="3000" b="1">
+                <a:solidFill>
+                  <a:srgbClr val="575F6D"/>
                 </a:solidFill>
                 <a:latin typeface="Century Schoolbook"/>
               </a:rPr>
@@ -2427,7 +2667,8 @@
           </a:prstGeom>
         </p:spPr>
         <p:txBody>
-          <a:bodyPr bIns="45000" lIns="90000" rIns="90000" tIns="45000"/>
+          <a:bodyPr lIns="90000" tIns="45000" rIns="90000" bIns="45000"/>
+          <a:lstStyle/>
           <a:p>
             <a:pPr>
               <a:lnSpc>
@@ -2467,7 +2708,8 @@
           </a:prstGeom>
         </p:spPr>
         <p:txBody>
-          <a:bodyPr bIns="45000" lIns="90000" rIns="90000" tIns="45000"/>
+          <a:bodyPr lIns="90000" tIns="45000" rIns="90000" bIns="45000"/>
+          <a:lstStyle/>
           <a:p>
             <a:endParaRPr/>
           </a:p>
@@ -2488,7 +2730,7 @@
             <a:avLst/>
           </a:prstGeom>
           <a:solidFill>
-            <a:srgbClr val="fec2ae"/>
+            <a:srgbClr val="FEC2AE"/>
           </a:solidFill>
         </p:spPr>
       </p:sp>
@@ -2507,7 +2749,7 @@
             <a:avLst/>
           </a:prstGeom>
           <a:solidFill>
-            <a:srgbClr val="fed9cd"/>
+            <a:srgbClr val="FED9CD"/>
           </a:solidFill>
         </p:spPr>
       </p:sp>
@@ -2526,7 +2768,7 @@
             <a:avLst/>
           </a:prstGeom>
           <a:solidFill>
-            <a:srgbClr val="fed9cd"/>
+            <a:srgbClr val="FED9CD"/>
           </a:solidFill>
         </p:spPr>
       </p:sp>
@@ -2545,7 +2787,7 @@
             <a:avLst/>
           </a:prstGeom>
           <a:solidFill>
-            <a:srgbClr val="feede8"/>
+            <a:srgbClr val="FEEDE8"/>
           </a:solidFill>
         </p:spPr>
       </p:sp>
@@ -2565,7 +2807,7 @@
           </a:prstGeom>
           <a:ln w="57240">
             <a:solidFill>
-              <a:srgbClr val="fec2ae"/>
+              <a:srgbClr val="FEC2AE"/>
             </a:solidFill>
             <a:round/>
           </a:ln>
@@ -2587,7 +2829,7 @@
           </a:prstGeom>
           <a:ln w="57240">
             <a:solidFill>
-              <a:srgbClr val="feede8"/>
+              <a:srgbClr val="FEEDE8"/>
             </a:solidFill>
             <a:round/>
           </a:ln>
@@ -2609,7 +2851,7 @@
           </a:prstGeom>
           <a:ln w="57240">
             <a:solidFill>
-              <a:srgbClr val="fec2ae"/>
+              <a:srgbClr val="FEC2AE"/>
             </a:solidFill>
             <a:round/>
           </a:ln>
@@ -2631,7 +2873,7 @@
           </a:prstGeom>
           <a:ln w="28440">
             <a:solidFill>
-              <a:srgbClr val="fec2ae"/>
+              <a:srgbClr val="FEC2AE"/>
             </a:solidFill>
             <a:round/>
           </a:ln>
@@ -2653,7 +2895,7 @@
           </a:prstGeom>
           <a:ln w="9360">
             <a:solidFill>
-              <a:srgbClr val="fec2ae"/>
+              <a:srgbClr val="FEC2AE"/>
             </a:solidFill>
             <a:round/>
           </a:ln>
@@ -2675,7 +2917,7 @@
           </a:prstGeom>
           <a:ln w="57240">
             <a:solidFill>
-              <a:srgbClr val="fec2ae"/>
+              <a:srgbClr val="FEC2AE"/>
             </a:solidFill>
             <a:round/>
           </a:ln>
@@ -2696,7 +2938,7 @@
             <a:avLst/>
           </a:prstGeom>
           <a:solidFill>
-            <a:srgbClr val="fec2ae"/>
+            <a:srgbClr val="FEC2AE"/>
           </a:solidFill>
         </p:spPr>
       </p:sp>
@@ -2715,7 +2957,7 @@
             <a:avLst/>
           </a:prstGeom>
           <a:solidFill>
-            <a:srgbClr val="fe8637"/>
+            <a:srgbClr val="FE8637"/>
           </a:solidFill>
         </p:spPr>
       </p:sp>
@@ -2734,7 +2976,7 @@
             <a:avLst/>
           </a:prstGeom>
           <a:solidFill>
-            <a:srgbClr val="fe8637"/>
+            <a:srgbClr val="FE8637"/>
           </a:solidFill>
         </p:spPr>
       </p:sp>
@@ -2753,7 +2995,7 @@
             <a:avLst/>
           </a:prstGeom>
           <a:solidFill>
-            <a:srgbClr val="fe8637"/>
+            <a:srgbClr val="FE8637"/>
           </a:solidFill>
         </p:spPr>
       </p:sp>
@@ -2772,7 +3014,7 @@
             <a:avLst/>
           </a:prstGeom>
           <a:solidFill>
-            <a:srgbClr val="fe8637"/>
+            <a:srgbClr val="FE8637"/>
           </a:solidFill>
         </p:spPr>
       </p:sp>
@@ -2791,7 +3033,7 @@
             <a:avLst/>
           </a:prstGeom>
           <a:solidFill>
-            <a:srgbClr val="fe8637"/>
+            <a:srgbClr val="FE8637"/>
           </a:solidFill>
         </p:spPr>
       </p:sp>
@@ -2815,7 +3057,8 @@
           </a:prstGeom>
         </p:spPr>
         <p:txBody>
-          <a:bodyPr bIns="45000" lIns="90000" rIns="90000" tIns="45000"/>
+          <a:bodyPr lIns="90000" tIns="45000" rIns="90000" bIns="45000"/>
+          <a:lstStyle/>
           <a:p>
             <a:pPr>
               <a:lnSpc>
@@ -2829,7 +3072,7 @@
                 </a:solidFill>
                 <a:latin typeface="Century Schoolbook"/>
               </a:rPr>
-              <a:t>&lt;number&gt;</a:t>
+              <a:t>‹#›</a:t>
             </a:fld>
             <a:endParaRPr/>
           </a:p>
@@ -2855,7 +3098,8 @@
           </a:prstGeom>
         </p:spPr>
         <p:txBody>
-          <a:bodyPr bIns="0" lIns="0" rIns="0" tIns="0" wrap="none"/>
+          <a:bodyPr wrap="none" lIns="0" tIns="0" rIns="0" bIns="0"/>
+          <a:lstStyle/>
           <a:p>
             <a:pPr>
               <a:buSzPct val="45000"/>
@@ -2944,32 +3188,313 @@
       </p:sp>
     </p:spTree>
   </p:cSld>
-  <p:clrMap accent1="accent1" accent2="accent2" accent3="accent3" accent4="accent4" accent5="accent5" accent6="accent6" bg1="lt1" bg2="lt2" folHlink="folHlink" hlink="hlink" tx1="dk1" tx2="dk2"/>
+  <p:clrMap bg1="lt1" tx1="dk1" bg2="lt2" tx2="dk2" accent1="accent1" accent2="accent2" accent3="accent3" accent4="accent4" accent5="accent5" accent6="accent6" hlink="hlink" folHlink="folHlink"/>
   <p:sldLayoutIdLst>
-    <p:sldLayoutId id="2147483649" r:id="rId2"/>
-    <p:sldLayoutId id="2147483650" r:id="rId3"/>
-    <p:sldLayoutId id="2147483651" r:id="rId4"/>
-    <p:sldLayoutId id="2147483652" r:id="rId5"/>
-    <p:sldLayoutId id="2147483653" r:id="rId6"/>
-    <p:sldLayoutId id="2147483654" r:id="rId7"/>
-    <p:sldLayoutId id="2147483655" r:id="rId8"/>
-    <p:sldLayoutId id="2147483656" r:id="rId9"/>
-    <p:sldLayoutId id="2147483657" r:id="rId10"/>
-    <p:sldLayoutId id="2147483658" r:id="rId11"/>
-    <p:sldLayoutId id="2147483659" r:id="rId12"/>
-    <p:sldLayoutId id="2147483660" r:id="rId13"/>
+    <p:sldLayoutId id="2147483649" r:id="rId1"/>
+    <p:sldLayoutId id="2147483650" r:id="rId2"/>
+    <p:sldLayoutId id="2147483651" r:id="rId3"/>
+    <p:sldLayoutId id="2147483652" r:id="rId4"/>
+    <p:sldLayoutId id="2147483653" r:id="rId5"/>
+    <p:sldLayoutId id="2147483654" r:id="rId6"/>
+    <p:sldLayoutId id="2147483655" r:id="rId7"/>
+    <p:sldLayoutId id="2147483656" r:id="rId8"/>
+    <p:sldLayoutId id="2147483657" r:id="rId9"/>
+    <p:sldLayoutId id="2147483658" r:id="rId10"/>
+    <p:sldLayoutId id="2147483659" r:id="rId11"/>
+    <p:sldLayoutId id="2147483660" r:id="rId12"/>
   </p:sldLayoutIdLst>
+  <p:txStyles>
+    <p:titleStyle>
+      <a:lvl1pPr algn="l" defTabSz="914400" rtl="0" eaLnBrk="1" latinLnBrk="0" hangingPunct="1">
+        <a:lnSpc>
+          <a:spcPct val="90000"/>
+        </a:lnSpc>
+        <a:spcBef>
+          <a:spcPct val="0"/>
+        </a:spcBef>
+        <a:buNone/>
+        <a:defRPr sz="4400" kern="1200">
+          <a:solidFill>
+            <a:schemeClr val="tx1"/>
+          </a:solidFill>
+          <a:latin typeface="+mj-lt"/>
+          <a:ea typeface="+mj-ea"/>
+          <a:cs typeface="+mj-cs"/>
+        </a:defRPr>
+      </a:lvl1pPr>
+    </p:titleStyle>
+    <p:bodyStyle>
+      <a:lvl1pPr marL="228600" indent="-228600" algn="l" defTabSz="914400" rtl="0" eaLnBrk="1" latinLnBrk="0" hangingPunct="1">
+        <a:lnSpc>
+          <a:spcPct val="90000"/>
+        </a:lnSpc>
+        <a:spcBef>
+          <a:spcPts val="1000"/>
+        </a:spcBef>
+        <a:buFont typeface="Arial" panose="020B0604020202020204" pitchFamily="34" charset="0"/>
+        <a:buChar char="•"/>
+        <a:defRPr sz="2800" kern="1200">
+          <a:solidFill>
+            <a:schemeClr val="tx1"/>
+          </a:solidFill>
+          <a:latin typeface="+mn-lt"/>
+          <a:ea typeface="+mn-ea"/>
+          <a:cs typeface="+mn-cs"/>
+        </a:defRPr>
+      </a:lvl1pPr>
+      <a:lvl2pPr marL="685800" indent="-228600" algn="l" defTabSz="914400" rtl="0" eaLnBrk="1" latinLnBrk="0" hangingPunct="1">
+        <a:lnSpc>
+          <a:spcPct val="90000"/>
+        </a:lnSpc>
+        <a:spcBef>
+          <a:spcPts val="500"/>
+        </a:spcBef>
+        <a:buFont typeface="Arial" panose="020B0604020202020204" pitchFamily="34" charset="0"/>
+        <a:buChar char="•"/>
+        <a:defRPr sz="2400" kern="1200">
+          <a:solidFill>
+            <a:schemeClr val="tx1"/>
+          </a:solidFill>
+          <a:latin typeface="+mn-lt"/>
+          <a:ea typeface="+mn-ea"/>
+          <a:cs typeface="+mn-cs"/>
+        </a:defRPr>
+      </a:lvl2pPr>
+      <a:lvl3pPr marL="1143000" indent="-228600" algn="l" defTabSz="914400" rtl="0" eaLnBrk="1" latinLnBrk="0" hangingPunct="1">
+        <a:lnSpc>
+          <a:spcPct val="90000"/>
+        </a:lnSpc>
+        <a:spcBef>
+          <a:spcPts val="500"/>
+        </a:spcBef>
+        <a:buFont typeface="Arial" panose="020B0604020202020204" pitchFamily="34" charset="0"/>
+        <a:buChar char="•"/>
+        <a:defRPr sz="2000" kern="1200">
+          <a:solidFill>
+            <a:schemeClr val="tx1"/>
+          </a:solidFill>
+          <a:latin typeface="+mn-lt"/>
+          <a:ea typeface="+mn-ea"/>
+          <a:cs typeface="+mn-cs"/>
+        </a:defRPr>
+      </a:lvl3pPr>
+      <a:lvl4pPr marL="1600200" indent="-228600" algn="l" defTabSz="914400" rtl="0" eaLnBrk="1" latinLnBrk="0" hangingPunct="1">
+        <a:lnSpc>
+          <a:spcPct val="90000"/>
+        </a:lnSpc>
+        <a:spcBef>
+          <a:spcPts val="500"/>
+        </a:spcBef>
+        <a:buFont typeface="Arial" panose="020B0604020202020204" pitchFamily="34" charset="0"/>
+        <a:buChar char="•"/>
+        <a:defRPr sz="1800" kern="1200">
+          <a:solidFill>
+            <a:schemeClr val="tx1"/>
+          </a:solidFill>
+          <a:latin typeface="+mn-lt"/>
+          <a:ea typeface="+mn-ea"/>
+          <a:cs typeface="+mn-cs"/>
+        </a:defRPr>
+      </a:lvl4pPr>
+      <a:lvl5pPr marL="2057400" indent="-228600" algn="l" defTabSz="914400" rtl="0" eaLnBrk="1" latinLnBrk="0" hangingPunct="1">
+        <a:lnSpc>
+          <a:spcPct val="90000"/>
+        </a:lnSpc>
+        <a:spcBef>
+          <a:spcPts val="500"/>
+        </a:spcBef>
+        <a:buFont typeface="Arial" panose="020B0604020202020204" pitchFamily="34" charset="0"/>
+        <a:buChar char="•"/>
+        <a:defRPr sz="1800" kern="1200">
+          <a:solidFill>
+            <a:schemeClr val="tx1"/>
+          </a:solidFill>
+          <a:latin typeface="+mn-lt"/>
+          <a:ea typeface="+mn-ea"/>
+          <a:cs typeface="+mn-cs"/>
+        </a:defRPr>
+      </a:lvl5pPr>
+      <a:lvl6pPr marL="2514600" indent="-228600" algn="l" defTabSz="914400" rtl="0" eaLnBrk="1" latinLnBrk="0" hangingPunct="1">
+        <a:lnSpc>
+          <a:spcPct val="90000"/>
+        </a:lnSpc>
+        <a:spcBef>
+          <a:spcPts val="500"/>
+        </a:spcBef>
+        <a:buFont typeface="Arial" panose="020B0604020202020204" pitchFamily="34" charset="0"/>
+        <a:buChar char="•"/>
+        <a:defRPr sz="1800" kern="1200">
+          <a:solidFill>
+            <a:schemeClr val="tx1"/>
+          </a:solidFill>
+          <a:latin typeface="+mn-lt"/>
+          <a:ea typeface="+mn-ea"/>
+          <a:cs typeface="+mn-cs"/>
+        </a:defRPr>
+      </a:lvl6pPr>
+      <a:lvl7pPr marL="2971800" indent="-228600" algn="l" defTabSz="914400" rtl="0" eaLnBrk="1" latinLnBrk="0" hangingPunct="1">
+        <a:lnSpc>
+          <a:spcPct val="90000"/>
+        </a:lnSpc>
+        <a:spcBef>
+          <a:spcPts val="500"/>
+        </a:spcBef>
+        <a:buFont typeface="Arial" panose="020B0604020202020204" pitchFamily="34" charset="0"/>
+        <a:buChar char="•"/>
+        <a:defRPr sz="1800" kern="1200">
+          <a:solidFill>
+            <a:schemeClr val="tx1"/>
+          </a:solidFill>
+          <a:latin typeface="+mn-lt"/>
+          <a:ea typeface="+mn-ea"/>
+          <a:cs typeface="+mn-cs"/>
+        </a:defRPr>
+      </a:lvl7pPr>
+      <a:lvl8pPr marL="3429000" indent="-228600" algn="l" defTabSz="914400" rtl="0" eaLnBrk="1" latinLnBrk="0" hangingPunct="1">
+        <a:lnSpc>
+          <a:spcPct val="90000"/>
+        </a:lnSpc>
+        <a:spcBef>
+          <a:spcPts val="500"/>
+        </a:spcBef>
+        <a:buFont typeface="Arial" panose="020B0604020202020204" pitchFamily="34" charset="0"/>
+        <a:buChar char="•"/>
+        <a:defRPr sz="1800" kern="1200">
+          <a:solidFill>
+            <a:schemeClr val="tx1"/>
+          </a:solidFill>
+          <a:latin typeface="+mn-lt"/>
+          <a:ea typeface="+mn-ea"/>
+          <a:cs typeface="+mn-cs"/>
+        </a:defRPr>
+      </a:lvl8pPr>
+      <a:lvl9pPr marL="3886200" indent="-228600" algn="l" defTabSz="914400" rtl="0" eaLnBrk="1" latinLnBrk="0" hangingPunct="1">
+        <a:lnSpc>
+          <a:spcPct val="90000"/>
+        </a:lnSpc>
+        <a:spcBef>
+          <a:spcPts val="500"/>
+        </a:spcBef>
+        <a:buFont typeface="Arial" panose="020B0604020202020204" pitchFamily="34" charset="0"/>
+        <a:buChar char="•"/>
+        <a:defRPr sz="1800" kern="1200">
+          <a:solidFill>
+            <a:schemeClr val="tx1"/>
+          </a:solidFill>
+          <a:latin typeface="+mn-lt"/>
+          <a:ea typeface="+mn-ea"/>
+          <a:cs typeface="+mn-cs"/>
+        </a:defRPr>
+      </a:lvl9pPr>
+    </p:bodyStyle>
+    <p:otherStyle>
+      <a:defPPr>
+        <a:defRPr lang="pt-BR"/>
+      </a:defPPr>
+      <a:lvl1pPr marL="0" algn="l" defTabSz="914400" rtl="0" eaLnBrk="1" latinLnBrk="0" hangingPunct="1">
+        <a:defRPr sz="1800" kern="1200">
+          <a:solidFill>
+            <a:schemeClr val="tx1"/>
+          </a:solidFill>
+          <a:latin typeface="+mn-lt"/>
+          <a:ea typeface="+mn-ea"/>
+          <a:cs typeface="+mn-cs"/>
+        </a:defRPr>
+      </a:lvl1pPr>
+      <a:lvl2pPr marL="457200" algn="l" defTabSz="914400" rtl="0" eaLnBrk="1" latinLnBrk="0" hangingPunct="1">
+        <a:defRPr sz="1800" kern="1200">
+          <a:solidFill>
+            <a:schemeClr val="tx1"/>
+          </a:solidFill>
+          <a:latin typeface="+mn-lt"/>
+          <a:ea typeface="+mn-ea"/>
+          <a:cs typeface="+mn-cs"/>
+        </a:defRPr>
+      </a:lvl2pPr>
+      <a:lvl3pPr marL="914400" algn="l" defTabSz="914400" rtl="0" eaLnBrk="1" latinLnBrk="0" hangingPunct="1">
+        <a:defRPr sz="1800" kern="1200">
+          <a:solidFill>
+            <a:schemeClr val="tx1"/>
+          </a:solidFill>
+          <a:latin typeface="+mn-lt"/>
+          <a:ea typeface="+mn-ea"/>
+          <a:cs typeface="+mn-cs"/>
+        </a:defRPr>
+      </a:lvl3pPr>
+      <a:lvl4pPr marL="1371600" algn="l" defTabSz="914400" rtl="0" eaLnBrk="1" latinLnBrk="0" hangingPunct="1">
+        <a:defRPr sz="1800" kern="1200">
+          <a:solidFill>
+            <a:schemeClr val="tx1"/>
+          </a:solidFill>
+          <a:latin typeface="+mn-lt"/>
+          <a:ea typeface="+mn-ea"/>
+          <a:cs typeface="+mn-cs"/>
+        </a:defRPr>
+      </a:lvl4pPr>
+      <a:lvl5pPr marL="1828800" algn="l" defTabSz="914400" rtl="0" eaLnBrk="1" latinLnBrk="0" hangingPunct="1">
+        <a:defRPr sz="1800" kern="1200">
+          <a:solidFill>
+            <a:schemeClr val="tx1"/>
+          </a:solidFill>
+          <a:latin typeface="+mn-lt"/>
+          <a:ea typeface="+mn-ea"/>
+          <a:cs typeface="+mn-cs"/>
+        </a:defRPr>
+      </a:lvl5pPr>
+      <a:lvl6pPr marL="2286000" algn="l" defTabSz="914400" rtl="0" eaLnBrk="1" latinLnBrk="0" hangingPunct="1">
+        <a:defRPr sz="1800" kern="1200">
+          <a:solidFill>
+            <a:schemeClr val="tx1"/>
+          </a:solidFill>
+          <a:latin typeface="+mn-lt"/>
+          <a:ea typeface="+mn-ea"/>
+          <a:cs typeface="+mn-cs"/>
+        </a:defRPr>
+      </a:lvl6pPr>
+      <a:lvl7pPr marL="2743200" algn="l" defTabSz="914400" rtl="0" eaLnBrk="1" latinLnBrk="0" hangingPunct="1">
+        <a:defRPr sz="1800" kern="1200">
+          <a:solidFill>
+            <a:schemeClr val="tx1"/>
+          </a:solidFill>
+          <a:latin typeface="+mn-lt"/>
+          <a:ea typeface="+mn-ea"/>
+          <a:cs typeface="+mn-cs"/>
+        </a:defRPr>
+      </a:lvl7pPr>
+      <a:lvl8pPr marL="3200400" algn="l" defTabSz="914400" rtl="0" eaLnBrk="1" latinLnBrk="0" hangingPunct="1">
+        <a:defRPr sz="1800" kern="1200">
+          <a:solidFill>
+            <a:schemeClr val="tx1"/>
+          </a:solidFill>
+          <a:latin typeface="+mn-lt"/>
+          <a:ea typeface="+mn-ea"/>
+          <a:cs typeface="+mn-cs"/>
+        </a:defRPr>
+      </a:lvl8pPr>
+      <a:lvl9pPr marL="3657600" algn="l" defTabSz="914400" rtl="0" eaLnBrk="1" latinLnBrk="0" hangingPunct="1">
+        <a:defRPr sz="1800" kern="1200">
+          <a:solidFill>
+            <a:schemeClr val="tx1"/>
+          </a:solidFill>
+          <a:latin typeface="+mn-lt"/>
+          <a:ea typeface="+mn-ea"/>
+          <a:cs typeface="+mn-cs"/>
+        </a:defRPr>
+      </a:lvl9pPr>
+    </p:otherStyle>
+  </p:txStyles>
 </p:sldMaster>
 </file>
 
 <file path=ppt/slideMasters/slideMaster2.xml><?xml version="1.0" encoding="utf-8"?>
-<p:sldMaster xmlns:a="http://schemas.openxmlformats.org/drawingml/2006/main" xmlns:p="http://schemas.openxmlformats.org/presentationml/2006/main" xmlns:r="http://schemas.openxmlformats.org/officeDocument/2006/relationships">
+<p:sldMaster xmlns:a="http://schemas.openxmlformats.org/drawingml/2006/main" xmlns:r="http://schemas.openxmlformats.org/officeDocument/2006/relationships" xmlns:p="http://schemas.openxmlformats.org/presentationml/2006/main">
   <p:cSld>
     <p:bg>
       <p:bgPr>
         <a:solidFill>
-          <a:srgbClr val="ffffff"/>
+          <a:srgbClr val="FFFFFF"/>
         </a:solidFill>
+        <a:effectLst/>
       </p:bgPr>
     </p:bg>
     <p:spTree>
@@ -3002,7 +3527,7 @@
           </a:prstGeom>
           <a:ln w="38160">
             <a:solidFill>
-              <a:srgbClr val="fec2ae"/>
+              <a:srgbClr val="FEC2AE"/>
             </a:solidFill>
             <a:round/>
           </a:ln>
@@ -3024,7 +3549,7 @@
           </a:prstGeom>
           <a:ln w="57240">
             <a:solidFill>
-              <a:srgbClr val="fec2ae"/>
+              <a:srgbClr val="FEC2AE"/>
             </a:solidFill>
             <a:round/>
           </a:ln>
@@ -3046,7 +3571,7 @@
           </a:prstGeom>
           <a:ln w="19080">
             <a:solidFill>
-              <a:srgbClr val="fe8637"/>
+              <a:srgbClr val="FE8637"/>
             </a:solidFill>
             <a:round/>
           </a:ln>
@@ -3067,7 +3592,7 @@
             <a:avLst/>
           </a:prstGeom>
           <a:solidFill>
-            <a:srgbClr val="fec2ae"/>
+            <a:srgbClr val="FEC2AE"/>
           </a:solidFill>
         </p:spPr>
       </p:sp>
@@ -3087,7 +3612,7 @@
           </a:prstGeom>
           <a:ln w="9360">
             <a:solidFill>
-              <a:srgbClr val="fe8637"/>
+              <a:srgbClr val="FE8637"/>
             </a:solidFill>
             <a:round/>
           </a:ln>
@@ -3108,7 +3633,7 @@
             <a:avLst/>
           </a:prstGeom>
           <a:solidFill>
-            <a:srgbClr val="fe8637"/>
+            <a:srgbClr val="FE8637"/>
           </a:solidFill>
         </p:spPr>
       </p:sp>
@@ -3132,7 +3657,8 @@
           </a:prstGeom>
         </p:spPr>
         <p:txBody>
-          <a:bodyPr anchor="b" bIns="45000" lIns="90000" rIns="90000" tIns="45000"/>
+          <a:bodyPr lIns="90000" tIns="45000" rIns="90000" bIns="45000" anchor="b"/>
+          <a:lstStyle/>
           <a:p>
             <a:pPr>
               <a:lnSpc>
@@ -3142,7 +3668,7 @@
             <a:r>
               <a:rPr lang="en-US" sz="3000">
                 <a:solidFill>
-                  <a:srgbClr val="575f6d"/>
+                  <a:srgbClr val="575F6D"/>
                 </a:solidFill>
                 <a:latin typeface="Century Schoolbook"/>
               </a:rPr>
@@ -3172,7 +3698,8 @@
           </a:prstGeom>
         </p:spPr>
         <p:txBody>
-          <a:bodyPr bIns="45000" lIns="90000" rIns="90000" tIns="45000"/>
+          <a:bodyPr lIns="90000" tIns="45000" rIns="90000" bIns="45000"/>
+          <a:lstStyle/>
           <a:p>
             <a:pPr>
               <a:buSzPct val="45000"/>
@@ -3281,7 +3808,7 @@
                 <a:spcPct val="100000"/>
               </a:lnSpc>
               <a:buSzPct val="70000"/>
-              <a:buFont charset="2" typeface="Wingdings"/>
+              <a:buFont typeface="Wingdings" charset="2"/>
               <a:buChar char=""/>
             </a:pPr>
             <a:r>
@@ -3301,7 +3828,7 @@
                 <a:spcPct val="100000"/>
               </a:lnSpc>
               <a:buSzPct val="80000"/>
-              <a:buFont charset="2" typeface="Wingdings 2"/>
+              <a:buFont typeface="Wingdings 2" charset="2"/>
               <a:buChar char=""/>
             </a:pPr>
             <a:r>
@@ -3321,7 +3848,7 @@
                 <a:spcPct val="100000"/>
               </a:lnSpc>
               <a:buSzPct val="60000"/>
-              <a:buFont charset="2" typeface="Wingdings"/>
+              <a:buFont typeface="Wingdings" charset="2"/>
               <a:buChar char=""/>
             </a:pPr>
             <a:r>
@@ -3341,7 +3868,7 @@
                 <a:spcPct val="100000"/>
               </a:lnSpc>
               <a:buSzPct val="60000"/>
-              <a:buFont charset="2" typeface="Wingdings"/>
+              <a:buFont typeface="Wingdings" charset="2"/>
               <a:buChar char=""/>
             </a:pPr>
             <a:r>
@@ -3361,7 +3888,7 @@
                 <a:spcPct val="100000"/>
               </a:lnSpc>
               <a:buSzPct val="68000"/>
-              <a:buFont charset="2" typeface="Wingdings 2"/>
+              <a:buFont typeface="Wingdings 2" charset="2"/>
               <a:buChar char=""/>
             </a:pPr>
             <a:r>
@@ -3390,14 +3917,15 @@
         <p:spPr>
           <a:xfrm>
             <a:off x="0" y="0"/>
-            <a:ext cx="-11796840" cy="-11796840"/>
-          </a:xfrm>
-          <a:prstGeom prst="rect">
-            <a:avLst/>
-          </a:prstGeom>
-        </p:spPr>
-        <p:txBody>
-          <a:bodyPr bIns="45000" lIns="90000" rIns="90000" tIns="45000"/>
+            <a:ext cx="0" cy="0"/>
+          </a:xfrm>
+          <a:prstGeom prst="rect">
+            <a:avLst/>
+          </a:prstGeom>
+        </p:spPr>
+        <p:txBody>
+          <a:bodyPr lIns="90000" tIns="45000" rIns="90000" bIns="45000"/>
+          <a:lstStyle/>
           <a:p>
             <a:pPr>
               <a:lnSpc>
@@ -3430,14 +3958,15 @@
         <p:spPr>
           <a:xfrm>
             <a:off x="0" y="0"/>
-            <a:ext cx="-11796840" cy="-11796840"/>
-          </a:xfrm>
-          <a:prstGeom prst="rect">
-            <a:avLst/>
-          </a:prstGeom>
-        </p:spPr>
-        <p:txBody>
-          <a:bodyPr bIns="45000" lIns="90000" rIns="90000" tIns="45000"/>
+            <a:ext cx="0" cy="0"/>
+          </a:xfrm>
+          <a:prstGeom prst="rect">
+            <a:avLst/>
+          </a:prstGeom>
+        </p:spPr>
+        <p:txBody>
+          <a:bodyPr lIns="90000" tIns="45000" rIns="90000" bIns="45000"/>
+          <a:lstStyle/>
           <a:p>
             <a:pPr>
               <a:lnSpc>
@@ -3451,7 +3980,7 @@
                 </a:solidFill>
                 <a:latin typeface="Century Schoolbook"/>
               </a:rPr>
-              <a:t>&lt;number&gt;</a:t>
+              <a:t>‹#›</a:t>
             </a:fld>
             <a:endParaRPr/>
           </a:p>
@@ -3470,14 +3999,15 @@
         <p:spPr>
           <a:xfrm>
             <a:off x="0" y="0"/>
-            <a:ext cx="-11796840" cy="-11796840"/>
-          </a:xfrm>
-          <a:prstGeom prst="rect">
-            <a:avLst/>
-          </a:prstGeom>
-        </p:spPr>
-        <p:txBody>
-          <a:bodyPr bIns="45000" lIns="90000" rIns="90000" tIns="45000"/>
+            <a:ext cx="0" cy="0"/>
+          </a:xfrm>
+          <a:prstGeom prst="rect">
+            <a:avLst/>
+          </a:prstGeom>
+        </p:spPr>
+        <p:txBody>
+          <a:bodyPr lIns="90000" tIns="45000" rIns="90000" bIns="45000"/>
+          <a:lstStyle/>
           <a:p>
             <a:endParaRPr/>
           </a:p>
@@ -3485,26 +4015,465 @@
       </p:sp>
     </p:spTree>
   </p:cSld>
-  <p:clrMap accent1="accent1" accent2="accent2" accent3="accent3" accent4="accent4" accent5="accent5" accent6="accent6" bg1="lt1" bg2="lt2" folHlink="folHlink" hlink="hlink" tx1="dk1" tx2="dk2"/>
+  <p:clrMap bg1="lt1" tx1="dk1" bg2="lt2" tx2="dk2" accent1="accent1" accent2="accent2" accent3="accent3" accent4="accent4" accent5="accent5" accent6="accent6" hlink="hlink" folHlink="folHlink"/>
   <p:sldLayoutIdLst>
-    <p:sldLayoutId id="2147483662" r:id="rId2"/>
-    <p:sldLayoutId id="2147483663" r:id="rId3"/>
-    <p:sldLayoutId id="2147483664" r:id="rId4"/>
-    <p:sldLayoutId id="2147483665" r:id="rId5"/>
-    <p:sldLayoutId id="2147483666" r:id="rId6"/>
-    <p:sldLayoutId id="2147483667" r:id="rId7"/>
-    <p:sldLayoutId id="2147483668" r:id="rId8"/>
-    <p:sldLayoutId id="2147483669" r:id="rId9"/>
-    <p:sldLayoutId id="2147483670" r:id="rId10"/>
-    <p:sldLayoutId id="2147483671" r:id="rId11"/>
-    <p:sldLayoutId id="2147483672" r:id="rId12"/>
-    <p:sldLayoutId id="2147483673" r:id="rId13"/>
+    <p:sldLayoutId id="2147483662" r:id="rId1"/>
+    <p:sldLayoutId id="2147483663" r:id="rId2"/>
+    <p:sldLayoutId id="2147483664" r:id="rId3"/>
+    <p:sldLayoutId id="2147483665" r:id="rId4"/>
+    <p:sldLayoutId id="2147483666" r:id="rId5"/>
+    <p:sldLayoutId id="2147483667" r:id="rId6"/>
+    <p:sldLayoutId id="2147483668" r:id="rId7"/>
+    <p:sldLayoutId id="2147483669" r:id="rId8"/>
+    <p:sldLayoutId id="2147483670" r:id="rId9"/>
+    <p:sldLayoutId id="2147483671" r:id="rId10"/>
+    <p:sldLayoutId id="2147483672" r:id="rId11"/>
+    <p:sldLayoutId id="2147483673" r:id="rId12"/>
   </p:sldLayoutIdLst>
+  <p:txStyles>
+    <p:titleStyle>
+      <a:lvl1pPr algn="l" defTabSz="914400" rtl="0" eaLnBrk="1" latinLnBrk="0" hangingPunct="1">
+        <a:lnSpc>
+          <a:spcPct val="90000"/>
+        </a:lnSpc>
+        <a:spcBef>
+          <a:spcPct val="0"/>
+        </a:spcBef>
+        <a:buNone/>
+        <a:defRPr sz="4400" kern="1200">
+          <a:solidFill>
+            <a:schemeClr val="tx1"/>
+          </a:solidFill>
+          <a:latin typeface="+mj-lt"/>
+          <a:ea typeface="+mj-ea"/>
+          <a:cs typeface="+mj-cs"/>
+        </a:defRPr>
+      </a:lvl1pPr>
+    </p:titleStyle>
+    <p:bodyStyle>
+      <a:lvl1pPr marL="228600" indent="-228600" algn="l" defTabSz="914400" rtl="0" eaLnBrk="1" latinLnBrk="0" hangingPunct="1">
+        <a:lnSpc>
+          <a:spcPct val="90000"/>
+        </a:lnSpc>
+        <a:spcBef>
+          <a:spcPts val="1000"/>
+        </a:spcBef>
+        <a:buFont typeface="Arial" panose="020B0604020202020204" pitchFamily="34" charset="0"/>
+        <a:buChar char="•"/>
+        <a:defRPr sz="2800" kern="1200">
+          <a:solidFill>
+            <a:schemeClr val="tx1"/>
+          </a:solidFill>
+          <a:latin typeface="+mn-lt"/>
+          <a:ea typeface="+mn-ea"/>
+          <a:cs typeface="+mn-cs"/>
+        </a:defRPr>
+      </a:lvl1pPr>
+      <a:lvl2pPr marL="685800" indent="-228600" algn="l" defTabSz="914400" rtl="0" eaLnBrk="1" latinLnBrk="0" hangingPunct="1">
+        <a:lnSpc>
+          <a:spcPct val="90000"/>
+        </a:lnSpc>
+        <a:spcBef>
+          <a:spcPts val="500"/>
+        </a:spcBef>
+        <a:buFont typeface="Arial" panose="020B0604020202020204" pitchFamily="34" charset="0"/>
+        <a:buChar char="•"/>
+        <a:defRPr sz="2400" kern="1200">
+          <a:solidFill>
+            <a:schemeClr val="tx1"/>
+          </a:solidFill>
+          <a:latin typeface="+mn-lt"/>
+          <a:ea typeface="+mn-ea"/>
+          <a:cs typeface="+mn-cs"/>
+        </a:defRPr>
+      </a:lvl2pPr>
+      <a:lvl3pPr marL="1143000" indent="-228600" algn="l" defTabSz="914400" rtl="0" eaLnBrk="1" latinLnBrk="0" hangingPunct="1">
+        <a:lnSpc>
+          <a:spcPct val="90000"/>
+        </a:lnSpc>
+        <a:spcBef>
+          <a:spcPts val="500"/>
+        </a:spcBef>
+        <a:buFont typeface="Arial" panose="020B0604020202020204" pitchFamily="34" charset="0"/>
+        <a:buChar char="•"/>
+        <a:defRPr sz="2000" kern="1200">
+          <a:solidFill>
+            <a:schemeClr val="tx1"/>
+          </a:solidFill>
+          <a:latin typeface="+mn-lt"/>
+          <a:ea typeface="+mn-ea"/>
+          <a:cs typeface="+mn-cs"/>
+        </a:defRPr>
+      </a:lvl3pPr>
+      <a:lvl4pPr marL="1600200" indent="-228600" algn="l" defTabSz="914400" rtl="0" eaLnBrk="1" latinLnBrk="0" hangingPunct="1">
+        <a:lnSpc>
+          <a:spcPct val="90000"/>
+        </a:lnSpc>
+        <a:spcBef>
+          <a:spcPts val="500"/>
+        </a:spcBef>
+        <a:buFont typeface="Arial" panose="020B0604020202020204" pitchFamily="34" charset="0"/>
+        <a:buChar char="•"/>
+        <a:defRPr sz="1800" kern="1200">
+          <a:solidFill>
+            <a:schemeClr val="tx1"/>
+          </a:solidFill>
+          <a:latin typeface="+mn-lt"/>
+          <a:ea typeface="+mn-ea"/>
+          <a:cs typeface="+mn-cs"/>
+        </a:defRPr>
+      </a:lvl4pPr>
+      <a:lvl5pPr marL="2057400" indent="-228600" algn="l" defTabSz="914400" rtl="0" eaLnBrk="1" latinLnBrk="0" hangingPunct="1">
+        <a:lnSpc>
+          <a:spcPct val="90000"/>
+        </a:lnSpc>
+        <a:spcBef>
+          <a:spcPts val="500"/>
+        </a:spcBef>
+        <a:buFont typeface="Arial" panose="020B0604020202020204" pitchFamily="34" charset="0"/>
+        <a:buChar char="•"/>
+        <a:defRPr sz="1800" kern="1200">
+          <a:solidFill>
+            <a:schemeClr val="tx1"/>
+          </a:solidFill>
+          <a:latin typeface="+mn-lt"/>
+          <a:ea typeface="+mn-ea"/>
+          <a:cs typeface="+mn-cs"/>
+        </a:defRPr>
+      </a:lvl5pPr>
+      <a:lvl6pPr marL="2514600" indent="-228600" algn="l" defTabSz="914400" rtl="0" eaLnBrk="1" latinLnBrk="0" hangingPunct="1">
+        <a:lnSpc>
+          <a:spcPct val="90000"/>
+        </a:lnSpc>
+        <a:spcBef>
+          <a:spcPts val="500"/>
+        </a:spcBef>
+        <a:buFont typeface="Arial" panose="020B0604020202020204" pitchFamily="34" charset="0"/>
+        <a:buChar char="•"/>
+        <a:defRPr sz="1800" kern="1200">
+          <a:solidFill>
+            <a:schemeClr val="tx1"/>
+          </a:solidFill>
+          <a:latin typeface="+mn-lt"/>
+          <a:ea typeface="+mn-ea"/>
+          <a:cs typeface="+mn-cs"/>
+        </a:defRPr>
+      </a:lvl6pPr>
+      <a:lvl7pPr marL="2971800" indent="-228600" algn="l" defTabSz="914400" rtl="0" eaLnBrk="1" latinLnBrk="0" hangingPunct="1">
+        <a:lnSpc>
+          <a:spcPct val="90000"/>
+        </a:lnSpc>
+        <a:spcBef>
+          <a:spcPts val="500"/>
+        </a:spcBef>
+        <a:buFont typeface="Arial" panose="020B0604020202020204" pitchFamily="34" charset="0"/>
+        <a:buChar char="•"/>
+        <a:defRPr sz="1800" kern="1200">
+          <a:solidFill>
+            <a:schemeClr val="tx1"/>
+          </a:solidFill>
+          <a:latin typeface="+mn-lt"/>
+          <a:ea typeface="+mn-ea"/>
+          <a:cs typeface="+mn-cs"/>
+        </a:defRPr>
+      </a:lvl7pPr>
+      <a:lvl8pPr marL="3429000" indent="-228600" algn="l" defTabSz="914400" rtl="0" eaLnBrk="1" latinLnBrk="0" hangingPunct="1">
+        <a:lnSpc>
+          <a:spcPct val="90000"/>
+        </a:lnSpc>
+        <a:spcBef>
+          <a:spcPts val="500"/>
+        </a:spcBef>
+        <a:buFont typeface="Arial" panose="020B0604020202020204" pitchFamily="34" charset="0"/>
+        <a:buChar char="•"/>
+        <a:defRPr sz="1800" kern="1200">
+          <a:solidFill>
+            <a:schemeClr val="tx1"/>
+          </a:solidFill>
+          <a:latin typeface="+mn-lt"/>
+          <a:ea typeface="+mn-ea"/>
+          <a:cs typeface="+mn-cs"/>
+        </a:defRPr>
+      </a:lvl8pPr>
+      <a:lvl9pPr marL="3886200" indent="-228600" algn="l" defTabSz="914400" rtl="0" eaLnBrk="1" latinLnBrk="0" hangingPunct="1">
+        <a:lnSpc>
+          <a:spcPct val="90000"/>
+        </a:lnSpc>
+        <a:spcBef>
+          <a:spcPts val="500"/>
+        </a:spcBef>
+        <a:buFont typeface="Arial" panose="020B0604020202020204" pitchFamily="34" charset="0"/>
+        <a:buChar char="•"/>
+        <a:defRPr sz="1800" kern="1200">
+          <a:solidFill>
+            <a:schemeClr val="tx1"/>
+          </a:solidFill>
+          <a:latin typeface="+mn-lt"/>
+          <a:ea typeface="+mn-ea"/>
+          <a:cs typeface="+mn-cs"/>
+        </a:defRPr>
+      </a:lvl9pPr>
+    </p:bodyStyle>
+    <p:otherStyle>
+      <a:defPPr>
+        <a:defRPr lang="pt-BR"/>
+      </a:defPPr>
+      <a:lvl1pPr marL="0" algn="l" defTabSz="914400" rtl="0" eaLnBrk="1" latinLnBrk="0" hangingPunct="1">
+        <a:defRPr sz="1800" kern="1200">
+          <a:solidFill>
+            <a:schemeClr val="tx1"/>
+          </a:solidFill>
+          <a:latin typeface="+mn-lt"/>
+          <a:ea typeface="+mn-ea"/>
+          <a:cs typeface="+mn-cs"/>
+        </a:defRPr>
+      </a:lvl1pPr>
+      <a:lvl2pPr marL="457200" algn="l" defTabSz="914400" rtl="0" eaLnBrk="1" latinLnBrk="0" hangingPunct="1">
+        <a:defRPr sz="1800" kern="1200">
+          <a:solidFill>
+            <a:schemeClr val="tx1"/>
+          </a:solidFill>
+          <a:latin typeface="+mn-lt"/>
+          <a:ea typeface="+mn-ea"/>
+          <a:cs typeface="+mn-cs"/>
+        </a:defRPr>
+      </a:lvl2pPr>
+      <a:lvl3pPr marL="914400" algn="l" defTabSz="914400" rtl="0" eaLnBrk="1" latinLnBrk="0" hangingPunct="1">
+        <a:defRPr sz="1800" kern="1200">
+          <a:solidFill>
+            <a:schemeClr val="tx1"/>
+          </a:solidFill>
+          <a:latin typeface="+mn-lt"/>
+          <a:ea typeface="+mn-ea"/>
+          <a:cs typeface="+mn-cs"/>
+        </a:defRPr>
+      </a:lvl3pPr>
+      <a:lvl4pPr marL="1371600" algn="l" defTabSz="914400" rtl="0" eaLnBrk="1" latinLnBrk="0" hangingPunct="1">
+        <a:defRPr sz="1800" kern="1200">
+          <a:solidFill>
+            <a:schemeClr val="tx1"/>
+          </a:solidFill>
+          <a:latin typeface="+mn-lt"/>
+          <a:ea typeface="+mn-ea"/>
+          <a:cs typeface="+mn-cs"/>
+        </a:defRPr>
+      </a:lvl4pPr>
+      <a:lvl5pPr marL="1828800" algn="l" defTabSz="914400" rtl="0" eaLnBrk="1" latinLnBrk="0" hangingPunct="1">
+        <a:defRPr sz="1800" kern="1200">
+          <a:solidFill>
+            <a:schemeClr val="tx1"/>
+          </a:solidFill>
+          <a:latin typeface="+mn-lt"/>
+          <a:ea typeface="+mn-ea"/>
+          <a:cs typeface="+mn-cs"/>
+        </a:defRPr>
+      </a:lvl5pPr>
+      <a:lvl6pPr marL="2286000" algn="l" defTabSz="914400" rtl="0" eaLnBrk="1" latinLnBrk="0" hangingPunct="1">
+        <a:defRPr sz="1800" kern="1200">
+          <a:solidFill>
+            <a:schemeClr val="tx1"/>
+          </a:solidFill>
+          <a:latin typeface="+mn-lt"/>
+          <a:ea typeface="+mn-ea"/>
+          <a:cs typeface="+mn-cs"/>
+        </a:defRPr>
+      </a:lvl6pPr>
+      <a:lvl7pPr marL="2743200" algn="l" defTabSz="914400" rtl="0" eaLnBrk="1" latinLnBrk="0" hangingPunct="1">
+        <a:defRPr sz="1800" kern="1200">
+          <a:solidFill>
+            <a:schemeClr val="tx1"/>
+          </a:solidFill>
+          <a:latin typeface="+mn-lt"/>
+          <a:ea typeface="+mn-ea"/>
+          <a:cs typeface="+mn-cs"/>
+        </a:defRPr>
+      </a:lvl7pPr>
+      <a:lvl8pPr marL="3200400" algn="l" defTabSz="914400" rtl="0" eaLnBrk="1" latinLnBrk="0" hangingPunct="1">
+        <a:defRPr sz="1800" kern="1200">
+          <a:solidFill>
+            <a:schemeClr val="tx1"/>
+          </a:solidFill>
+          <a:latin typeface="+mn-lt"/>
+          <a:ea typeface="+mn-ea"/>
+          <a:cs typeface="+mn-cs"/>
+        </a:defRPr>
+      </a:lvl8pPr>
+      <a:lvl9pPr marL="3657600" algn="l" defTabSz="914400" rtl="0" eaLnBrk="1" latinLnBrk="0" hangingPunct="1">
+        <a:defRPr sz="1800" kern="1200">
+          <a:solidFill>
+            <a:schemeClr val="tx1"/>
+          </a:solidFill>
+          <a:latin typeface="+mn-lt"/>
+          <a:ea typeface="+mn-ea"/>
+          <a:cs typeface="+mn-cs"/>
+        </a:defRPr>
+      </a:lvl9pPr>
+    </p:otherStyle>
+  </p:txStyles>
 </p:sldMaster>
 </file>
 
 <file path=ppt/slides/slide1.xml><?xml version="1.0" encoding="utf-8"?>
-<p:sld xmlns:a="http://schemas.openxmlformats.org/drawingml/2006/main" xmlns:p="http://schemas.openxmlformats.org/presentationml/2006/main" xmlns:r="http://schemas.openxmlformats.org/officeDocument/2006/relationships">
+<p:sld xmlns:a="http://schemas.openxmlformats.org/drawingml/2006/main" xmlns:r="http://schemas.openxmlformats.org/officeDocument/2006/relationships" xmlns:p="http://schemas.openxmlformats.org/presentationml/2006/main">
+  <p:cSld>
+    <p:bg>
+      <p:bgPr>
+        <a:solidFill>
+          <a:srgbClr val="FFFFFF"/>
+        </a:solidFill>
+        <a:effectLst/>
+      </p:bgPr>
+    </p:bg>
+    <p:spTree>
+      <p:nvGrpSpPr>
+        <p:cNvPr id="1" name=""/>
+        <p:cNvGrpSpPr/>
+        <p:nvPr/>
+      </p:nvGrpSpPr>
+      <p:grpSpPr>
+        <a:xfrm>
+          <a:off x="0" y="0"/>
+          <a:ext cx="0" cy="0"/>
+          <a:chOff x="0" y="0"/>
+          <a:chExt cx="0" cy="0"/>
+        </a:xfrm>
+      </p:grpSpPr>
+      <p:sp>
+        <p:nvSpPr>
+          <p:cNvPr id="102" name="TextShape 1"/>
+          <p:cNvSpPr txBox="1"/>
+          <p:nvPr/>
+        </p:nvSpPr>
+        <p:spPr>
+          <a:xfrm>
+            <a:off x="2286000" y="3124080"/>
+            <a:ext cx="6171840" cy="1893960"/>
+          </a:xfrm>
+          <a:prstGeom prst="rect">
+            <a:avLst/>
+          </a:prstGeom>
+        </p:spPr>
+        <p:txBody>
+          <a:bodyPr lIns="90000" tIns="45000" rIns="90000" bIns="45000" anchor="b"/>
+          <a:lstStyle/>
+          <a:p>
+            <a:pPr>
+              <a:lnSpc>
+                <a:spcPct val="100000"/>
+              </a:lnSpc>
+            </a:pPr>
+            <a:r>
+              <a:rPr lang="en-US" sz="3000" b="1">
+                <a:solidFill>
+                  <a:srgbClr val="575F6D"/>
+                </a:solidFill>
+                <a:latin typeface="Century Schoolbook"/>
+              </a:rPr>
+              <a:t>Point Cloud Library Agentification</a:t>
+            </a:r>
+            <a:endParaRPr/>
+          </a:p>
+        </p:txBody>
+      </p:sp>
+      <p:sp>
+        <p:nvSpPr>
+          <p:cNvPr id="103" name="TextShape 2"/>
+          <p:cNvSpPr txBox="1"/>
+          <p:nvPr/>
+        </p:nvSpPr>
+        <p:spPr>
+          <a:xfrm>
+            <a:off x="2286000" y="5003280"/>
+            <a:ext cx="6171840" cy="1371240"/>
+          </a:xfrm>
+          <a:prstGeom prst="rect">
+            <a:avLst/>
+          </a:prstGeom>
+        </p:spPr>
+        <p:txBody>
+          <a:bodyPr lIns="90000" tIns="45000" rIns="90000" bIns="45000"/>
+          <a:lstStyle/>
+          <a:p>
+            <a:pPr>
+              <a:lnSpc>
+                <a:spcPct val="100000"/>
+              </a:lnSpc>
+            </a:pPr>
+            <a:r>
+              <a:rPr lang="en-US" b="1" dirty="0">
+                <a:solidFill>
+                  <a:srgbClr val="575F6D"/>
+                </a:solidFill>
+                <a:latin typeface="Century Schoolbook"/>
+              </a:rPr>
+              <a:t>Software Development Project</a:t>
+            </a:r>
+            <a:endParaRPr dirty="0"/>
+          </a:p>
+          <a:p>
+            <a:pPr>
+              <a:lnSpc>
+                <a:spcPct val="100000"/>
+              </a:lnSpc>
+            </a:pPr>
+            <a:r>
+              <a:rPr lang="en-US" b="1" dirty="0">
+                <a:solidFill>
+                  <a:srgbClr val="575F6D"/>
+                </a:solidFill>
+                <a:latin typeface="Century Schoolbook"/>
+              </a:rPr>
+              <a:t>Iuri Andrade, Oscar Lima, </a:t>
+            </a:r>
+            <a:r>
+              <a:rPr lang="en-US" b="1" dirty="0" err="1">
+                <a:solidFill>
+                  <a:srgbClr val="575F6D"/>
+                </a:solidFill>
+                <a:latin typeface="Century Schoolbook"/>
+              </a:rPr>
+              <a:t>Shehzad</a:t>
+            </a:r>
+            <a:r>
+              <a:rPr lang="en-US" b="1" dirty="0">
+                <a:solidFill>
+                  <a:srgbClr val="575F6D"/>
+                </a:solidFill>
+                <a:latin typeface="Century Schoolbook"/>
+              </a:rPr>
+              <a:t> Ahmed </a:t>
+            </a:r>
+            <a:endParaRPr dirty="0"/>
+          </a:p>
+          <a:p>
+            <a:pPr algn="r">
+              <a:lnSpc>
+                <a:spcPct val="100000"/>
+              </a:lnSpc>
+            </a:pPr>
+            <a:r>
+              <a:rPr lang="en-US" b="1" dirty="0" smtClean="0">
+                <a:solidFill>
+                  <a:srgbClr val="575F6D"/>
+                </a:solidFill>
+                <a:latin typeface="Century Schoolbook"/>
+              </a:rPr>
+              <a:t>20.01.2014</a:t>
+            </a:r>
+            <a:endParaRPr dirty="0"/>
+          </a:p>
+        </p:txBody>
+      </p:sp>
+    </p:spTree>
+  </p:cSld>
+  <p:clrMapOvr>
+    <a:masterClrMapping/>
+  </p:clrMapOvr>
+</p:sld>
+</file>
+
+<file path=ppt/slides/slide10.xml><?xml version="1.0" encoding="utf-8"?>
+<p:sld xmlns:a="http://schemas.openxmlformats.org/drawingml/2006/main" xmlns:r="http://schemas.openxmlformats.org/officeDocument/2006/relationships" xmlns:p="http://schemas.openxmlformats.org/presentationml/2006/main">
   <p:cSld>
     <p:spTree>
       <p:nvGrpSpPr>
@@ -3522,21 +4491,22 @@
       </p:grpSpPr>
       <p:sp>
         <p:nvSpPr>
-          <p:cNvPr id="102" name="TextShape 1"/>
+          <p:cNvPr id="106" name="TextShape 1"/>
           <p:cNvSpPr txBox="1"/>
           <p:nvPr/>
         </p:nvSpPr>
         <p:spPr>
           <a:xfrm>
-            <a:off x="2286000" y="3124080"/>
-            <a:ext cx="6171840" cy="1893960"/>
-          </a:xfrm>
-          <a:prstGeom prst="rect">
-            <a:avLst/>
-          </a:prstGeom>
-        </p:spPr>
-        <p:txBody>
-          <a:bodyPr anchor="b" bIns="45000" lIns="90000" rIns="90000" tIns="45000"/>
+            <a:off x="457200" y="274680"/>
+            <a:ext cx="7467120" cy="1142640"/>
+          </a:xfrm>
+          <a:prstGeom prst="rect">
+            <a:avLst/>
+          </a:prstGeom>
+        </p:spPr>
+        <p:txBody>
+          <a:bodyPr lIns="90000" tIns="45000" rIns="90000" bIns="45000" anchor="b"/>
+          <a:lstStyle/>
           <a:p>
             <a:pPr>
               <a:lnSpc>
@@ -3544,95 +4514,166 @@
               </a:lnSpc>
             </a:pPr>
             <a:r>
-              <a:rPr b="1" lang="en-US" sz="3000">
-                <a:solidFill>
-                  <a:srgbClr val="575f6d"/>
-                </a:solidFill>
-                <a:latin typeface="Century Schoolbook"/>
-              </a:rPr>
-              <a:t>Point Cloud Library Agentification</a:t>
-            </a:r>
-            <a:endParaRPr/>
-          </a:p>
-        </p:txBody>
-      </p:sp>
-      <p:sp>
-        <p:nvSpPr>
-          <p:cNvPr id="103" name="TextShape 2"/>
+              <a:rPr lang="en-US" sz="3000" dirty="0" smtClean="0">
+                <a:solidFill>
+                  <a:srgbClr val="575F6D"/>
+                </a:solidFill>
+                <a:latin typeface="Century Schoolbook"/>
+              </a:rPr>
+              <a:t>Future work</a:t>
+            </a:r>
+            <a:r>
+              <a:rPr lang="en-US" sz="3000" dirty="0">
+                <a:solidFill>
+                  <a:srgbClr val="575F6D"/>
+                </a:solidFill>
+                <a:latin typeface="Century Schoolbook"/>
+              </a:rPr>
+              <a:t>	</a:t>
+            </a:r>
+            <a:endParaRPr dirty="0"/>
+          </a:p>
+        </p:txBody>
+      </p:sp>
+      <p:sp>
+        <p:nvSpPr>
+          <p:cNvPr id="107" name="TextShape 2"/>
           <p:cNvSpPr txBox="1"/>
           <p:nvPr/>
         </p:nvSpPr>
         <p:spPr>
           <a:xfrm>
-            <a:off x="2286000" y="5003280"/>
-            <a:ext cx="6171840" cy="1371240"/>
-          </a:xfrm>
-          <a:prstGeom prst="rect">
-            <a:avLst/>
-          </a:prstGeom>
-        </p:spPr>
-        <p:txBody>
-          <a:bodyPr bIns="45000" lIns="90000" rIns="90000" tIns="45000"/>
+            <a:off x="457200" y="1600200"/>
+            <a:ext cx="7467120" cy="4873320"/>
+          </a:xfrm>
+          <a:prstGeom prst="rect">
+            <a:avLst/>
+          </a:prstGeom>
+        </p:spPr>
+        <p:txBody>
+          <a:bodyPr lIns="90000" tIns="45000" rIns="90000" bIns="45000"/>
+          <a:lstStyle/>
           <a:p>
             <a:pPr>
-              <a:lnSpc>
-                <a:spcPct val="100000"/>
-              </a:lnSpc>
+              <a:buSzPct val="70000"/>
+              <a:buFont typeface="Wingdings" charset="2"/>
+              <a:buChar char=""/>
             </a:pPr>
-            <a:r>
-              <a:rPr b="1" lang="en-US">
-                <a:solidFill>
-                  <a:srgbClr val="575f6d"/>
-                </a:solidFill>
-                <a:latin typeface="Century Schoolbook"/>
-              </a:rPr>
-              <a:t>Software Development Project</a:t>
-            </a:r>
-            <a:endParaRPr/>
+            <a:endParaRPr lang="en-US" sz="2400" dirty="0" smtClean="0">
+              <a:solidFill>
+                <a:srgbClr val="000000"/>
+              </a:solidFill>
+              <a:latin typeface="Century Schoolbook"/>
+            </a:endParaRPr>
           </a:p>
           <a:p>
             <a:pPr>
-              <a:lnSpc>
-                <a:spcPct val="100000"/>
-              </a:lnSpc>
+              <a:buSzPct val="70000"/>
+              <a:buFont typeface="Wingdings" charset="2"/>
+              <a:buChar char=""/>
             </a:pPr>
-            <a:r>
-              <a:rPr b="1" lang="en-US">
-                <a:solidFill>
-                  <a:srgbClr val="575f6d"/>
-                </a:solidFill>
-                <a:latin typeface="Century Schoolbook"/>
-              </a:rPr>
-              <a:t>Iuri Andrade, Oscar Lima, Shehzad Ahmed </a:t>
-            </a:r>
-            <a:endParaRPr/>
-          </a:p>
-          <a:p>
-            <a:pPr algn="r">
-              <a:lnSpc>
-                <a:spcPct val="100000"/>
-              </a:lnSpc>
+            <a:endParaRPr lang="en-US" sz="2400" dirty="0" smtClean="0">
+              <a:solidFill>
+                <a:srgbClr val="000000"/>
+              </a:solidFill>
+              <a:latin typeface="Century Schoolbook"/>
+            </a:endParaRPr>
+          </a:p>
+          <a:p>
+            <a:pPr>
+              <a:buSzPct val="70000"/>
+              <a:buFont typeface="Wingdings" charset="2"/>
+              <a:buChar char=""/>
             </a:pPr>
             <a:r>
-              <a:rPr b="1" lang="en-US">
-                <a:solidFill>
-                  <a:srgbClr val="575f6d"/>
-                </a:solidFill>
-                <a:latin typeface="Century Schoolbook"/>
-              </a:rPr>
-              <a:t>22.11.2013</a:t>
-            </a:r>
-            <a:endParaRPr/>
+              <a:rPr lang="en-US" sz="2400" dirty="0" smtClean="0">
+                <a:solidFill>
+                  <a:srgbClr val="000000"/>
+                </a:solidFill>
+                <a:latin typeface="Century Schoolbook"/>
+              </a:rPr>
+              <a:t>Add more PCL functionalities e.g. segmentation</a:t>
+            </a:r>
+          </a:p>
+          <a:p>
+            <a:pPr>
+              <a:buSzPct val="70000"/>
+              <a:buFont typeface="Wingdings" charset="2"/>
+              <a:buChar char=""/>
+            </a:pPr>
+            <a:endParaRPr lang="en-US" sz="2400" dirty="0" smtClean="0">
+              <a:solidFill>
+                <a:srgbClr val="000000"/>
+              </a:solidFill>
+              <a:latin typeface="Century Schoolbook"/>
+            </a:endParaRPr>
+          </a:p>
+          <a:p>
+            <a:pPr>
+              <a:buSzPct val="70000"/>
+              <a:buFont typeface="Wingdings" charset="2"/>
+              <a:buChar char=""/>
+            </a:pPr>
+            <a:r>
+              <a:rPr lang="en-US" sz="2400" dirty="0" smtClean="0">
+                <a:solidFill>
+                  <a:srgbClr val="000000"/>
+                </a:solidFill>
+                <a:latin typeface="Century Schoolbook"/>
+              </a:rPr>
+              <a:t>Create a layer of agents with the ability to receive tasks and autonomously connect the available agents to make pipelines</a:t>
+            </a:r>
           </a:p>
         </p:txBody>
       </p:sp>
     </p:spTree>
+    <p:extLst>
+      <p:ext uri="{BB962C8B-B14F-4D97-AF65-F5344CB8AC3E}">
+        <p14:creationId xmlns:p14="http://schemas.microsoft.com/office/powerpoint/2010/main" val="2016743592"/>
+      </p:ext>
+    </p:extLst>
   </p:cSld>
+  <p:clrMapOvr>
+    <a:masterClrMapping/>
+  </p:clrMapOvr>
+  <p:timing>
+    <p:tnLst>
+      <p:par>
+        <p:cTn id="1" dur="indefinite" restart="never" nodeType="tmRoot">
+          <p:childTnLst>
+            <p:seq>
+              <p:cTn id="2" nodeType="mainSeq">
+                <p:childTnLst>
+                  <p:par>
+                    <p:cTn id="3"/>
+                  </p:par>
+                </p:childTnLst>
+              </p:cTn>
+              <p:prevCondLst>
+                <p:cond evt="onPrev" delay="0">
+                  <p:tgtEl>
+                    <p:sldTgt/>
+                  </p:tgtEl>
+                </p:cond>
+              </p:prevCondLst>
+              <p:nextCondLst>
+                <p:cond evt="onNext" delay="0">
+                  <p:tgtEl>
+                    <p:sldTgt/>
+                  </p:tgtEl>
+                </p:cond>
+              </p:nextCondLst>
+            </p:seq>
+          </p:childTnLst>
+        </p:cTn>
+      </p:par>
+    </p:tnLst>
+  </p:timing>
 </p:sld>
 </file>
 
-<file path=ppt/slides/slide2.xml><?xml version="1.0" encoding="utf-8"?>
-<p:sld xmlns:a="http://schemas.openxmlformats.org/drawingml/2006/main" xmlns:p="http://schemas.openxmlformats.org/presentationml/2006/main" xmlns:r="http://schemas.openxmlformats.org/officeDocument/2006/relationships">
+<file path=ppt/slides/slide11.xml><?xml version="1.0" encoding="utf-8"?>
+<p:sld xmlns:a="http://schemas.openxmlformats.org/drawingml/2006/main" xmlns:r="http://schemas.openxmlformats.org/officeDocument/2006/relationships" xmlns:p="http://schemas.openxmlformats.org/presentationml/2006/main">
   <p:cSld>
     <p:spTree>
       <p:nvGrpSpPr>
@@ -3650,7 +4691,7 @@
       </p:grpSpPr>
       <p:sp>
         <p:nvSpPr>
-          <p:cNvPr id="104" name="TextShape 1"/>
+          <p:cNvPr id="120" name="TextShape 1"/>
           <p:cNvSpPr txBox="1"/>
           <p:nvPr/>
         </p:nvSpPr>
@@ -3664,131 +4705,45 @@
           </a:prstGeom>
         </p:spPr>
         <p:txBody>
-          <a:bodyPr anchor="b" bIns="45000" lIns="90000" rIns="90000" tIns="45000"/>
-          <a:p>
-            <a:pPr>
-              <a:lnSpc>
-                <a:spcPct val="100000"/>
-              </a:lnSpc>
-            </a:pPr>
-            <a:r>
-              <a:rPr lang="en-US" sz="3000">
-                <a:solidFill>
-                  <a:srgbClr val="575f6d"/>
-                </a:solidFill>
-                <a:latin typeface="Century Schoolbook"/>
-              </a:rPr>
-              <a:t>Presentation Content</a:t>
-            </a:r>
-            <a:endParaRPr/>
-          </a:p>
-        </p:txBody>
-      </p:sp>
-      <p:sp>
-        <p:nvSpPr>
-          <p:cNvPr id="105" name="TextShape 2"/>
-          <p:cNvSpPr txBox="1"/>
+          <a:bodyPr lIns="90000" tIns="45000" rIns="90000" bIns="45000" anchor="b"/>
+          <a:lstStyle/>
+          <a:p>
+            <a:endParaRPr/>
+          </a:p>
+        </p:txBody>
+      </p:sp>
+      <p:pic>
+        <p:nvPicPr>
+          <p:cNvPr id="121" name="Content Placeholder 3"/>
+          <p:cNvPicPr/>
           <p:nvPr/>
-        </p:nvSpPr>
-        <p:spPr>
-          <a:xfrm>
-            <a:off x="457200" y="1600200"/>
-            <a:ext cx="7467120" cy="4873320"/>
-          </a:xfrm>
-          <a:prstGeom prst="rect">
-            <a:avLst/>
-          </a:prstGeom>
-        </p:spPr>
-        <p:txBody>
-          <a:bodyPr bIns="45000" lIns="90000" rIns="90000" tIns="45000"/>
-          <a:p>
-            <a:pPr>
-              <a:lnSpc>
-                <a:spcPct val="100000"/>
-              </a:lnSpc>
-            </a:pPr>
-            <a:endParaRPr/>
-          </a:p>
-          <a:p>
-            <a:pPr>
-              <a:lnSpc>
-                <a:spcPct val="100000"/>
-              </a:lnSpc>
-              <a:buSzPct val="70000"/>
-              <a:buFont charset="2" typeface="Wingdings"/>
-              <a:buChar char=""/>
-            </a:pPr>
-            <a:r>
-              <a:rPr lang="en-US" sz="2400">
-                <a:solidFill>
-                  <a:srgbClr val="000000"/>
-                </a:solidFill>
-                <a:latin typeface="Century Schoolbook"/>
-              </a:rPr>
-              <a:t>Current Progress</a:t>
-            </a:r>
-            <a:endParaRPr/>
-          </a:p>
-          <a:p>
-            <a:pPr>
-              <a:lnSpc>
-                <a:spcPct val="100000"/>
-              </a:lnSpc>
-            </a:pPr>
-            <a:endParaRPr/>
-          </a:p>
-          <a:p>
-            <a:pPr>
-              <a:lnSpc>
-                <a:spcPct val="100000"/>
-              </a:lnSpc>
-              <a:buSzPct val="70000"/>
-              <a:buFont charset="2" typeface="Wingdings"/>
-              <a:buChar char=""/>
-            </a:pPr>
-            <a:r>
-              <a:rPr lang="en-US" sz="2400">
-                <a:solidFill>
-                  <a:srgbClr val="000000"/>
-                </a:solidFill>
-                <a:latin typeface="Century Schoolbook"/>
-              </a:rPr>
-              <a:t>Software Demo </a:t>
-            </a:r>
-            <a:endParaRPr/>
-          </a:p>
-          <a:p>
-            <a:endParaRPr/>
-          </a:p>
-          <a:p>
-            <a:pPr>
-              <a:lnSpc>
-                <a:spcPct val="100000"/>
-              </a:lnSpc>
-              <a:buSzPct val="70000"/>
-              <a:buFont charset="2" typeface="Wingdings"/>
-              <a:buChar char=""/>
-            </a:pPr>
-            <a:r>
-              <a:rPr lang="en-US" sz="2400">
-                <a:solidFill>
-                  <a:srgbClr val="000000"/>
-                </a:solidFill>
-                <a:latin typeface="Century Schoolbook"/>
-              </a:rPr>
-              <a:t>Objective for the next sprint</a:t>
-            </a:r>
-            <a:endParaRPr/>
-          </a:p>
-        </p:txBody>
-      </p:sp>
+        </p:nvPicPr>
+        <p:blipFill>
+          <a:blip r:embed="rId2"/>
+          <a:stretch>
+            <a:fillRect/>
+          </a:stretch>
+        </p:blipFill>
+        <p:spPr>
+          <a:xfrm>
+            <a:off x="1295280" y="1828800"/>
+            <a:ext cx="5943240" cy="4493160"/>
+          </a:xfrm>
+          <a:prstGeom prst="rect">
+            <a:avLst/>
+          </a:prstGeom>
+        </p:spPr>
+      </p:pic>
     </p:spTree>
   </p:cSld>
+  <p:clrMapOvr>
+    <a:masterClrMapping/>
+  </p:clrMapOvr>
 </p:sld>
 </file>
 
-<file path=ppt/slides/slide3.xml><?xml version="1.0" encoding="utf-8"?>
-<p:sld xmlns:a="http://schemas.openxmlformats.org/drawingml/2006/main" xmlns:p="http://schemas.openxmlformats.org/presentationml/2006/main" xmlns:r="http://schemas.openxmlformats.org/officeDocument/2006/relationships">
+<file path=ppt/slides/slide2.xml><?xml version="1.0" encoding="utf-8"?>
+<p:sld xmlns:a="http://schemas.openxmlformats.org/drawingml/2006/main" xmlns:r="http://schemas.openxmlformats.org/officeDocument/2006/relationships" xmlns:p="http://schemas.openxmlformats.org/presentationml/2006/main">
   <p:cSld>
     <p:spTree>
       <p:nvGrpSpPr>
@@ -3806,7 +4761,7 @@
       </p:grpSpPr>
       <p:sp>
         <p:nvSpPr>
-          <p:cNvPr id="106" name="TextShape 1"/>
+          <p:cNvPr id="104" name="TextShape 1"/>
           <p:cNvSpPr txBox="1"/>
           <p:nvPr/>
         </p:nvSpPr>
@@ -3820,7 +4775,8 @@
           </a:prstGeom>
         </p:spPr>
         <p:txBody>
-          <a:bodyPr anchor="b" bIns="45000" lIns="90000" rIns="90000" tIns="45000"/>
+          <a:bodyPr lIns="90000" tIns="45000" rIns="90000" bIns="45000" anchor="b"/>
+          <a:lstStyle/>
           <a:p>
             <a:pPr>
               <a:lnSpc>
@@ -3828,30 +4784,21 @@
               </a:lnSpc>
             </a:pPr>
             <a:r>
-              <a:rPr lang="en-US" sz="3000">
-                <a:solidFill>
-                  <a:srgbClr val="575f6d"/>
-                </a:solidFill>
-                <a:latin typeface="Century Schoolbook"/>
-              </a:rPr>
-              <a:t>Current Progress</a:t>
-            </a:r>
-            <a:r>
-              <a:rPr lang="en-US" sz="3000">
-                <a:solidFill>
-                  <a:srgbClr val="575f6d"/>
-                </a:solidFill>
-                <a:latin typeface="Century Schoolbook"/>
-              </a:rPr>
-              <a:t>	</a:t>
-            </a:r>
-            <a:endParaRPr/>
-          </a:p>
-        </p:txBody>
-      </p:sp>
-      <p:sp>
-        <p:nvSpPr>
-          <p:cNvPr id="107" name="TextShape 2"/>
+              <a:rPr lang="en-US" sz="3000" dirty="0">
+                <a:solidFill>
+                  <a:srgbClr val="575F6D"/>
+                </a:solidFill>
+                <a:latin typeface="Century Schoolbook"/>
+              </a:rPr>
+              <a:t>Presentation Content</a:t>
+            </a:r>
+            <a:endParaRPr dirty="0"/>
+          </a:p>
+        </p:txBody>
+      </p:sp>
+      <p:sp>
+        <p:nvSpPr>
+          <p:cNvPr id="105" name="TextShape 2"/>
           <p:cNvSpPr txBox="1"/>
           <p:nvPr/>
         </p:nvSpPr>
@@ -3865,26 +4812,206 @@
           </a:prstGeom>
         </p:spPr>
         <p:txBody>
-          <a:bodyPr bIns="45000" lIns="90000" rIns="90000" tIns="45000"/>
+          <a:bodyPr lIns="90000" tIns="45000" rIns="90000" bIns="45000"/>
+          <a:lstStyle/>
+          <a:p>
+            <a:pPr>
+              <a:lnSpc>
+                <a:spcPct val="100000"/>
+              </a:lnSpc>
+            </a:pPr>
+            <a:endParaRPr dirty="0"/>
+          </a:p>
           <a:p>
             <a:pPr>
               <a:lnSpc>
                 <a:spcPct val="100000"/>
               </a:lnSpc>
               <a:buSzPct val="70000"/>
-              <a:buFont charset="2" typeface="Wingdings"/>
+              <a:buFont typeface="Wingdings" charset="2"/>
               <a:buChar char=""/>
             </a:pPr>
             <a:r>
-              <a:rPr lang="en-US" sz="2400">
+              <a:rPr lang="en-US" sz="2400" dirty="0">
                 <a:solidFill>
                   <a:srgbClr val="000000"/>
                 </a:solidFill>
                 <a:latin typeface="Century Schoolbook"/>
               </a:rPr>
-              <a:t>Utilizing Point Cloud Library components</a:t>
-            </a:r>
-            <a:endParaRPr/>
+              <a:t>Current Progress</a:t>
+            </a:r>
+            <a:endParaRPr dirty="0"/>
+          </a:p>
+          <a:p>
+            <a:pPr>
+              <a:lnSpc>
+                <a:spcPct val="100000"/>
+              </a:lnSpc>
+            </a:pPr>
+            <a:endParaRPr dirty="0"/>
+          </a:p>
+          <a:p>
+            <a:pPr>
+              <a:lnSpc>
+                <a:spcPct val="100000"/>
+              </a:lnSpc>
+              <a:buSzPct val="70000"/>
+              <a:buFont typeface="Wingdings" charset="2"/>
+              <a:buChar char=""/>
+            </a:pPr>
+            <a:r>
+              <a:rPr lang="en-US" sz="2400" dirty="0" smtClean="0">
+                <a:solidFill>
+                  <a:srgbClr val="000000"/>
+                </a:solidFill>
+                <a:latin typeface="Century Schoolbook"/>
+              </a:rPr>
+              <a:t>Software Description</a:t>
+            </a:r>
+            <a:endParaRPr dirty="0"/>
+          </a:p>
+          <a:p>
+            <a:endParaRPr dirty="0"/>
+          </a:p>
+          <a:p>
+            <a:pPr>
+              <a:lnSpc>
+                <a:spcPct val="100000"/>
+              </a:lnSpc>
+              <a:buSzPct val="70000"/>
+              <a:buFont typeface="Wingdings" charset="2"/>
+              <a:buChar char=""/>
+            </a:pPr>
+            <a:r>
+              <a:rPr lang="en-US" sz="2400" dirty="0" smtClean="0">
+                <a:solidFill>
+                  <a:srgbClr val="000000"/>
+                </a:solidFill>
+                <a:latin typeface="Century Schoolbook"/>
+              </a:rPr>
+              <a:t>Future Work</a:t>
+            </a:r>
+            <a:endParaRPr dirty="0"/>
+          </a:p>
+        </p:txBody>
+      </p:sp>
+    </p:spTree>
+  </p:cSld>
+  <p:clrMapOvr>
+    <a:masterClrMapping/>
+  </p:clrMapOvr>
+</p:sld>
+</file>
+
+<file path=ppt/slides/slide3.xml><?xml version="1.0" encoding="utf-8"?>
+<p:sld xmlns:a="http://schemas.openxmlformats.org/drawingml/2006/main" xmlns:r="http://schemas.openxmlformats.org/officeDocument/2006/relationships" xmlns:p="http://schemas.openxmlformats.org/presentationml/2006/main">
+  <p:cSld>
+    <p:spTree>
+      <p:nvGrpSpPr>
+        <p:cNvPr id="1" name=""/>
+        <p:cNvGrpSpPr/>
+        <p:nvPr/>
+      </p:nvGrpSpPr>
+      <p:grpSpPr>
+        <a:xfrm>
+          <a:off x="0" y="0"/>
+          <a:ext cx="0" cy="0"/>
+          <a:chOff x="0" y="0"/>
+          <a:chExt cx="0" cy="0"/>
+        </a:xfrm>
+      </p:grpSpPr>
+      <p:sp>
+        <p:nvSpPr>
+          <p:cNvPr id="106" name="TextShape 1"/>
+          <p:cNvSpPr txBox="1"/>
+          <p:nvPr/>
+        </p:nvSpPr>
+        <p:spPr>
+          <a:xfrm>
+            <a:off x="457200" y="274680"/>
+            <a:ext cx="7467120" cy="1142640"/>
+          </a:xfrm>
+          <a:prstGeom prst="rect">
+            <a:avLst/>
+          </a:prstGeom>
+        </p:spPr>
+        <p:txBody>
+          <a:bodyPr lIns="90000" tIns="45000" rIns="90000" bIns="45000" anchor="b"/>
+          <a:lstStyle/>
+          <a:p>
+            <a:pPr>
+              <a:lnSpc>
+                <a:spcPct val="100000"/>
+              </a:lnSpc>
+            </a:pPr>
+            <a:r>
+              <a:rPr lang="en-US" sz="3000">
+                <a:solidFill>
+                  <a:srgbClr val="575F6D"/>
+                </a:solidFill>
+                <a:latin typeface="Century Schoolbook"/>
+              </a:rPr>
+              <a:t>Current Progress	</a:t>
+            </a:r>
+            <a:endParaRPr/>
+          </a:p>
+        </p:txBody>
+      </p:sp>
+      <p:sp>
+        <p:nvSpPr>
+          <p:cNvPr id="107" name="TextShape 2"/>
+          <p:cNvSpPr txBox="1"/>
+          <p:nvPr/>
+        </p:nvSpPr>
+        <p:spPr>
+          <a:xfrm>
+            <a:off x="457200" y="1600200"/>
+            <a:ext cx="7467120" cy="4873320"/>
+          </a:xfrm>
+          <a:prstGeom prst="rect">
+            <a:avLst/>
+          </a:prstGeom>
+        </p:spPr>
+        <p:txBody>
+          <a:bodyPr lIns="90000" tIns="45000" rIns="90000" bIns="45000"/>
+          <a:lstStyle/>
+          <a:p>
+            <a:pPr>
+              <a:lnSpc>
+                <a:spcPct val="100000"/>
+              </a:lnSpc>
+              <a:buSzPct val="70000"/>
+              <a:buFont typeface="Wingdings" charset="2"/>
+              <a:buChar char=""/>
+            </a:pPr>
+            <a:r>
+              <a:rPr lang="en-US" sz="2400" dirty="0" smtClean="0">
+                <a:solidFill>
+                  <a:srgbClr val="000000"/>
+                </a:solidFill>
+                <a:latin typeface="Century Schoolbook"/>
+              </a:rPr>
+              <a:t>Implemented </a:t>
+            </a:r>
+            <a:r>
+              <a:rPr lang="en-US" sz="2400" dirty="0" smtClean="0">
+                <a:solidFill>
+                  <a:srgbClr val="000000"/>
+                </a:solidFill>
+                <a:latin typeface="Century Schoolbook"/>
+              </a:rPr>
+              <a:t>agents to use PCL </a:t>
+            </a:r>
+            <a:r>
+              <a:rPr lang="en-US" sz="2400" dirty="0" smtClean="0">
+                <a:solidFill>
+                  <a:srgbClr val="000000"/>
+                </a:solidFill>
+                <a:latin typeface="Century Schoolbook"/>
+              </a:rPr>
+              <a:t>functionalities</a:t>
+            </a:r>
+            <a:endParaRPr dirty="0"/>
           </a:p>
           <a:p>
             <a:pPr lvl="1">
@@ -3892,11 +5019,11 @@
                 <a:spcPct val="100000"/>
               </a:lnSpc>
               <a:buSzPct val="80000"/>
-              <a:buFont charset="2" typeface="Wingdings 2"/>
+              <a:buFont typeface="Wingdings 2" charset="2"/>
               <a:buChar char=""/>
             </a:pPr>
             <a:r>
-              <a:rPr lang="en-US" sz="2100">
+              <a:rPr lang="en-US" sz="2100" dirty="0">
                 <a:solidFill>
                   <a:srgbClr val="000000"/>
                 </a:solidFill>
@@ -3904,7 +5031,7 @@
               </a:rPr>
               <a:t>Data or Input sources</a:t>
             </a:r>
-            <a:endParaRPr/>
+            <a:endParaRPr dirty="0"/>
           </a:p>
           <a:p>
             <a:pPr lvl="2">
@@ -3912,11 +5039,11 @@
                 <a:spcPct val="100000"/>
               </a:lnSpc>
               <a:buSzPct val="60000"/>
-              <a:buFont charset="2" typeface="Wingdings"/>
+              <a:buFont typeface="Wingdings" charset="2"/>
               <a:buChar char=""/>
             </a:pPr>
             <a:r>
-              <a:rPr lang="en-US">
+              <a:rPr lang="en-US" dirty="0">
                 <a:solidFill>
                   <a:srgbClr val="000000"/>
                 </a:solidFill>
@@ -3924,7 +5051,7 @@
               </a:rPr>
               <a:t>Point cloud file reader</a:t>
             </a:r>
-            <a:endParaRPr/>
+            <a:endParaRPr dirty="0"/>
           </a:p>
           <a:p>
             <a:pPr lvl="2">
@@ -3932,19 +5059,28 @@
                 <a:spcPct val="100000"/>
               </a:lnSpc>
               <a:buSzPct val="60000"/>
-              <a:buFont charset="2" typeface="Wingdings"/>
+              <a:buFont typeface="Wingdings" charset="2"/>
               <a:buChar char=""/>
             </a:pPr>
             <a:r>
-              <a:rPr lang="en-US">
+              <a:rPr lang="en-US" dirty="0">
                 <a:solidFill>
                   <a:srgbClr val="000000"/>
                 </a:solidFill>
                 <a:latin typeface="Century Schoolbook"/>
               </a:rPr>
-              <a:t>Kinect Camera </a:t>
-            </a:r>
-            <a:endParaRPr/>
+              <a:t>Kinect </a:t>
+            </a:r>
+            <a:r>
+              <a:rPr lang="en-US" dirty="0" smtClean="0">
+                <a:solidFill>
+                  <a:srgbClr val="000000"/>
+                </a:solidFill>
+                <a:latin typeface="Century Schoolbook"/>
+              </a:rPr>
+              <a:t>Camera</a:t>
+            </a:r>
+            <a:endParaRPr dirty="0"/>
           </a:p>
           <a:p>
             <a:pPr lvl="1">
@@ -3952,28 +5088,19 @@
                 <a:spcPct val="100000"/>
               </a:lnSpc>
               <a:buSzPct val="80000"/>
-              <a:buFont charset="2" typeface="Wingdings 2"/>
+              <a:buFont typeface="Wingdings 2" charset="2"/>
               <a:buChar char=""/>
             </a:pPr>
             <a:r>
-              <a:rPr lang="en-US" sz="2100">
+              <a:rPr lang="en-US" sz="2100" dirty="0">
                 <a:solidFill>
                   <a:srgbClr val="000000"/>
                 </a:solidFill>
                 <a:latin typeface="Century Schoolbook"/>
               </a:rPr>
-              <a:t> </a:t>
-            </a:r>
-            <a:r>
-              <a:rPr lang="en-US" sz="2100">
-                <a:solidFill>
-                  <a:srgbClr val="000000"/>
-                </a:solidFill>
-                <a:latin typeface="Century Schoolbook"/>
-              </a:rPr>
-              <a:t>Output sources</a:t>
-            </a:r>
-            <a:endParaRPr/>
+              <a:t> Output sources</a:t>
+            </a:r>
+            <a:endParaRPr dirty="0"/>
           </a:p>
           <a:p>
             <a:pPr lvl="2">
@@ -3981,11 +5108,11 @@
                 <a:spcPct val="100000"/>
               </a:lnSpc>
               <a:buSzPct val="60000"/>
-              <a:buFont charset="2" typeface="Wingdings"/>
+              <a:buFont typeface="Wingdings" charset="2"/>
               <a:buChar char=""/>
             </a:pPr>
             <a:r>
-              <a:rPr lang="en-US">
+              <a:rPr lang="en-US" dirty="0">
                 <a:solidFill>
                   <a:srgbClr val="000000"/>
                 </a:solidFill>
@@ -3993,7 +5120,7 @@
               </a:rPr>
               <a:t>Point cloud file writer</a:t>
             </a:r>
-            <a:endParaRPr/>
+            <a:endParaRPr dirty="0"/>
           </a:p>
           <a:p>
             <a:pPr lvl="2">
@@ -4001,19 +5128,28 @@
                 <a:spcPct val="100000"/>
               </a:lnSpc>
               <a:buSzPct val="60000"/>
-              <a:buFont charset="2" typeface="Wingdings"/>
+              <a:buFont typeface="Wingdings" charset="2"/>
               <a:buChar char=""/>
             </a:pPr>
             <a:r>
-              <a:rPr lang="en-US">
+              <a:rPr lang="en-US" dirty="0">
                 <a:solidFill>
                   <a:srgbClr val="000000"/>
                 </a:solidFill>
                 <a:latin typeface="Century Schoolbook"/>
               </a:rPr>
-              <a:t>Point cloud Viewer</a:t>
-            </a:r>
-            <a:endParaRPr/>
+              <a:t>Point cloud </a:t>
+            </a:r>
+            <a:r>
+              <a:rPr lang="en-US" dirty="0" smtClean="0">
+                <a:solidFill>
+                  <a:srgbClr val="000000"/>
+                </a:solidFill>
+                <a:latin typeface="Century Schoolbook"/>
+              </a:rPr>
+              <a:t>viewer</a:t>
+            </a:r>
+            <a:endParaRPr dirty="0"/>
           </a:p>
           <a:p>
             <a:pPr lvl="1">
@@ -4021,11 +5157,11 @@
                 <a:spcPct val="100000"/>
               </a:lnSpc>
               <a:buSzPct val="80000"/>
-              <a:buFont charset="2" typeface="Wingdings 2"/>
+              <a:buFont typeface="Wingdings 2" charset="2"/>
               <a:buChar char=""/>
             </a:pPr>
             <a:r>
-              <a:rPr lang="en-US" sz="2100">
+              <a:rPr lang="en-US" sz="2100" dirty="0">
                 <a:solidFill>
                   <a:srgbClr val="000000"/>
                 </a:solidFill>
@@ -4033,7 +5169,7 @@
               </a:rPr>
               <a:t>Filter components</a:t>
             </a:r>
-            <a:endParaRPr/>
+            <a:endParaRPr dirty="0"/>
           </a:p>
           <a:p>
             <a:pPr lvl="2">
@@ -4041,19 +5177,24 @@
                 <a:spcPct val="100000"/>
               </a:lnSpc>
               <a:buSzPct val="60000"/>
-              <a:buFont charset="2" typeface="Wingdings"/>
+              <a:buFont typeface="Wingdings" charset="2"/>
               <a:buChar char=""/>
             </a:pPr>
             <a:r>
-              <a:rPr lang="en-US">
+              <a:rPr lang="en-US" dirty="0" err="1" smtClean="0">
                 <a:solidFill>
                   <a:srgbClr val="000000"/>
                 </a:solidFill>
                 <a:latin typeface="Century Schoolbook"/>
               </a:rPr>
-              <a:t>Pass through filter</a:t>
-            </a:r>
-            <a:endParaRPr/>
+              <a:t>Passthrough</a:t>
+            </a:r>
+            <a:endParaRPr lang="en-US" dirty="0" smtClean="0">
+              <a:solidFill>
+                <a:srgbClr val="000000"/>
+              </a:solidFill>
+              <a:latin typeface="Century Schoolbook"/>
+            </a:endParaRPr>
           </a:p>
           <a:p>
             <a:pPr lvl="2">
@@ -4061,19 +5202,19 @@
                 <a:spcPct val="100000"/>
               </a:lnSpc>
               <a:buSzPct val="60000"/>
-              <a:buFont charset="2" typeface="Wingdings"/>
+              <a:buFont typeface="Wingdings" charset="2"/>
               <a:buChar char=""/>
             </a:pPr>
             <a:r>
-              <a:rPr lang="en-US">
+              <a:rPr lang="en-US" dirty="0" err="1" smtClean="0">
                 <a:solidFill>
                   <a:srgbClr val="000000"/>
                 </a:solidFill>
                 <a:latin typeface="Century Schoolbook"/>
               </a:rPr>
-              <a:t>Downsampling filter</a:t>
-            </a:r>
-            <a:endParaRPr/>
+              <a:t>Downsampling</a:t>
+            </a:r>
+            <a:endParaRPr dirty="0"/>
           </a:p>
           <a:p>
             <a:pPr lvl="2">
@@ -4081,19 +5222,28 @@
                 <a:spcPct val="100000"/>
               </a:lnSpc>
               <a:buSzPct val="60000"/>
-              <a:buFont charset="2" typeface="Wingdings"/>
+              <a:buFont typeface="Wingdings" charset="2"/>
               <a:buChar char=""/>
             </a:pPr>
             <a:r>
-              <a:rPr lang="en-US">
+              <a:rPr lang="en-US" dirty="0" smtClean="0">
                 <a:solidFill>
                   <a:srgbClr val="000000"/>
                 </a:solidFill>
                 <a:latin typeface="Century Schoolbook"/>
               </a:rPr>
-              <a:t>Statiscal outlier removal</a:t>
-            </a:r>
-            <a:endParaRPr/>
+              <a:t>Statistical </a:t>
+            </a:r>
+            <a:r>
+              <a:rPr lang="en-US" dirty="0">
+                <a:solidFill>
+                  <a:srgbClr val="000000"/>
+                </a:solidFill>
+                <a:latin typeface="Century Schoolbook"/>
+              </a:rPr>
+              <a:t>outlier removal</a:t>
+            </a:r>
+            <a:endParaRPr dirty="0"/>
           </a:p>
           <a:p>
             <a:pPr lvl="2">
@@ -4101,45 +5251,58 @@
                 <a:spcPct val="100000"/>
               </a:lnSpc>
               <a:buSzPct val="60000"/>
-              <a:buFont charset="2" typeface="Wingdings"/>
+              <a:buFont typeface="Wingdings" charset="2"/>
               <a:buChar char=""/>
             </a:pPr>
             <a:r>
-              <a:rPr lang="en-US">
+              <a:rPr lang="en-US" dirty="0">
                 <a:solidFill>
                   <a:srgbClr val="000000"/>
                 </a:solidFill>
                 <a:latin typeface="Century Schoolbook"/>
               </a:rPr>
-              <a:t>Radius outlier removal </a:t>
-            </a:r>
-            <a:endParaRPr/>
-          </a:p>
-          <a:p>
-            <a:endParaRPr/>
+              <a:t>Radius outlier </a:t>
+            </a:r>
+            <a:r>
+              <a:rPr lang="en-US" dirty="0" smtClean="0">
+                <a:solidFill>
+                  <a:srgbClr val="000000"/>
+                </a:solidFill>
+                <a:latin typeface="Century Schoolbook"/>
+              </a:rPr>
+              <a:t>removal</a:t>
+            </a:r>
+            <a:endParaRPr dirty="0"/>
           </a:p>
         </p:txBody>
       </p:sp>
     </p:spTree>
   </p:cSld>
+  <p:clrMapOvr>
+    <a:masterClrMapping/>
+  </p:clrMapOvr>
   <p:timing>
     <p:tnLst>
       <p:par>
-        <p:cTn dur="indefinite" id="1" nodeType="tmRoot" restart="never">
+        <p:cTn id="1" dur="indefinite" restart="never" nodeType="tmRoot">
           <p:childTnLst>
             <p:seq>
               <p:cTn id="2" nodeType="mainSeq">
-                <p:childTnLst/>
+                <p:childTnLst>
+                  <p:par>
+                    <p:cTn id="3"/>
+                  </p:par>
+                </p:childTnLst>
               </p:cTn>
               <p:prevCondLst>
-                <p:cond delay="0" evt="onPrev">
+                <p:cond evt="onPrev" delay="0">
                   <p:tgtEl>
                     <p:sldTgt/>
                   </p:tgtEl>
                 </p:cond>
               </p:prevCondLst>
               <p:nextCondLst>
-                <p:cond delay="0" evt="onNext">
+                <p:cond evt="onNext" delay="0">
                   <p:tgtEl>
                     <p:sldTgt/>
                   </p:tgtEl>
@@ -4155,7 +5318,7 @@
 </file>
 
 <file path=ppt/slides/slide4.xml><?xml version="1.0" encoding="utf-8"?>
-<p:sld xmlns:a="http://schemas.openxmlformats.org/drawingml/2006/main" xmlns:p="http://schemas.openxmlformats.org/presentationml/2006/main" xmlns:r="http://schemas.openxmlformats.org/officeDocument/2006/relationships">
+<p:sld xmlns:a="http://schemas.openxmlformats.org/drawingml/2006/main" xmlns:r="http://schemas.openxmlformats.org/officeDocument/2006/relationships" xmlns:p="http://schemas.openxmlformats.org/presentationml/2006/main">
   <p:cSld>
     <p:spTree>
       <p:nvGrpSpPr>
@@ -4173,7 +5336,7 @@
       </p:grpSpPr>
       <p:sp>
         <p:nvSpPr>
-          <p:cNvPr id="108" name="TextShape 1"/>
+          <p:cNvPr id="106" name="TextShape 1"/>
           <p:cNvSpPr txBox="1"/>
           <p:nvPr/>
         </p:nvSpPr>
@@ -4187,7 +5350,8 @@
           </a:prstGeom>
         </p:spPr>
         <p:txBody>
-          <a:bodyPr anchor="b" bIns="45000" lIns="90000" rIns="90000" tIns="45000"/>
+          <a:bodyPr lIns="90000" tIns="45000" rIns="90000" bIns="45000" anchor="b"/>
+          <a:lstStyle/>
           <a:p>
             <a:pPr>
               <a:lnSpc>
@@ -4195,21 +5359,30 @@
               </a:lnSpc>
             </a:pPr>
             <a:r>
-              <a:rPr lang="en-US" sz="3000">
-                <a:solidFill>
-                  <a:srgbClr val="575f6d"/>
-                </a:solidFill>
-                <a:latin typeface="Century Schoolbook"/>
-              </a:rPr>
-              <a:t>Software Demo</a:t>
-            </a:r>
-            <a:endParaRPr/>
-          </a:p>
-        </p:txBody>
-      </p:sp>
-      <p:sp>
-        <p:nvSpPr>
-          <p:cNvPr id="109" name="TextShape 2"/>
+              <a:rPr lang="en-US" sz="3000" dirty="0" smtClean="0">
+                <a:solidFill>
+                  <a:srgbClr val="575F6D"/>
+                </a:solidFill>
+                <a:latin typeface="Century Schoolbook"/>
+              </a:rPr>
+              <a:t>Software Description</a:t>
+            </a:r>
+            <a:r>
+              <a:rPr lang="en-US" sz="3000" dirty="0">
+                <a:solidFill>
+                  <a:srgbClr val="575F6D"/>
+                </a:solidFill>
+                <a:latin typeface="Century Schoolbook"/>
+              </a:rPr>
+              <a:t>	</a:t>
+            </a:r>
+            <a:endParaRPr dirty="0"/>
+          </a:p>
+        </p:txBody>
+      </p:sp>
+      <p:sp>
+        <p:nvSpPr>
+          <p:cNvPr id="107" name="TextShape 2"/>
           <p:cNvSpPr txBox="1"/>
           <p:nvPr/>
         </p:nvSpPr>
@@ -4223,41 +5396,281 @@
           </a:prstGeom>
         </p:spPr>
         <p:txBody>
-          <a:bodyPr bIns="45000" lIns="90000" rIns="90000" tIns="45000"/>
-          <a:p>
-            <a:endParaRPr/>
-          </a:p>
-        </p:txBody>
-      </p:sp>
-      <p:pic>
-        <p:nvPicPr>
-          <p:cNvPr descr="" id="110" name="Picture 3"/>
-          <p:cNvPicPr/>
-          <p:nvPr/>
-        </p:nvPicPr>
-        <p:blipFill>
-          <a:blip r:embed="rId1"/>
-          <a:stretch>
-            <a:fillRect/>
-          </a:stretch>
-        </p:blipFill>
-        <p:spPr>
-          <a:xfrm>
-            <a:off x="380880" y="1295280"/>
-            <a:ext cx="7772040" cy="5787360"/>
-          </a:xfrm>
-          <a:prstGeom prst="rect">
-            <a:avLst/>
-          </a:prstGeom>
-        </p:spPr>
-      </p:pic>
+          <a:bodyPr lIns="90000" tIns="45000" rIns="90000" bIns="45000"/>
+          <a:lstStyle/>
+          <a:p>
+            <a:pPr>
+              <a:lnSpc>
+                <a:spcPct val="100000"/>
+              </a:lnSpc>
+              <a:buSzPct val="70000"/>
+              <a:buFont typeface="Wingdings" charset="2"/>
+              <a:buChar char=""/>
+            </a:pPr>
+            <a:endParaRPr lang="pt-BR" sz="2400" dirty="0" smtClean="0">
+              <a:solidFill>
+                <a:srgbClr val="000000"/>
+              </a:solidFill>
+              <a:latin typeface="Century Schoolbook"/>
+            </a:endParaRPr>
+          </a:p>
+          <a:p>
+            <a:pPr>
+              <a:lnSpc>
+                <a:spcPct val="100000"/>
+              </a:lnSpc>
+              <a:buSzPct val="70000"/>
+              <a:buFont typeface="Wingdings" charset="2"/>
+              <a:buChar char=""/>
+            </a:pPr>
+            <a:endParaRPr lang="pt-BR" sz="2400" dirty="0">
+              <a:solidFill>
+                <a:srgbClr val="000000"/>
+              </a:solidFill>
+              <a:latin typeface="Century Schoolbook"/>
+            </a:endParaRPr>
+          </a:p>
+          <a:p>
+            <a:pPr>
+              <a:lnSpc>
+                <a:spcPct val="100000"/>
+              </a:lnSpc>
+              <a:buSzPct val="70000"/>
+              <a:buFont typeface="Wingdings" charset="2"/>
+              <a:buChar char=""/>
+            </a:pPr>
+            <a:r>
+              <a:rPr lang="pt-BR" sz="2400" dirty="0" err="1" smtClean="0">
+                <a:solidFill>
+                  <a:srgbClr val="000000"/>
+                </a:solidFill>
+                <a:latin typeface="Century Schoolbook"/>
+              </a:rPr>
+              <a:t>Architecture</a:t>
+            </a:r>
+            <a:endParaRPr lang="pt-BR" sz="2400" dirty="0" smtClean="0">
+              <a:solidFill>
+                <a:srgbClr val="000000"/>
+              </a:solidFill>
+              <a:latin typeface="Century Schoolbook"/>
+            </a:endParaRPr>
+          </a:p>
+          <a:p>
+            <a:pPr lvl="1">
+              <a:buSzPct val="70000"/>
+              <a:buFont typeface="Wingdings" charset="2"/>
+              <a:buChar char=""/>
+            </a:pPr>
+            <a:r>
+              <a:rPr lang="pt-BR" dirty="0" err="1" smtClean="0">
+                <a:solidFill>
+                  <a:srgbClr val="000000"/>
+                </a:solidFill>
+                <a:latin typeface="Century Schoolbook"/>
+              </a:rPr>
+              <a:t>Class</a:t>
+            </a:r>
+            <a:r>
+              <a:rPr lang="pt-BR" dirty="0" smtClean="0">
+                <a:solidFill>
+                  <a:srgbClr val="000000"/>
+                </a:solidFill>
+                <a:latin typeface="Century Schoolbook"/>
+              </a:rPr>
+              <a:t> </a:t>
+            </a:r>
+            <a:r>
+              <a:rPr lang="pt-BR" dirty="0" err="1" smtClean="0">
+                <a:solidFill>
+                  <a:srgbClr val="000000"/>
+                </a:solidFill>
+                <a:latin typeface="Century Schoolbook"/>
+              </a:rPr>
+              <a:t>Diagrams</a:t>
+            </a:r>
+            <a:endParaRPr lang="pt-BR" dirty="0" smtClean="0">
+              <a:solidFill>
+                <a:srgbClr val="000000"/>
+              </a:solidFill>
+              <a:latin typeface="Century Schoolbook"/>
+            </a:endParaRPr>
+          </a:p>
+          <a:p>
+            <a:pPr lvl="1">
+              <a:buSzPct val="70000"/>
+              <a:buFont typeface="Wingdings" charset="2"/>
+              <a:buChar char=""/>
+            </a:pPr>
+            <a:r>
+              <a:rPr lang="pt-BR" dirty="0" err="1" smtClean="0">
+                <a:solidFill>
+                  <a:srgbClr val="000000"/>
+                </a:solidFill>
+                <a:latin typeface="Century Schoolbook"/>
+              </a:rPr>
+              <a:t>Agents</a:t>
+            </a:r>
+            <a:r>
+              <a:rPr lang="pt-BR" dirty="0" smtClean="0">
+                <a:solidFill>
+                  <a:srgbClr val="000000"/>
+                </a:solidFill>
+                <a:latin typeface="Century Schoolbook"/>
+              </a:rPr>
+              <a:t> </a:t>
+            </a:r>
+            <a:r>
+              <a:rPr lang="pt-BR" dirty="0" err="1" smtClean="0">
+                <a:solidFill>
+                  <a:srgbClr val="000000"/>
+                </a:solidFill>
+                <a:latin typeface="Century Schoolbook"/>
+              </a:rPr>
+              <a:t>Diagrams</a:t>
+            </a:r>
+            <a:endParaRPr lang="pt-BR" dirty="0" smtClean="0">
+              <a:solidFill>
+                <a:srgbClr val="000000"/>
+              </a:solidFill>
+              <a:latin typeface="Century Schoolbook"/>
+            </a:endParaRPr>
+          </a:p>
+          <a:p>
+            <a:pPr lvl="1">
+              <a:buSzPct val="70000"/>
+              <a:buFont typeface="Wingdings" charset="2"/>
+              <a:buChar char=""/>
+            </a:pPr>
+            <a:r>
+              <a:rPr lang="pt-BR" dirty="0" err="1" smtClean="0">
+                <a:solidFill>
+                  <a:srgbClr val="000000"/>
+                </a:solidFill>
+                <a:latin typeface="Century Schoolbook"/>
+              </a:rPr>
+              <a:t>Code</a:t>
+            </a:r>
+            <a:r>
+              <a:rPr lang="pt-BR" dirty="0" smtClean="0">
+                <a:solidFill>
+                  <a:srgbClr val="000000"/>
+                </a:solidFill>
+                <a:latin typeface="Century Schoolbook"/>
+              </a:rPr>
+              <a:t> </a:t>
+            </a:r>
+            <a:r>
+              <a:rPr lang="pt-BR" dirty="0" err="1" smtClean="0">
+                <a:solidFill>
+                  <a:srgbClr val="000000"/>
+                </a:solidFill>
+                <a:latin typeface="Century Schoolbook"/>
+              </a:rPr>
+              <a:t>Convention</a:t>
+            </a:r>
+            <a:r>
+              <a:rPr lang="pt-BR" dirty="0" smtClean="0">
+                <a:solidFill>
+                  <a:srgbClr val="000000"/>
+                </a:solidFill>
+                <a:latin typeface="Century Schoolbook"/>
+              </a:rPr>
+              <a:t> (ROS C++ </a:t>
+            </a:r>
+            <a:r>
+              <a:rPr lang="pt-BR" dirty="0" err="1" smtClean="0">
+                <a:solidFill>
+                  <a:srgbClr val="000000"/>
+                </a:solidFill>
+                <a:latin typeface="Century Schoolbook"/>
+              </a:rPr>
+              <a:t>Style</a:t>
+            </a:r>
+            <a:r>
+              <a:rPr lang="pt-BR" dirty="0" smtClean="0">
+                <a:solidFill>
+                  <a:srgbClr val="000000"/>
+                </a:solidFill>
+                <a:latin typeface="Century Schoolbook"/>
+              </a:rPr>
+              <a:t>)</a:t>
+            </a:r>
+          </a:p>
+          <a:p>
+            <a:pPr lvl="1">
+              <a:buSzPct val="70000"/>
+              <a:buFont typeface="Wingdings" charset="2"/>
+              <a:buChar char=""/>
+            </a:pPr>
+            <a:r>
+              <a:rPr lang="pt-BR" dirty="0" err="1" smtClean="0">
+                <a:solidFill>
+                  <a:srgbClr val="000000"/>
+                </a:solidFill>
+                <a:latin typeface="Century Schoolbook"/>
+              </a:rPr>
+              <a:t>Dynamic</a:t>
+            </a:r>
+            <a:r>
+              <a:rPr lang="pt-BR" dirty="0" smtClean="0">
+                <a:solidFill>
+                  <a:srgbClr val="000000"/>
+                </a:solidFill>
+                <a:latin typeface="Century Schoolbook"/>
+              </a:rPr>
+              <a:t> Pipeline</a:t>
+            </a:r>
+          </a:p>
+        </p:txBody>
+      </p:sp>
     </p:spTree>
+    <p:extLst>
+      <p:ext uri="{BB962C8B-B14F-4D97-AF65-F5344CB8AC3E}">
+        <p14:creationId xmlns:p14="http://schemas.microsoft.com/office/powerpoint/2010/main" val="2669984174"/>
+      </p:ext>
+    </p:extLst>
   </p:cSld>
+  <p:clrMapOvr>
+    <a:masterClrMapping/>
+  </p:clrMapOvr>
+  <p:timing>
+    <p:tnLst>
+      <p:par>
+        <p:cTn id="1" dur="indefinite" restart="never" nodeType="tmRoot">
+          <p:childTnLst>
+            <p:seq>
+              <p:cTn id="2" nodeType="mainSeq">
+                <p:childTnLst>
+                  <p:par>
+                    <p:cTn id="3"/>
+                  </p:par>
+                </p:childTnLst>
+              </p:cTn>
+              <p:prevCondLst>
+                <p:cond evt="onPrev" delay="0">
+                  <p:tgtEl>
+                    <p:sldTgt/>
+                  </p:tgtEl>
+                </p:cond>
+              </p:prevCondLst>
+              <p:nextCondLst>
+                <p:cond evt="onNext" delay="0">
+                  <p:tgtEl>
+                    <p:sldTgt/>
+                  </p:tgtEl>
+                </p:cond>
+              </p:nextCondLst>
+            </p:seq>
+          </p:childTnLst>
+        </p:cTn>
+      </p:par>
+    </p:tnLst>
+  </p:timing>
 </p:sld>
 </file>
 
 <file path=ppt/slides/slide5.xml><?xml version="1.0" encoding="utf-8"?>
-<p:sld xmlns:a="http://schemas.openxmlformats.org/drawingml/2006/main" xmlns:p="http://schemas.openxmlformats.org/presentationml/2006/main" xmlns:r="http://schemas.openxmlformats.org/officeDocument/2006/relationships">
+<p:sld xmlns:a="http://schemas.openxmlformats.org/drawingml/2006/main" xmlns:r="http://schemas.openxmlformats.org/officeDocument/2006/relationships" xmlns:p="http://schemas.openxmlformats.org/presentationml/2006/main">
   <p:cSld>
     <p:spTree>
       <p:nvGrpSpPr>
@@ -4275,7 +5688,7 @@
       </p:grpSpPr>
       <p:sp>
         <p:nvSpPr>
-          <p:cNvPr id="111" name="TextShape 1"/>
+          <p:cNvPr id="106" name="TextShape 1"/>
           <p:cNvSpPr txBox="1"/>
           <p:nvPr/>
         </p:nvSpPr>
@@ -4289,7 +5702,8 @@
           </a:prstGeom>
         </p:spPr>
         <p:txBody>
-          <a:bodyPr anchor="b" bIns="45000" lIns="90000" rIns="90000" tIns="45000"/>
+          <a:bodyPr lIns="90000" tIns="45000" rIns="90000" bIns="45000" anchor="b"/>
+          <a:lstStyle/>
           <a:p>
             <a:pPr>
               <a:lnSpc>
@@ -4297,21 +5711,62 @@
               </a:lnSpc>
             </a:pPr>
             <a:r>
-              <a:rPr lang="en-US" sz="3000">
-                <a:solidFill>
-                  <a:srgbClr val="575f6d"/>
-                </a:solidFill>
-                <a:latin typeface="Century Schoolbook"/>
-              </a:rPr>
-              <a:t>Objective for the next Sprint</a:t>
-            </a:r>
-            <a:endParaRPr/>
-          </a:p>
-        </p:txBody>
-      </p:sp>
-      <p:sp>
-        <p:nvSpPr>
-          <p:cNvPr id="112" name="TextShape 2"/>
+              <a:rPr lang="pt-BR" sz="3000" dirty="0" err="1" smtClean="0">
+                <a:solidFill>
+                  <a:srgbClr val="575F6D"/>
+                </a:solidFill>
+                <a:latin typeface="Century Schoolbook"/>
+              </a:rPr>
+              <a:t>Architecture</a:t>
+            </a:r>
+            <a:r>
+              <a:rPr lang="pt-BR" sz="3000" dirty="0" smtClean="0">
+                <a:solidFill>
+                  <a:srgbClr val="575F6D"/>
+                </a:solidFill>
+                <a:latin typeface="Century Schoolbook"/>
+              </a:rPr>
+              <a:t> - </a:t>
+            </a:r>
+            <a:r>
+              <a:rPr lang="pt-BR" sz="3000" dirty="0" err="1" smtClean="0">
+                <a:solidFill>
+                  <a:srgbClr val="575F6D"/>
+                </a:solidFill>
+                <a:latin typeface="Century Schoolbook"/>
+              </a:rPr>
+              <a:t>Class</a:t>
+            </a:r>
+            <a:r>
+              <a:rPr lang="pt-BR" sz="3000" dirty="0" smtClean="0">
+                <a:solidFill>
+                  <a:srgbClr val="575F6D"/>
+                </a:solidFill>
+                <a:latin typeface="Century Schoolbook"/>
+              </a:rPr>
+              <a:t> </a:t>
+            </a:r>
+            <a:r>
+              <a:rPr lang="pt-BR" sz="3000" dirty="0" err="1" smtClean="0">
+                <a:solidFill>
+                  <a:srgbClr val="575F6D"/>
+                </a:solidFill>
+                <a:latin typeface="Century Schoolbook"/>
+              </a:rPr>
+              <a:t>Diagrams</a:t>
+            </a:r>
+            <a:endParaRPr sz="3000" dirty="0">
+              <a:solidFill>
+                <a:srgbClr val="575F6D"/>
+              </a:solidFill>
+              <a:latin typeface="Century Schoolbook"/>
+            </a:endParaRPr>
+          </a:p>
+        </p:txBody>
+      </p:sp>
+      <p:sp>
+        <p:nvSpPr>
+          <p:cNvPr id="107" name="TextShape 2"/>
           <p:cNvSpPr txBox="1"/>
           <p:nvPr/>
         </p:nvSpPr>
@@ -4325,239 +5780,104 @@
           </a:prstGeom>
         </p:spPr>
         <p:txBody>
-          <a:bodyPr bIns="45000" lIns="90000" rIns="90000" tIns="45000"/>
+          <a:bodyPr lIns="90000" tIns="45000" rIns="90000" bIns="45000"/>
+          <a:lstStyle/>
           <a:p>
             <a:pPr>
               <a:lnSpc>
                 <a:spcPct val="100000"/>
               </a:lnSpc>
               <a:buSzPct val="70000"/>
-              <a:buFont charset="2" typeface="Wingdings"/>
+              <a:buFont typeface="Wingdings" charset="2"/>
               <a:buChar char=""/>
             </a:pPr>
-            <a:r>
-              <a:rPr lang="en-US" sz="2400">
-                <a:solidFill>
-                  <a:srgbClr val="000000"/>
-                </a:solidFill>
-                <a:latin typeface="Century Schoolbook"/>
-              </a:rPr>
-              <a:t>Implement the functionalities as agents</a:t>
-            </a:r>
-            <a:endParaRPr/>
-          </a:p>
-          <a:p>
-            <a:pPr lvl="1">
-              <a:lnSpc>
-                <a:spcPct val="100000"/>
-              </a:lnSpc>
-              <a:buSzPct val="80000"/>
-              <a:buFont charset="2" typeface="Wingdings 2"/>
-              <a:buChar char=""/>
-            </a:pPr>
-            <a:r>
-              <a:rPr lang="en-US" sz="2100">
-                <a:solidFill>
-                  <a:srgbClr val="000000"/>
-                </a:solidFill>
-                <a:latin typeface="Century Schoolbook"/>
-              </a:rPr>
-              <a:t>Input </a:t>
-            </a:r>
-            <a:endParaRPr/>
-          </a:p>
-          <a:p>
-            <a:pPr lvl="1">
-              <a:lnSpc>
-                <a:spcPct val="100000"/>
-              </a:lnSpc>
-              <a:buSzPct val="80000"/>
-              <a:buFont charset="2" typeface="Wingdings 2"/>
-              <a:buChar char=""/>
-            </a:pPr>
-            <a:r>
-              <a:rPr lang="en-US" sz="2100">
-                <a:solidFill>
-                  <a:srgbClr val="000000"/>
-                </a:solidFill>
-                <a:latin typeface="Century Schoolbook"/>
-              </a:rPr>
-              <a:t>Configuration </a:t>
-            </a:r>
-            <a:endParaRPr/>
-          </a:p>
-          <a:p>
-            <a:pPr lvl="1">
-              <a:lnSpc>
-                <a:spcPct val="100000"/>
-              </a:lnSpc>
-              <a:buSzPct val="80000"/>
-              <a:buFont charset="2" typeface="Wingdings 2"/>
-              <a:buChar char=""/>
-            </a:pPr>
-            <a:r>
-              <a:rPr lang="en-US" sz="2100">
-                <a:solidFill>
-                  <a:srgbClr val="000000"/>
-                </a:solidFill>
-                <a:latin typeface="Century Schoolbook"/>
-              </a:rPr>
-              <a:t>Output</a:t>
-            </a:r>
-            <a:endParaRPr/>
-          </a:p>
-          <a:p>
-            <a:pPr>
-              <a:lnSpc>
-                <a:spcPct val="100000"/>
-              </a:lnSpc>
-              <a:buSzPct val="70000"/>
-              <a:buFont charset="2" typeface="Wingdings"/>
-              <a:buChar char=""/>
-            </a:pPr>
-            <a:r>
-              <a:rPr lang="en-US" sz="2400">
-                <a:solidFill>
-                  <a:srgbClr val="000000"/>
-                </a:solidFill>
-                <a:latin typeface="Century Schoolbook"/>
-              </a:rPr>
-              <a:t>Integrate agents in ROS</a:t>
-            </a:r>
-            <a:endParaRPr/>
-          </a:p>
-          <a:p>
-            <a:pPr lvl="1">
-              <a:lnSpc>
-                <a:spcPct val="100000"/>
-              </a:lnSpc>
-              <a:buSzPct val="80000"/>
-              <a:buFont charset="2" typeface="Wingdings 2"/>
-              <a:buChar char=""/>
-            </a:pPr>
-            <a:r>
-              <a:rPr lang="en-US" sz="2100">
-                <a:solidFill>
-                  <a:srgbClr val="000000"/>
-                </a:solidFill>
-                <a:latin typeface="Century Schoolbook"/>
-              </a:rPr>
-              <a:t>Wrap each agent with a ROS node</a:t>
-            </a:r>
-            <a:endParaRPr/>
-          </a:p>
-          <a:p>
-            <a:pPr lvl="2">
-              <a:lnSpc>
-                <a:spcPct val="100000"/>
-              </a:lnSpc>
-              <a:buSzPct val="60000"/>
-              <a:buFont charset="2" typeface="Wingdings"/>
-              <a:buChar char=""/>
-            </a:pPr>
-            <a:r>
-              <a:rPr lang="en-US">
-                <a:solidFill>
-                  <a:srgbClr val="000000"/>
-                </a:solidFill>
-                <a:latin typeface="Century Schoolbook"/>
-              </a:rPr>
-              <a:t>Input  =&gt; Subscriber</a:t>
-            </a:r>
-            <a:endParaRPr/>
-          </a:p>
-          <a:p>
-            <a:pPr lvl="2">
-              <a:lnSpc>
-                <a:spcPct val="100000"/>
-              </a:lnSpc>
-              <a:buSzPct val="60000"/>
-              <a:buFont charset="2" typeface="Wingdings"/>
-              <a:buChar char=""/>
-            </a:pPr>
-            <a:r>
-              <a:rPr lang="en-US">
-                <a:solidFill>
-                  <a:srgbClr val="000000"/>
-                </a:solidFill>
-                <a:latin typeface="Century Schoolbook"/>
-              </a:rPr>
-              <a:t>Parameter Configurations</a:t>
-            </a:r>
-            <a:endParaRPr/>
-          </a:p>
-          <a:p>
-            <a:pPr lvl="2">
-              <a:lnSpc>
-                <a:spcPct val="100000"/>
-              </a:lnSpc>
-              <a:buSzPct val="60000"/>
-              <a:buFont charset="2" typeface="Wingdings"/>
-              <a:buChar char=""/>
-            </a:pPr>
-            <a:r>
-              <a:rPr lang="en-US">
-                <a:solidFill>
-                  <a:srgbClr val="000000"/>
-                </a:solidFill>
-                <a:latin typeface="Century Schoolbook"/>
-              </a:rPr>
-              <a:t>Output =&gt; Publisher   </a:t>
-            </a:r>
-            <a:endParaRPr/>
-          </a:p>
-          <a:p>
-            <a:pPr lvl="1">
-              <a:lnSpc>
-                <a:spcPct val="100000"/>
-              </a:lnSpc>
-              <a:buSzPct val="80000"/>
-              <a:buFont charset="2" typeface="Wingdings 2"/>
-              <a:buChar char=""/>
-            </a:pPr>
-            <a:r>
-              <a:rPr lang="en-US" sz="2100">
-                <a:solidFill>
-                  <a:srgbClr val="000000"/>
-                </a:solidFill>
-                <a:latin typeface="Century Schoolbook"/>
-              </a:rPr>
-              <a:t>Create a Dynamic reconfigure node</a:t>
-            </a:r>
-            <a:endParaRPr/>
-          </a:p>
-          <a:p>
-            <a:pPr lvl="2">
-              <a:lnSpc>
-                <a:spcPct val="100000"/>
-              </a:lnSpc>
-              <a:buSzPct val="60000"/>
-              <a:buFont charset="2" typeface="Wingdings"/>
-              <a:buChar char=""/>
-            </a:pPr>
-            <a:r>
-              <a:rPr lang="en-US">
-                <a:solidFill>
-                  <a:srgbClr val="000000"/>
-                </a:solidFill>
-                <a:latin typeface="Century Schoolbook"/>
-              </a:rPr>
-              <a:t>Runtime configuration of agent parameters </a:t>
-            </a:r>
-            <a:endParaRPr/>
-          </a:p>
-          <a:p>
-            <a:endParaRPr/>
-          </a:p>
-        </p:txBody>
-      </p:sp>
+            <a:endParaRPr lang="pt-BR" sz="2400" dirty="0" smtClean="0">
+              <a:solidFill>
+                <a:srgbClr val="000000"/>
+              </a:solidFill>
+              <a:latin typeface="Century Schoolbook"/>
+            </a:endParaRPr>
+          </a:p>
+        </p:txBody>
+      </p:sp>
+      <p:pic>
+        <p:nvPicPr>
+          <p:cNvPr id="2" name="Picture 1"/>
+          <p:cNvPicPr>
+            <a:picLocks noChangeAspect="1"/>
+          </p:cNvPicPr>
+          <p:nvPr/>
+        </p:nvPicPr>
+        <p:blipFill>
+          <a:blip r:embed="rId2">
+            <a:extLst>
+              <a:ext uri="{28A0092B-C50C-407E-A947-70E740481C1C}">
+                <a14:useLocalDpi xmlns:a14="http://schemas.microsoft.com/office/drawing/2010/main" val="0"/>
+              </a:ext>
+            </a:extLst>
+          </a:blip>
+          <a:stretch>
+            <a:fillRect/>
+          </a:stretch>
+        </p:blipFill>
+        <p:spPr>
+          <a:xfrm>
+            <a:off x="302309" y="1600200"/>
+            <a:ext cx="8487624" cy="5257800"/>
+          </a:xfrm>
+          <a:prstGeom prst="rect">
+            <a:avLst/>
+          </a:prstGeom>
+        </p:spPr>
+      </p:pic>
     </p:spTree>
+    <p:extLst>
+      <p:ext uri="{BB962C8B-B14F-4D97-AF65-F5344CB8AC3E}">
+        <p14:creationId xmlns:p14="http://schemas.microsoft.com/office/powerpoint/2010/main" val="2653217111"/>
+      </p:ext>
+    </p:extLst>
   </p:cSld>
+  <p:clrMapOvr>
+    <a:masterClrMapping/>
+  </p:clrMapOvr>
+  <p:timing>
+    <p:tnLst>
+      <p:par>
+        <p:cTn id="1" dur="indefinite" restart="never" nodeType="tmRoot">
+          <p:childTnLst>
+            <p:seq>
+              <p:cTn id="2" nodeType="mainSeq">
+                <p:childTnLst>
+                  <p:par>
+                    <p:cTn id="3"/>
+                  </p:par>
+                </p:childTnLst>
+              </p:cTn>
+              <p:prevCondLst>
+                <p:cond evt="onPrev" delay="0">
+                  <p:tgtEl>
+                    <p:sldTgt/>
+                  </p:tgtEl>
+                </p:cond>
+              </p:prevCondLst>
+              <p:nextCondLst>
+                <p:cond evt="onNext" delay="0">
+                  <p:tgtEl>
+                    <p:sldTgt/>
+                  </p:tgtEl>
+                </p:cond>
+              </p:nextCondLst>
+            </p:seq>
+          </p:childTnLst>
+        </p:cTn>
+      </p:par>
+    </p:tnLst>
+  </p:timing>
 </p:sld>
 </file>
 
 <file path=ppt/slides/slide6.xml><?xml version="1.0" encoding="utf-8"?>
-<p:sld xmlns:a="http://schemas.openxmlformats.org/drawingml/2006/main" xmlns:p="http://schemas.openxmlformats.org/presentationml/2006/main" xmlns:r="http://schemas.openxmlformats.org/officeDocument/2006/relationships">
+<p:sld xmlns:a="http://schemas.openxmlformats.org/drawingml/2006/main" xmlns:r="http://schemas.openxmlformats.org/officeDocument/2006/relationships" xmlns:p="http://schemas.openxmlformats.org/presentationml/2006/main">
   <p:cSld>
     <p:spTree>
       <p:nvGrpSpPr>
@@ -4575,65 +5895,7 @@
       </p:grpSpPr>
       <p:pic>
         <p:nvPicPr>
-          <p:cNvPr descr="" id="113" name="Picture 5"/>
-          <p:cNvPicPr/>
-          <p:nvPr/>
-        </p:nvPicPr>
-        <p:blipFill>
-          <a:blip r:embed="rId1"/>
-          <a:stretch>
-            <a:fillRect/>
-          </a:stretch>
-        </p:blipFill>
-        <p:spPr>
-          <a:xfrm>
-            <a:off x="533520" y="1295280"/>
-            <a:ext cx="4647960" cy="2984040"/>
-          </a:xfrm>
-          <a:prstGeom prst="rect">
-            <a:avLst/>
-          </a:prstGeom>
-        </p:spPr>
-      </p:pic>
-      <p:sp>
-        <p:nvSpPr>
-          <p:cNvPr id="114" name="TextShape 1"/>
-          <p:cNvSpPr txBox="1"/>
-          <p:nvPr/>
-        </p:nvSpPr>
-        <p:spPr>
-          <a:xfrm>
-            <a:off x="457200" y="274680"/>
-            <a:ext cx="7467120" cy="1142640"/>
-          </a:xfrm>
-          <a:prstGeom prst="rect">
-            <a:avLst/>
-          </a:prstGeom>
-        </p:spPr>
-        <p:txBody>
-          <a:bodyPr anchor="b" bIns="45000" lIns="90000" rIns="90000" tIns="45000"/>
-          <a:p>
-            <a:pPr>
-              <a:lnSpc>
-                <a:spcPct val="100000"/>
-              </a:lnSpc>
-            </a:pPr>
-            <a:r>
-              <a:rPr lang="en-US" sz="3000">
-                <a:solidFill>
-                  <a:srgbClr val="575f6d"/>
-                </a:solidFill>
-                <a:latin typeface="Century Schoolbook"/>
-              </a:rPr>
-              <a:t>Agents Diagram</a:t>
-            </a:r>
-            <a:endParaRPr/>
-          </a:p>
-        </p:txBody>
-      </p:sp>
-      <p:pic>
-        <p:nvPicPr>
-          <p:cNvPr descr="" id="115" name="Content Placeholder 6"/>
+          <p:cNvPr id="113" name="Picture 5"/>
           <p:cNvPicPr/>
           <p:nvPr/>
         </p:nvPicPr>
@@ -4645,21 +5907,107 @@
         </p:blipFill>
         <p:spPr>
           <a:xfrm>
-            <a:off x="3276720" y="4191120"/>
-            <a:ext cx="5315400" cy="1980720"/>
+            <a:off x="533520" y="1295280"/>
+            <a:ext cx="7489046" cy="4700078"/>
           </a:xfrm>
           <a:prstGeom prst="rect">
             <a:avLst/>
           </a:prstGeom>
         </p:spPr>
       </p:pic>
+      <p:sp>
+        <p:nvSpPr>
+          <p:cNvPr id="114" name="TextShape 1"/>
+          <p:cNvSpPr txBox="1"/>
+          <p:nvPr/>
+        </p:nvSpPr>
+        <p:spPr>
+          <a:xfrm>
+            <a:off x="457200" y="274680"/>
+            <a:ext cx="7467120" cy="1142640"/>
+          </a:xfrm>
+          <a:prstGeom prst="rect">
+            <a:avLst/>
+          </a:prstGeom>
+        </p:spPr>
+        <p:txBody>
+          <a:bodyPr lIns="90000" tIns="45000" rIns="90000" bIns="45000" anchor="b"/>
+          <a:lstStyle/>
+          <a:p>
+            <a:pPr marL="0" lvl="1"/>
+            <a:r>
+              <a:rPr lang="pt-BR" sz="3000" dirty="0" err="1">
+                <a:solidFill>
+                  <a:srgbClr val="575F6D"/>
+                </a:solidFill>
+                <a:latin typeface="Century Schoolbook"/>
+              </a:rPr>
+              <a:t>Architecture</a:t>
+            </a:r>
+            <a:r>
+              <a:rPr lang="pt-BR" sz="3000" dirty="0">
+                <a:solidFill>
+                  <a:srgbClr val="575F6D"/>
+                </a:solidFill>
+                <a:latin typeface="Century Schoolbook"/>
+              </a:rPr>
+              <a:t> – </a:t>
+            </a:r>
+            <a:r>
+              <a:rPr lang="pt-BR" sz="3000" dirty="0" err="1" smtClean="0">
+                <a:solidFill>
+                  <a:srgbClr val="575F6D"/>
+                </a:solidFill>
+                <a:latin typeface="Century Schoolbook"/>
+              </a:rPr>
+              <a:t>Agents</a:t>
+            </a:r>
+            <a:r>
+              <a:rPr lang="pt-BR" sz="3000" dirty="0" smtClean="0">
+                <a:solidFill>
+                  <a:srgbClr val="575F6D"/>
+                </a:solidFill>
+                <a:latin typeface="Century Schoolbook"/>
+              </a:rPr>
+              <a:t> </a:t>
+            </a:r>
+            <a:r>
+              <a:rPr lang="pt-BR" sz="3000" dirty="0" err="1" smtClean="0">
+                <a:solidFill>
+                  <a:srgbClr val="575F6D"/>
+                </a:solidFill>
+                <a:latin typeface="Century Schoolbook"/>
+              </a:rPr>
+              <a:t>Diagram</a:t>
+            </a:r>
+            <a:r>
+              <a:rPr lang="pt-BR" sz="3000" dirty="0" smtClean="0">
+                <a:solidFill>
+                  <a:srgbClr val="575F6D"/>
+                </a:solidFill>
+                <a:latin typeface="Century Schoolbook"/>
+              </a:rPr>
+              <a:t> </a:t>
+            </a:r>
+            <a:endParaRPr lang="pt-BR" dirty="0">
+              <a:solidFill>
+                <a:srgbClr val="000000"/>
+              </a:solidFill>
+              <a:latin typeface="Century Schoolbook"/>
+            </a:endParaRPr>
+          </a:p>
+        </p:txBody>
+      </p:sp>
     </p:spTree>
   </p:cSld>
+  <p:clrMapOvr>
+    <a:masterClrMapping/>
+  </p:clrMapOvr>
 </p:sld>
 </file>
 
 <file path=ppt/slides/slide7.xml><?xml version="1.0" encoding="utf-8"?>
-<p:sld xmlns:a="http://schemas.openxmlformats.org/drawingml/2006/main" xmlns:p="http://schemas.openxmlformats.org/presentationml/2006/main" xmlns:r="http://schemas.openxmlformats.org/officeDocument/2006/relationships">
+<p:sld xmlns:a="http://schemas.openxmlformats.org/drawingml/2006/main" xmlns:r="http://schemas.openxmlformats.org/officeDocument/2006/relationships" xmlns:p="http://schemas.openxmlformats.org/presentationml/2006/main">
   <p:cSld>
     <p:spTree>
       <p:nvGrpSpPr>
@@ -4691,34 +6039,81 @@
           </a:prstGeom>
         </p:spPr>
         <p:txBody>
-          <a:bodyPr anchor="b" bIns="45000" lIns="90000" rIns="90000" tIns="45000"/>
-          <a:p>
-            <a:pPr>
-              <a:lnSpc>
-                <a:spcPct val="100000"/>
-              </a:lnSpc>
-            </a:pPr>
-            <a:r>
-              <a:rPr lang="en-US" sz="3000">
-                <a:solidFill>
-                  <a:srgbClr val="575f6d"/>
-                </a:solidFill>
-                <a:latin typeface="Century Schoolbook"/>
-              </a:rPr>
-              <a:t>Agents Diagram</a:t>
-            </a:r>
-            <a:endParaRPr/>
+          <a:bodyPr lIns="90000" tIns="45000" rIns="90000" bIns="45000" anchor="b"/>
+          <a:lstStyle/>
+          <a:p>
+            <a:pPr marL="0" lvl="1"/>
+            <a:r>
+              <a:rPr lang="pt-BR" sz="3000" dirty="0" err="1">
+                <a:solidFill>
+                  <a:srgbClr val="575F6D"/>
+                </a:solidFill>
+                <a:latin typeface="Century Schoolbook"/>
+              </a:rPr>
+              <a:t>Architecture</a:t>
+            </a:r>
+            <a:r>
+              <a:rPr lang="pt-BR" sz="3000" dirty="0">
+                <a:solidFill>
+                  <a:srgbClr val="575F6D"/>
+                </a:solidFill>
+                <a:latin typeface="Century Schoolbook"/>
+              </a:rPr>
+              <a:t> – </a:t>
+            </a:r>
+            <a:r>
+              <a:rPr lang="pt-BR" sz="3000" dirty="0" err="1" smtClean="0">
+                <a:solidFill>
+                  <a:srgbClr val="575F6D"/>
+                </a:solidFill>
+                <a:latin typeface="Century Schoolbook"/>
+              </a:rPr>
+              <a:t>Agents</a:t>
+            </a:r>
+            <a:r>
+              <a:rPr lang="pt-BR" sz="3000" dirty="0" smtClean="0">
+                <a:solidFill>
+                  <a:srgbClr val="575F6D"/>
+                </a:solidFill>
+                <a:latin typeface="Century Schoolbook"/>
+              </a:rPr>
+              <a:t> </a:t>
+            </a:r>
+            <a:r>
+              <a:rPr lang="pt-BR" sz="3000" dirty="0" err="1" smtClean="0">
+                <a:solidFill>
+                  <a:srgbClr val="575F6D"/>
+                </a:solidFill>
+                <a:latin typeface="Century Schoolbook"/>
+              </a:rPr>
+              <a:t>Diagram</a:t>
+            </a:r>
+            <a:r>
+              <a:rPr lang="pt-BR" sz="3000" dirty="0" smtClean="0">
+                <a:solidFill>
+                  <a:srgbClr val="575F6D"/>
+                </a:solidFill>
+                <a:latin typeface="Century Schoolbook"/>
+              </a:rPr>
+              <a:t> </a:t>
+            </a:r>
+            <a:endParaRPr lang="pt-BR" dirty="0">
+              <a:solidFill>
+                <a:srgbClr val="000000"/>
+              </a:solidFill>
+              <a:latin typeface="Century Schoolbook"/>
+            </a:endParaRPr>
           </a:p>
         </p:txBody>
       </p:sp>
       <p:pic>
         <p:nvPicPr>
-          <p:cNvPr descr="" id="117" name="Content Placeholder 6"/>
+          <p:cNvPr id="117" name="Content Placeholder 6"/>
           <p:cNvPicPr/>
           <p:nvPr/>
         </p:nvPicPr>
         <p:blipFill>
-          <a:blip r:embed="rId1"/>
+          <a:blip r:embed="rId2"/>
           <a:stretch>
             <a:fillRect/>
           </a:stretch>
@@ -4735,11 +6130,14 @@
       </p:pic>
     </p:spTree>
   </p:cSld>
+  <p:clrMapOvr>
+    <a:masterClrMapping/>
+  </p:clrMapOvr>
 </p:sld>
 </file>
 
 <file path=ppt/slides/slide8.xml><?xml version="1.0" encoding="utf-8"?>
-<p:sld xmlns:a="http://schemas.openxmlformats.org/drawingml/2006/main" xmlns:p="http://schemas.openxmlformats.org/presentationml/2006/main" xmlns:r="http://schemas.openxmlformats.org/officeDocument/2006/relationships">
+<p:sld xmlns:a="http://schemas.openxmlformats.org/drawingml/2006/main" xmlns:r="http://schemas.openxmlformats.org/officeDocument/2006/relationships" xmlns:p="http://schemas.openxmlformats.org/presentationml/2006/main">
   <p:cSld>
     <p:spTree>
       <p:nvGrpSpPr>
@@ -4771,34 +6169,81 @@
           </a:prstGeom>
         </p:spPr>
         <p:txBody>
-          <a:bodyPr anchor="b" bIns="45000" lIns="90000" rIns="90000" tIns="45000"/>
-          <a:p>
-            <a:pPr>
-              <a:lnSpc>
-                <a:spcPct val="100000"/>
-              </a:lnSpc>
-            </a:pPr>
-            <a:r>
-              <a:rPr lang="en-US" sz="3000">
-                <a:solidFill>
-                  <a:srgbClr val="575f6d"/>
-                </a:solidFill>
-                <a:latin typeface="Century Schoolbook"/>
-              </a:rPr>
-              <a:t>Agents Diagram</a:t>
-            </a:r>
-            <a:endParaRPr/>
+          <a:bodyPr lIns="90000" tIns="45000" rIns="90000" bIns="45000" anchor="b"/>
+          <a:lstStyle/>
+          <a:p>
+            <a:pPr marL="0" lvl="1"/>
+            <a:r>
+              <a:rPr lang="pt-BR" sz="3000" dirty="0" err="1">
+                <a:solidFill>
+                  <a:srgbClr val="575F6D"/>
+                </a:solidFill>
+                <a:latin typeface="Century Schoolbook"/>
+              </a:rPr>
+              <a:t>Architecture</a:t>
+            </a:r>
+            <a:r>
+              <a:rPr lang="pt-BR" sz="3000" dirty="0">
+                <a:solidFill>
+                  <a:srgbClr val="575F6D"/>
+                </a:solidFill>
+                <a:latin typeface="Century Schoolbook"/>
+              </a:rPr>
+              <a:t> – </a:t>
+            </a:r>
+            <a:r>
+              <a:rPr lang="pt-BR" sz="3000" dirty="0" err="1" smtClean="0">
+                <a:solidFill>
+                  <a:srgbClr val="575F6D"/>
+                </a:solidFill>
+                <a:latin typeface="Century Schoolbook"/>
+              </a:rPr>
+              <a:t>Agents</a:t>
+            </a:r>
+            <a:r>
+              <a:rPr lang="pt-BR" sz="3000" dirty="0" smtClean="0">
+                <a:solidFill>
+                  <a:srgbClr val="575F6D"/>
+                </a:solidFill>
+                <a:latin typeface="Century Schoolbook"/>
+              </a:rPr>
+              <a:t> </a:t>
+            </a:r>
+            <a:r>
+              <a:rPr lang="pt-BR" sz="3000" dirty="0" err="1" smtClean="0">
+                <a:solidFill>
+                  <a:srgbClr val="575F6D"/>
+                </a:solidFill>
+                <a:latin typeface="Century Schoolbook"/>
+              </a:rPr>
+              <a:t>Diagram</a:t>
+            </a:r>
+            <a:r>
+              <a:rPr lang="pt-BR" sz="3000" dirty="0" smtClean="0">
+                <a:solidFill>
+                  <a:srgbClr val="575F6D"/>
+                </a:solidFill>
+                <a:latin typeface="Century Schoolbook"/>
+              </a:rPr>
+              <a:t> </a:t>
+            </a:r>
+            <a:endParaRPr lang="pt-BR" dirty="0">
+              <a:solidFill>
+                <a:srgbClr val="000000"/>
+              </a:solidFill>
+              <a:latin typeface="Century Schoolbook"/>
+            </a:endParaRPr>
           </a:p>
         </p:txBody>
       </p:sp>
       <p:pic>
         <p:nvPicPr>
-          <p:cNvPr descr="" id="119" name="Content Placeholder 6"/>
+          <p:cNvPr id="119" name="Content Placeholder 6"/>
           <p:cNvPicPr/>
           <p:nvPr/>
         </p:nvPicPr>
         <p:blipFill>
-          <a:blip r:embed="rId1"/>
+          <a:blip r:embed="rId2"/>
           <a:stretch>
             <a:fillRect/>
           </a:stretch>
@@ -4815,11 +6260,14 @@
       </p:pic>
     </p:spTree>
   </p:cSld>
+  <p:clrMapOvr>
+    <a:masterClrMapping/>
+  </p:clrMapOvr>
 </p:sld>
 </file>
 
 <file path=ppt/slides/slide9.xml><?xml version="1.0" encoding="utf-8"?>
-<p:sld xmlns:a="http://schemas.openxmlformats.org/drawingml/2006/main" xmlns:p="http://schemas.openxmlformats.org/presentationml/2006/main" xmlns:r="http://schemas.openxmlformats.org/officeDocument/2006/relationships">
+<p:sld xmlns:a="http://schemas.openxmlformats.org/drawingml/2006/main" xmlns:r="http://schemas.openxmlformats.org/officeDocument/2006/relationships" xmlns:p="http://schemas.openxmlformats.org/presentationml/2006/main">
   <p:cSld>
     <p:spTree>
       <p:nvGrpSpPr>
@@ -4837,7 +6285,7 @@
       </p:grpSpPr>
       <p:sp>
         <p:nvSpPr>
-          <p:cNvPr id="120" name="TextShape 1"/>
+          <p:cNvPr id="106" name="TextShape 1"/>
           <p:cNvSpPr txBox="1"/>
           <p:nvPr/>
         </p:nvSpPr>
@@ -4851,36 +6299,274 @@
           </a:prstGeom>
         </p:spPr>
         <p:txBody>
-          <a:bodyPr anchor="b" bIns="45000" lIns="90000" rIns="90000" tIns="45000"/>
-          <a:p>
-            <a:endParaRPr/>
-          </a:p>
-        </p:txBody>
-      </p:sp>
-      <p:pic>
-        <p:nvPicPr>
-          <p:cNvPr descr="" id="121" name="Content Placeholder 3"/>
-          <p:cNvPicPr/>
+          <a:bodyPr lIns="90000" tIns="45000" rIns="90000" bIns="45000" anchor="b"/>
+          <a:lstStyle/>
+          <a:p>
+            <a:pPr>
+              <a:lnSpc>
+                <a:spcPct val="100000"/>
+              </a:lnSpc>
+            </a:pPr>
+            <a:r>
+              <a:rPr lang="en-US" sz="3000" dirty="0" smtClean="0">
+                <a:solidFill>
+                  <a:srgbClr val="575F6D"/>
+                </a:solidFill>
+                <a:latin typeface="Century Schoolbook"/>
+              </a:rPr>
+              <a:t>Software Description</a:t>
+            </a:r>
+            <a:r>
+              <a:rPr lang="en-US" sz="3000" dirty="0">
+                <a:solidFill>
+                  <a:srgbClr val="575F6D"/>
+                </a:solidFill>
+                <a:latin typeface="Century Schoolbook"/>
+              </a:rPr>
+              <a:t>	</a:t>
+            </a:r>
+            <a:endParaRPr dirty="0"/>
+          </a:p>
+        </p:txBody>
+      </p:sp>
+      <p:sp>
+        <p:nvSpPr>
+          <p:cNvPr id="107" name="TextShape 2"/>
+          <p:cNvSpPr txBox="1"/>
           <p:nvPr/>
-        </p:nvPicPr>
-        <p:blipFill>
-          <a:blip r:embed="rId1"/>
-          <a:stretch>
-            <a:fillRect/>
-          </a:stretch>
-        </p:blipFill>
-        <p:spPr>
-          <a:xfrm>
-            <a:off x="1295280" y="1828800"/>
-            <a:ext cx="5943240" cy="4493160"/>
-          </a:xfrm>
-          <a:prstGeom prst="rect">
-            <a:avLst/>
-          </a:prstGeom>
-        </p:spPr>
-      </p:pic>
+        </p:nvSpPr>
+        <p:spPr>
+          <a:xfrm>
+            <a:off x="457200" y="1600200"/>
+            <a:ext cx="7467120" cy="4873320"/>
+          </a:xfrm>
+          <a:prstGeom prst="rect">
+            <a:avLst/>
+          </a:prstGeom>
+        </p:spPr>
+        <p:txBody>
+          <a:bodyPr lIns="90000" tIns="45000" rIns="90000" bIns="45000"/>
+          <a:lstStyle/>
+          <a:p>
+            <a:pPr>
+              <a:buSzPct val="70000"/>
+              <a:buFont typeface="Wingdings" charset="2"/>
+              <a:buChar char=""/>
+            </a:pPr>
+            <a:endParaRPr lang="pt-BR" sz="2400" dirty="0" smtClean="0">
+              <a:solidFill>
+                <a:srgbClr val="000000"/>
+              </a:solidFill>
+              <a:latin typeface="Century Schoolbook"/>
+            </a:endParaRPr>
+          </a:p>
+          <a:p>
+            <a:pPr>
+              <a:buSzPct val="70000"/>
+              <a:buFont typeface="Wingdings" charset="2"/>
+              <a:buChar char=""/>
+            </a:pPr>
+            <a:endParaRPr lang="pt-BR" sz="2400" dirty="0">
+              <a:solidFill>
+                <a:srgbClr val="000000"/>
+              </a:solidFill>
+              <a:latin typeface="Century Schoolbook"/>
+            </a:endParaRPr>
+          </a:p>
+          <a:p>
+            <a:pPr>
+              <a:buSzPct val="70000"/>
+              <a:buFont typeface="Wingdings" charset="2"/>
+              <a:buChar char=""/>
+            </a:pPr>
+            <a:r>
+              <a:rPr lang="pt-BR" sz="2400" dirty="0" err="1" smtClean="0">
+                <a:solidFill>
+                  <a:srgbClr val="000000"/>
+                </a:solidFill>
+                <a:latin typeface="Century Schoolbook"/>
+              </a:rPr>
+              <a:t>Patterns</a:t>
+            </a:r>
+            <a:endParaRPr lang="pt-BR" sz="2400" dirty="0" smtClean="0">
+              <a:solidFill>
+                <a:srgbClr val="000000"/>
+              </a:solidFill>
+              <a:latin typeface="Century Schoolbook"/>
+            </a:endParaRPr>
+          </a:p>
+          <a:p>
+            <a:pPr lvl="1">
+              <a:buSzPct val="70000"/>
+              <a:buFont typeface="Wingdings" charset="2"/>
+              <a:buChar char=""/>
+            </a:pPr>
+            <a:r>
+              <a:rPr lang="pt-BR" dirty="0" err="1">
+                <a:solidFill>
+                  <a:srgbClr val="000000"/>
+                </a:solidFill>
+                <a:latin typeface="Century Schoolbook"/>
+              </a:rPr>
+              <a:t>Wrapper</a:t>
+            </a:r>
+            <a:r>
+              <a:rPr lang="pt-BR" dirty="0">
+                <a:solidFill>
+                  <a:srgbClr val="000000"/>
+                </a:solidFill>
+                <a:latin typeface="Century Schoolbook"/>
+              </a:rPr>
+              <a:t>(</a:t>
+            </a:r>
+            <a:r>
+              <a:rPr lang="pt-BR" dirty="0" err="1">
+                <a:solidFill>
+                  <a:srgbClr val="000000"/>
+                </a:solidFill>
+                <a:latin typeface="Century Schoolbook"/>
+              </a:rPr>
+              <a:t>adapter</a:t>
+            </a:r>
+            <a:r>
+              <a:rPr lang="pt-BR" dirty="0">
+                <a:solidFill>
+                  <a:srgbClr val="000000"/>
+                </a:solidFill>
+                <a:latin typeface="Century Schoolbook"/>
+              </a:rPr>
+              <a:t>)</a:t>
+            </a:r>
+          </a:p>
+          <a:p>
+            <a:pPr lvl="1">
+              <a:buSzPct val="70000"/>
+              <a:buFont typeface="Wingdings" charset="2"/>
+              <a:buChar char=""/>
+            </a:pPr>
+            <a:r>
+              <a:rPr lang="pt-BR" dirty="0" err="1">
+                <a:solidFill>
+                  <a:srgbClr val="000000"/>
+                </a:solidFill>
+                <a:latin typeface="Century Schoolbook"/>
+              </a:rPr>
+              <a:t>Composition</a:t>
+            </a:r>
+            <a:endParaRPr lang="pt-BR" dirty="0">
+              <a:solidFill>
+                <a:srgbClr val="000000"/>
+              </a:solidFill>
+              <a:latin typeface="Century Schoolbook"/>
+            </a:endParaRPr>
+          </a:p>
+          <a:p>
+            <a:pPr lvl="1">
+              <a:buSzPct val="70000"/>
+              <a:buFont typeface="Wingdings" charset="2"/>
+              <a:buChar char=""/>
+            </a:pPr>
+            <a:r>
+              <a:rPr lang="pt-BR" dirty="0" err="1">
+                <a:solidFill>
+                  <a:srgbClr val="000000"/>
+                </a:solidFill>
+                <a:latin typeface="Century Schoolbook"/>
+              </a:rPr>
+              <a:t>Messaging</a:t>
+            </a:r>
+            <a:endParaRPr lang="pt-BR" dirty="0">
+              <a:solidFill>
+                <a:srgbClr val="000000"/>
+              </a:solidFill>
+              <a:latin typeface="Century Schoolbook"/>
+            </a:endParaRPr>
+          </a:p>
+          <a:p>
+            <a:pPr marL="0" lvl="1">
+              <a:buSzPct val="70000"/>
+              <a:buFont typeface="Wingdings" charset="2"/>
+              <a:buChar char=""/>
+            </a:pPr>
+            <a:r>
+              <a:rPr lang="pt-BR" sz="2400" dirty="0" err="1">
+                <a:solidFill>
+                  <a:srgbClr val="000000"/>
+                </a:solidFill>
+                <a:latin typeface="Century Schoolbook"/>
+              </a:rPr>
+              <a:t>Code</a:t>
+            </a:r>
+            <a:r>
+              <a:rPr lang="pt-BR" dirty="0">
+                <a:solidFill>
+                  <a:srgbClr val="000000"/>
+                </a:solidFill>
+                <a:latin typeface="Century Schoolbook"/>
+              </a:rPr>
+              <a:t> </a:t>
+            </a:r>
+            <a:r>
+              <a:rPr lang="pt-BR" sz="2400" dirty="0" err="1">
+                <a:solidFill>
+                  <a:srgbClr val="000000"/>
+                </a:solidFill>
+                <a:latin typeface="Century Schoolbook"/>
+              </a:rPr>
+              <a:t>Sample</a:t>
+            </a:r>
+            <a:endParaRPr lang="pt-BR" sz="2400" dirty="0">
+              <a:solidFill>
+                <a:srgbClr val="000000"/>
+              </a:solidFill>
+              <a:latin typeface="Century Schoolbook"/>
+            </a:endParaRPr>
+          </a:p>
+        </p:txBody>
+      </p:sp>
     </p:spTree>
+    <p:extLst>
+      <p:ext uri="{BB962C8B-B14F-4D97-AF65-F5344CB8AC3E}">
+        <p14:creationId xmlns:p14="http://schemas.microsoft.com/office/powerpoint/2010/main" val="1775352344"/>
+      </p:ext>
+    </p:extLst>
   </p:cSld>
+  <p:clrMapOvr>
+    <a:masterClrMapping/>
+  </p:clrMapOvr>
+  <p:timing>
+    <p:tnLst>
+      <p:par>
+        <p:cTn id="1" dur="indefinite" restart="never" nodeType="tmRoot">
+          <p:childTnLst>
+            <p:seq>
+              <p:cTn id="2" nodeType="mainSeq">
+                <p:childTnLst>
+                  <p:par>
+                    <p:cTn id="3"/>
+                  </p:par>
+                </p:childTnLst>
+              </p:cTn>
+              <p:prevCondLst>
+                <p:cond evt="onPrev" delay="0">
+                  <p:tgtEl>
+                    <p:sldTgt/>
+                  </p:tgtEl>
+                </p:cond>
+              </p:prevCondLst>
+              <p:nextCondLst>
+                <p:cond evt="onNext" delay="0">
+                  <p:tgtEl>
+                    <p:sldTgt/>
+                  </p:tgtEl>
+                </p:cond>
+              </p:nextCondLst>
+            </p:seq>
+          </p:childTnLst>
+        </p:cTn>
+      </p:par>
+    </p:tnLst>
+  </p:timing>
 </p:sld>
 </file>
 
@@ -5104,6 +6790,8 @@
       </a:bgFillStyleLst>
     </a:fmtScheme>
   </a:themeElements>
+  <a:objectDefaults/>
+  <a:extraClrSchemeLst/>
 </a:theme>
 </file>
 
@@ -5327,5 +7015,7 @@
       </a:bgFillStyleLst>
     </a:fmtScheme>
   </a:themeElements>
+  <a:objectDefaults/>
+  <a:extraClrSchemeLst/>
 </a:theme>
 </file>